--- a/topic07/talk-1/a-css-layout-part2.pptx
+++ b/topic07/talk-1/a-css-layout-part2.pptx
@@ -5,31 +5,32 @@
     <p:sldMasterId id="2147483648" r:id="rId1"/>
   </p:sldMasterIdLst>
   <p:notesMasterIdLst>
-    <p:notesMasterId r:id="rId24"/>
+    <p:notesMasterId r:id="rId25"/>
   </p:notesMasterIdLst>
   <p:sldIdLst>
     <p:sldId id="256" r:id="rId2"/>
-    <p:sldId id="284" r:id="rId3"/>
-    <p:sldId id="285" r:id="rId4"/>
-    <p:sldId id="286" r:id="rId5"/>
-    <p:sldId id="287" r:id="rId6"/>
-    <p:sldId id="288" r:id="rId7"/>
-    <p:sldId id="289" r:id="rId8"/>
-    <p:sldId id="290" r:id="rId9"/>
-    <p:sldId id="291" r:id="rId10"/>
-    <p:sldId id="260" r:id="rId11"/>
-    <p:sldId id="261" r:id="rId12"/>
-    <p:sldId id="262" r:id="rId13"/>
-    <p:sldId id="277" r:id="rId14"/>
-    <p:sldId id="278" r:id="rId15"/>
-    <p:sldId id="279" r:id="rId16"/>
+    <p:sldId id="260" r:id="rId3"/>
+    <p:sldId id="261" r:id="rId4"/>
+    <p:sldId id="262" r:id="rId5"/>
+    <p:sldId id="277" r:id="rId6"/>
+    <p:sldId id="278" r:id="rId7"/>
+    <p:sldId id="284" r:id="rId8"/>
+    <p:sldId id="285" r:id="rId9"/>
+    <p:sldId id="286" r:id="rId10"/>
+    <p:sldId id="287" r:id="rId11"/>
+    <p:sldId id="288" r:id="rId12"/>
+    <p:sldId id="290" r:id="rId13"/>
+    <p:sldId id="291" r:id="rId14"/>
+    <p:sldId id="279" r:id="rId15"/>
+    <p:sldId id="289" r:id="rId16"/>
     <p:sldId id="280" r:id="rId17"/>
     <p:sldId id="281" r:id="rId18"/>
     <p:sldId id="282" r:id="rId19"/>
-    <p:sldId id="283" r:id="rId20"/>
-    <p:sldId id="292" r:id="rId21"/>
-    <p:sldId id="293" r:id="rId22"/>
-    <p:sldId id="276" r:id="rId23"/>
+    <p:sldId id="294" r:id="rId20"/>
+    <p:sldId id="283" r:id="rId21"/>
+    <p:sldId id="292" r:id="rId22"/>
+    <p:sldId id="293" r:id="rId23"/>
+    <p:sldId id="276" r:id="rId24"/>
   </p:sldIdLst>
   <p:sldSz cx="13004800" cy="9753600"/>
   <p:notesSz cx="6858000" cy="9144000"/>
@@ -727,7 +728,7 @@
             <a:fld id="{3924804A-AD85-48B8-BE72-74F1A958574D}" type="slidenum">
               <a:rPr lang="en-US" sz="1200"/>
               <a:pPr/>
-              <a:t>2</a:t>
+              <a:t>7</a:t>
             </a:fld>
             <a:endParaRPr lang="en-US" sz="1200"/>
           </a:p>
@@ -962,7 +963,7 @@
             <a:fld id="{4727DF8B-04F0-40A4-B3D1-F79C3AF3F8AE}" type="slidenum">
               <a:rPr lang="en-US" sz="1200"/>
               <a:pPr/>
-              <a:t>3</a:t>
+              <a:t>8</a:t>
             </a:fld>
             <a:endParaRPr lang="en-US" sz="1200"/>
           </a:p>
@@ -1197,7 +1198,7 @@
             <a:fld id="{74F40E6F-7A0D-4F4E-A776-0182ABB74E10}" type="slidenum">
               <a:rPr lang="en-US" sz="1200"/>
               <a:pPr/>
-              <a:t>5</a:t>
+              <a:t>10</a:t>
             </a:fld>
             <a:endParaRPr lang="en-US" sz="1200"/>
           </a:p>
@@ -3398,7 +3399,7 @@
         </p:nvSpPr>
         <p:spPr>
           <a:xfrm>
-            <a:off x="4443307" y="9040143"/>
+            <a:off x="4334933" y="9054635"/>
             <a:ext cx="4118187" cy="519289"/>
           </a:xfrm>
           <a:prstGeom prst="rect">
@@ -3439,161 +3440,6 @@
               <a:t>‹#›</a:t>
             </a:fld>
             <a:endParaRPr lang="en-US"/>
-          </a:p>
-        </p:txBody>
-      </p:sp>
-      <p:sp>
-        <p:nvSpPr>
-          <p:cNvPr id="7" name="Rectangle 12"/>
-          <p:cNvSpPr>
-            <a:spLocks noChangeArrowheads="1"/>
-          </p:cNvSpPr>
-          <p:nvPr userDrawn="1"/>
-        </p:nvSpPr>
-        <p:spPr bwMode="auto">
-          <a:xfrm>
-            <a:off x="0" y="9428480"/>
-            <a:ext cx="8453120" cy="377537"/>
-          </a:xfrm>
-          <a:prstGeom prst="rect">
-            <a:avLst/>
-          </a:prstGeom>
-          <a:noFill/>
-          <a:ln>
-            <a:noFill/>
-          </a:ln>
-          <a:extLst>
-            <a:ext uri="{909E8E84-426E-40DD-AFC4-6F175D3DCCD1}">
-              <a14:hiddenFill xmlns:a14="http://schemas.microsoft.com/office/drawing/2010/main">
-                <a:solidFill>
-                  <a:srgbClr val="FFFFFF"/>
-                </a:solidFill>
-              </a14:hiddenFill>
-            </a:ext>
-            <a:ext uri="{91240B29-F687-4F45-9708-019B960494DF}">
-              <a14:hiddenLine xmlns:a14="http://schemas.microsoft.com/office/drawing/2010/main" w="9525">
-                <a:solidFill>
-                  <a:srgbClr val="000000"/>
-                </a:solidFill>
-                <a:miter lim="800000"/>
-                <a:headEnd/>
-                <a:tailEnd/>
-              </a14:hiddenLine>
-            </a:ext>
-          </a:extLst>
-        </p:spPr>
-        <p:txBody>
-          <a:bodyPr lIns="130046" tIns="65023" rIns="130046" bIns="65023">
-            <a:spAutoFit/>
-          </a:bodyPr>
-          <a:lstStyle>
-            <a:lvl1pPr>
-              <a:defRPr sz="2400">
-                <a:solidFill>
-                  <a:schemeClr val="tx1"/>
-                </a:solidFill>
-                <a:latin typeface="Times New Roman" panose="02020603050405020304" pitchFamily="18" charset="0"/>
-              </a:defRPr>
-            </a:lvl1pPr>
-            <a:lvl2pPr marL="742950" indent="-285750">
-              <a:defRPr sz="2400">
-                <a:solidFill>
-                  <a:schemeClr val="tx1"/>
-                </a:solidFill>
-                <a:latin typeface="Times New Roman" panose="02020603050405020304" pitchFamily="18" charset="0"/>
-              </a:defRPr>
-            </a:lvl2pPr>
-            <a:lvl3pPr marL="1143000" indent="-228600">
-              <a:defRPr sz="2400">
-                <a:solidFill>
-                  <a:schemeClr val="tx1"/>
-                </a:solidFill>
-                <a:latin typeface="Times New Roman" panose="02020603050405020304" pitchFamily="18" charset="0"/>
-              </a:defRPr>
-            </a:lvl3pPr>
-            <a:lvl4pPr marL="1600200" indent="-228600">
-              <a:defRPr sz="2400">
-                <a:solidFill>
-                  <a:schemeClr val="tx1"/>
-                </a:solidFill>
-                <a:latin typeface="Times New Roman" panose="02020603050405020304" pitchFamily="18" charset="0"/>
-              </a:defRPr>
-            </a:lvl4pPr>
-            <a:lvl5pPr marL="2057400" indent="-228600">
-              <a:defRPr sz="2400">
-                <a:solidFill>
-                  <a:schemeClr val="tx1"/>
-                </a:solidFill>
-                <a:latin typeface="Times New Roman" panose="02020603050405020304" pitchFamily="18" charset="0"/>
-              </a:defRPr>
-            </a:lvl5pPr>
-            <a:lvl6pPr marL="2514600" indent="-228600" eaLnBrk="0" fontAlgn="base" hangingPunct="0">
-              <a:spcBef>
-                <a:spcPct val="0"/>
-              </a:spcBef>
-              <a:spcAft>
-                <a:spcPct val="0"/>
-              </a:spcAft>
-              <a:defRPr sz="2400">
-                <a:solidFill>
-                  <a:schemeClr val="tx1"/>
-                </a:solidFill>
-                <a:latin typeface="Times New Roman" panose="02020603050405020304" pitchFamily="18" charset="0"/>
-              </a:defRPr>
-            </a:lvl6pPr>
-            <a:lvl7pPr marL="2971800" indent="-228600" eaLnBrk="0" fontAlgn="base" hangingPunct="0">
-              <a:spcBef>
-                <a:spcPct val="0"/>
-              </a:spcBef>
-              <a:spcAft>
-                <a:spcPct val="0"/>
-              </a:spcAft>
-              <a:defRPr sz="2400">
-                <a:solidFill>
-                  <a:schemeClr val="tx1"/>
-                </a:solidFill>
-                <a:latin typeface="Times New Roman" panose="02020603050405020304" pitchFamily="18" charset="0"/>
-              </a:defRPr>
-            </a:lvl7pPr>
-            <a:lvl8pPr marL="3429000" indent="-228600" eaLnBrk="0" fontAlgn="base" hangingPunct="0">
-              <a:spcBef>
-                <a:spcPct val="0"/>
-              </a:spcBef>
-              <a:spcAft>
-                <a:spcPct val="0"/>
-              </a:spcAft>
-              <a:defRPr sz="2400">
-                <a:solidFill>
-                  <a:schemeClr val="tx1"/>
-                </a:solidFill>
-                <a:latin typeface="Times New Roman" panose="02020603050405020304" pitchFamily="18" charset="0"/>
-              </a:defRPr>
-            </a:lvl8pPr>
-            <a:lvl9pPr marL="3886200" indent="-228600" eaLnBrk="0" fontAlgn="base" hangingPunct="0">
-              <a:spcBef>
-                <a:spcPct val="0"/>
-              </a:spcBef>
-              <a:spcAft>
-                <a:spcPct val="0"/>
-              </a:spcAft>
-              <a:defRPr sz="2400">
-                <a:solidFill>
-                  <a:schemeClr val="tx1"/>
-                </a:solidFill>
-                <a:latin typeface="Times New Roman" panose="02020603050405020304" pitchFamily="18" charset="0"/>
-              </a:defRPr>
-            </a:lvl9pPr>
-          </a:lstStyle>
-          <a:p>
-            <a:r>
-              <a:rPr lang="en-US" sz="1600">
-                <a:solidFill>
-                  <a:srgbClr val="10253F"/>
-                </a:solidFill>
-                <a:latin typeface="Gill Sans MT" panose="020B0502020104020203" pitchFamily="34" charset="0"/>
-              </a:rPr>
-              <a:t>Copyright © Terry Felke-Morris</a:t>
-            </a:r>
           </a:p>
         </p:txBody>
       </p:sp>
@@ -4908,7 +4754,7 @@
           </a:ln>
           <a:extLst>
             <a:ext uri="{C572A759-6A51-4108-AA02-DFA0A04FC94B}">
-              <ma14:wrappingTextBoxFlag xmlns="" xmlns:ma14="http://schemas.microsoft.com/office/mac/drawingml/2011/main" val="1"/>
+              <ma14:wrappingTextBoxFlag xmlns:ma14="http://schemas.microsoft.com/office/mac/drawingml/2011/main" xmlns="" val="1"/>
             </a:ext>
           </a:extLst>
         </p:spPr>
@@ -4947,7 +4793,7 @@
           </a:ln>
           <a:extLst>
             <a:ext uri="{C572A759-6A51-4108-AA02-DFA0A04FC94B}">
-              <ma14:wrappingTextBoxFlag xmlns="" xmlns:ma14="http://schemas.microsoft.com/office/mac/drawingml/2011/main" val="1"/>
+              <ma14:wrappingTextBoxFlag xmlns:ma14="http://schemas.microsoft.com/office/mac/drawingml/2011/main" xmlns="" val="1"/>
             </a:ext>
           </a:extLst>
         </p:spPr>
@@ -5953,45 +5799,9 @@
           <a:chExt cx="0" cy="0"/>
         </a:xfrm>
       </p:grpSpPr>
-      <p:pic>
-        <p:nvPicPr>
-          <p:cNvPr id="211" name="image1.png"/>
-          <p:cNvPicPr>
-            <a:picLocks noChangeAspect="1"/>
-          </p:cNvPicPr>
-          <p:nvPr/>
-        </p:nvPicPr>
-        <p:blipFill>
-          <a:blip r:embed="rId2">
-            <a:extLst/>
-          </a:blip>
-          <a:stretch>
-            <a:fillRect/>
-          </a:stretch>
-        </p:blipFill>
-        <p:spPr>
-          <a:xfrm>
-            <a:off x="309712" y="2219058"/>
-            <a:ext cx="5821461" cy="5187586"/>
-          </a:xfrm>
-          <a:prstGeom prst="rect">
-            <a:avLst/>
-          </a:prstGeom>
-          <a:ln w="12700">
-            <a:miter lim="400000"/>
-          </a:ln>
-          <a:effectLst>
-            <a:outerShdw blurRad="292100" dist="139700" dir="2700000" rotWithShape="0">
-              <a:srgbClr val="333333">
-                <a:alpha val="64999"/>
-              </a:srgbClr>
-            </a:outerShdw>
-          </a:effectLst>
-        </p:spPr>
-      </p:pic>
       <p:sp>
         <p:nvSpPr>
-          <p:cNvPr id="212" name="Shape 212"/>
+          <p:cNvPr id="2" name="Title 1"/>
           <p:cNvSpPr>
             <a:spLocks noGrp="1"/>
           </p:cNvSpPr>
@@ -6000,186 +5810,334 @@
           </p:nvPr>
         </p:nvSpPr>
         <p:spPr>
-          <a:prstGeom prst="rect">
-            <a:avLst/>
-          </a:prstGeom>
+          <a:xfrm>
+            <a:off x="529448" y="294414"/>
+            <a:ext cx="11054080" cy="1192107"/>
+          </a:xfrm>
         </p:spPr>
         <p:txBody>
-          <a:bodyPr/>
+          <a:bodyPr>
+            <a:normAutofit/>
+          </a:bodyPr>
           <a:lstStyle/>
           <a:p>
-            <a:r>
-              <a:rPr dirty="0"/>
-              <a:t>Lab </a:t>
-            </a:r>
-            <a:r>
-              <a:rPr dirty="0" smtClean="0"/>
-              <a:t>0</a:t>
-            </a:r>
-            <a:r>
-              <a:rPr lang="en-IE" dirty="0" smtClean="0"/>
-              <a:t>7</a:t>
-            </a:r>
-            <a:r>
-              <a:rPr dirty="0" smtClean="0"/>
-              <a:t>: </a:t>
-            </a:r>
-            <a:r>
-              <a:rPr dirty="0"/>
-              <a:t>Learn CSS Layout Part </a:t>
-            </a:r>
-            <a:r>
-              <a:rPr lang="en-IE" dirty="0" smtClean="0"/>
-              <a:t>2</a:t>
-            </a:r>
-            <a:endParaRPr dirty="0"/>
+            <a:pPr>
+              <a:defRPr/>
+            </a:pPr>
+            <a:r>
+              <a:rPr lang="en-US" dirty="0" smtClean="0">
+                <a:solidFill>
+                  <a:schemeClr val="tx2">
+                    <a:satMod val="130000"/>
+                  </a:schemeClr>
+                </a:solidFill>
+              </a:rPr>
+              <a:t>Design Techniques for Mobile Web</a:t>
+            </a:r>
+            <a:endParaRPr lang="en-US" dirty="0">
+              <a:solidFill>
+                <a:schemeClr val="tx2">
+                  <a:satMod val="130000"/>
+                </a:schemeClr>
+              </a:solidFill>
+            </a:endParaRPr>
           </a:p>
         </p:txBody>
       </p:sp>
       <p:sp>
         <p:nvSpPr>
-          <p:cNvPr id="213" name="Shape 213"/>
+          <p:cNvPr id="3" name="Content Placeholder 2"/>
           <p:cNvSpPr>
             <a:spLocks noGrp="1"/>
           </p:cNvSpPr>
           <p:nvPr>
-            <p:ph type="sldNum" sz="quarter" idx="4294967295"/>
+            <p:ph idx="1"/>
           </p:nvPr>
         </p:nvSpPr>
         <p:spPr>
           <a:xfrm>
-            <a:off x="12453214" y="9194800"/>
-            <a:ext cx="127001" cy="198222"/>
+            <a:off x="592667" y="2286677"/>
+            <a:ext cx="9486054" cy="6502400"/>
+          </a:xfrm>
+        </p:spPr>
+        <p:txBody>
+          <a:bodyPr numCol="2">
+            <a:normAutofit fontScale="92500"/>
+          </a:bodyPr>
+          <a:lstStyle/>
+          <a:p>
+            <a:pPr marL="520184" indent="-403143">
+              <a:buFont typeface="Wingdings 2"/>
+              <a:buChar char=""/>
+              <a:defRPr/>
+            </a:pPr>
+            <a:r>
+              <a:rPr lang="en-US" sz="2400" dirty="0"/>
+              <a:t>Single column design</a:t>
+            </a:r>
+          </a:p>
+          <a:p>
+            <a:pPr marL="520184" indent="-403143">
+              <a:buFont typeface="Wingdings 2"/>
+              <a:buChar char=""/>
+              <a:defRPr/>
+            </a:pPr>
+            <a:r>
+              <a:rPr lang="en-US" sz="2400" dirty="0"/>
+              <a:t>Avoid floats, tables, frames</a:t>
+            </a:r>
+          </a:p>
+          <a:p>
+            <a:pPr marL="520184" indent="-403143">
+              <a:buFont typeface="Wingdings 2"/>
+              <a:buChar char=""/>
+              <a:defRPr/>
+            </a:pPr>
+            <a:r>
+              <a:rPr lang="en-US" sz="2400" dirty="0"/>
+              <a:t>Descriptive page title</a:t>
+            </a:r>
+          </a:p>
+          <a:p>
+            <a:pPr marL="520184" indent="-403143">
+              <a:buFont typeface="Wingdings 2"/>
+              <a:buChar char=""/>
+              <a:defRPr/>
+            </a:pPr>
+            <a:r>
+              <a:rPr lang="en-US" sz="2400" dirty="0"/>
+              <a:t>Descriptive heading tags</a:t>
+            </a:r>
+          </a:p>
+          <a:p>
+            <a:pPr marL="520184" indent="-403143">
+              <a:buFont typeface="Wingdings 2"/>
+              <a:buChar char=""/>
+              <a:defRPr/>
+            </a:pPr>
+            <a:r>
+              <a:rPr lang="en-US" sz="2400" dirty="0"/>
+              <a:t>Optimize images</a:t>
+            </a:r>
+          </a:p>
+          <a:p>
+            <a:pPr marL="520184" indent="-403143">
+              <a:buFont typeface="Wingdings 2"/>
+              <a:buChar char=""/>
+              <a:defRPr/>
+            </a:pPr>
+            <a:r>
+              <a:rPr lang="en-US" sz="2400" dirty="0"/>
+              <a:t>Descriptive alt text for images</a:t>
+            </a:r>
+          </a:p>
+          <a:p>
+            <a:pPr marL="520184" indent="-403143">
+              <a:buFont typeface="Wingdings 2"/>
+              <a:buChar char=""/>
+              <a:defRPr/>
+            </a:pPr>
+            <a:r>
+              <a:rPr lang="en-US" sz="2400" dirty="0"/>
+              <a:t>Eliminate unneeded images</a:t>
+            </a:r>
+          </a:p>
+          <a:p>
+            <a:pPr marL="520184" indent="-403143">
+              <a:buFont typeface="Wingdings 2"/>
+              <a:buChar char=""/>
+              <a:defRPr/>
+            </a:pPr>
+            <a:r>
+              <a:rPr lang="en-US" sz="2400" dirty="0"/>
+              <a:t>Navigation in lists</a:t>
+            </a:r>
+          </a:p>
+          <a:p>
+            <a:pPr marL="520184" indent="-403143">
+              <a:buFont typeface="Wingdings 2"/>
+              <a:buChar char=""/>
+              <a:defRPr/>
+            </a:pPr>
+            <a:r>
+              <a:rPr lang="en-US" sz="2400" dirty="0" err="1"/>
+              <a:t>Em</a:t>
+            </a:r>
+            <a:r>
+              <a:rPr lang="en-US" sz="2400" dirty="0"/>
+              <a:t> or percentage font size units</a:t>
+            </a:r>
+          </a:p>
+          <a:p>
+            <a:pPr marL="520184" indent="-403143">
+              <a:buFont typeface="Wingdings 2"/>
+              <a:buChar char=""/>
+              <a:defRPr/>
+            </a:pPr>
+            <a:r>
+              <a:rPr lang="en-US" sz="2400" dirty="0"/>
+              <a:t>Common font typefaces</a:t>
+            </a:r>
+          </a:p>
+          <a:p>
+            <a:pPr marL="520184" indent="-403143">
+              <a:buFont typeface="Wingdings 2"/>
+              <a:buChar char=""/>
+              <a:defRPr/>
+            </a:pPr>
+            <a:r>
+              <a:rPr lang="en-US" sz="2400" dirty="0"/>
+              <a:t>Good contrast between text and background colors </a:t>
+            </a:r>
+          </a:p>
+          <a:p>
+            <a:pPr marL="520184" indent="-403143">
+              <a:buFont typeface="Wingdings 2"/>
+              <a:buChar char=""/>
+              <a:defRPr/>
+            </a:pPr>
+            <a:r>
+              <a:rPr lang="en-US" sz="2400" dirty="0"/>
+              <a:t>Provide “Skip to Content” hyperlink</a:t>
+            </a:r>
+          </a:p>
+          <a:p>
+            <a:pPr marL="520184" indent="-403143">
+              <a:buFont typeface="Wingdings 2"/>
+              <a:buChar char=""/>
+              <a:defRPr/>
+            </a:pPr>
+            <a:r>
+              <a:rPr lang="en-US" sz="2400" dirty="0"/>
+              <a:t>Provide “Back to Top” hyperlink</a:t>
+            </a:r>
+          </a:p>
+          <a:p>
+            <a:pPr marL="520184" indent="-403143">
+              <a:buFont typeface="Wingdings 2"/>
+              <a:buChar char=""/>
+              <a:defRPr/>
+            </a:pPr>
+            <a:endParaRPr lang="en-US" sz="2400" dirty="0"/>
+          </a:p>
+        </p:txBody>
+      </p:sp>
+      <p:pic>
+        <p:nvPicPr>
+          <p:cNvPr id="26629" name="Picture 5" descr="Figure7"/>
+          <p:cNvPicPr>
+            <a:picLocks noChangeAspect="1" noChangeArrowheads="1"/>
+          </p:cNvPicPr>
+          <p:nvPr/>
+        </p:nvPicPr>
+        <p:blipFill>
+          <a:blip r:embed="rId3"/>
+          <a:srcRect/>
+          <a:stretch>
+            <a:fillRect/>
+          </a:stretch>
+        </p:blipFill>
+        <p:spPr bwMode="auto">
+          <a:xfrm>
+            <a:off x="10303369" y="1192107"/>
+            <a:ext cx="2334542" cy="3937564"/>
           </a:xfrm>
           <a:prstGeom prst="rect">
             <a:avLst/>
           </a:prstGeom>
+          <a:noFill/>
+          <a:ln>
+            <a:noFill/>
+          </a:ln>
+          <a:effectLst>
+            <a:outerShdw blurRad="50800" dist="38100" dir="2700000" algn="tl" rotWithShape="0">
+              <a:prstClr val="black">
+                <a:alpha val="40000"/>
+              </a:prstClr>
+            </a:outerShdw>
+          </a:effectLst>
           <a:extLst>
-            <a:ext uri="{C572A759-6A51-4108-AA02-DFA0A04FC94B}">
-              <ma14:wrappingTextBoxFlag xmlns="" xmlns:ma14="http://schemas.microsoft.com/office/mac/drawingml/2011/main" val="1"/>
+            <a:ext uri="{909E8E84-426E-40DD-AFC4-6F175D3DCCD1}">
+              <a14:hiddenFill xmlns:a14="http://schemas.microsoft.com/office/drawing/2010/main">
+                <a:solidFill>
+                  <a:srgbClr val="FFFFFF"/>
+                </a:solidFill>
+              </a14:hiddenFill>
+            </a:ext>
+            <a:ext uri="{91240B29-F687-4F45-9708-019B960494DF}">
+              <a14:hiddenLine xmlns:a14="http://schemas.microsoft.com/office/drawing/2010/main" w="9525">
+                <a:solidFill>
+                  <a:srgbClr val="000000"/>
+                </a:solidFill>
+                <a:miter lim="800000"/>
+                <a:headEnd/>
+                <a:tailEnd/>
+              </a14:hiddenLine>
             </a:ext>
           </a:extLst>
         </p:spPr>
-        <p:txBody>
-          <a:bodyPr/>
-          <a:lstStyle/>
-          <a:p>
-            <a:fld id="{86CB4B4D-7CA3-9044-876B-883B54F8677D}" type="slidenum">
-              <a:t>10</a:t>
-            </a:fld>
-            <a:endParaRPr/>
-          </a:p>
-        </p:txBody>
-      </p:sp>
+      </p:pic>
       <p:pic>
         <p:nvPicPr>
-          <p:cNvPr id="214" name="image2.png"/>
+          <p:cNvPr id="26630" name="Picture 6" descr="Figure7"/>
           <p:cNvPicPr>
-            <a:picLocks noChangeAspect="1"/>
+            <a:picLocks noChangeAspect="1" noChangeArrowheads="1"/>
           </p:cNvPicPr>
           <p:nvPr/>
         </p:nvPicPr>
         <p:blipFill>
-          <a:blip r:embed="rId3">
-            <a:extLst/>
-          </a:blip>
+          <a:blip r:embed="rId4"/>
+          <a:srcRect/>
           <a:stretch>
             <a:fillRect/>
           </a:stretch>
         </p:blipFill>
-        <p:spPr>
+        <p:spPr bwMode="auto">
           <a:xfrm>
-            <a:off x="337633" y="6604992"/>
-            <a:ext cx="6429376" cy="2362201"/>
+            <a:off x="10356426" y="5537877"/>
+            <a:ext cx="2454205" cy="4082062"/>
           </a:xfrm>
           <a:prstGeom prst="rect">
             <a:avLst/>
           </a:prstGeom>
-          <a:ln w="12700">
-            <a:miter lim="400000"/>
+          <a:noFill/>
+          <a:ln>
+            <a:noFill/>
           </a:ln>
           <a:effectLst>
-            <a:outerShdw blurRad="292100" dist="139700" dir="2700000" rotWithShape="0">
-              <a:srgbClr val="333333">
-                <a:alpha val="64999"/>
-              </a:srgbClr>
+            <a:outerShdw blurRad="50800" dist="38100" dir="2700000" algn="tl" rotWithShape="0">
+              <a:prstClr val="black">
+                <a:alpha val="40000"/>
+              </a:prstClr>
             </a:outerShdw>
           </a:effectLst>
-        </p:spPr>
-      </p:pic>
-      <p:pic>
-        <p:nvPicPr>
-          <p:cNvPr id="215" name="image3.png"/>
-          <p:cNvPicPr>
-            <a:picLocks noChangeAspect="1"/>
-          </p:cNvPicPr>
-          <p:nvPr/>
-        </p:nvPicPr>
-        <p:blipFill>
-          <a:blip r:embed="rId4">
-            <a:extLst/>
-          </a:blip>
-          <a:stretch>
-            <a:fillRect/>
-          </a:stretch>
-        </p:blipFill>
-        <p:spPr>
-          <a:xfrm>
-            <a:off x="6369794" y="2247623"/>
-            <a:ext cx="6429376" cy="3228976"/>
-          </a:xfrm>
-          <a:prstGeom prst="rect">
-            <a:avLst/>
-          </a:prstGeom>
-          <a:ln w="12700">
-            <a:miter lim="400000"/>
-          </a:ln>
-          <a:effectLst>
-            <a:outerShdw blurRad="292100" dist="139700" dir="2700000" rotWithShape="0">
-              <a:srgbClr val="333333">
-                <a:alpha val="64999"/>
-              </a:srgbClr>
-            </a:outerShdw>
-          </a:effectLst>
-        </p:spPr>
-      </p:pic>
-      <p:pic>
-        <p:nvPicPr>
-          <p:cNvPr id="216" name="image4.png"/>
-          <p:cNvPicPr>
-            <a:picLocks noChangeAspect="1"/>
-          </p:cNvPicPr>
-          <p:nvPr/>
-        </p:nvPicPr>
-        <p:blipFill>
-          <a:blip r:embed="rId5">
-            <a:extLst/>
-          </a:blip>
-          <a:stretch>
-            <a:fillRect/>
-          </a:stretch>
-        </p:blipFill>
-        <p:spPr>
-          <a:xfrm>
-            <a:off x="7798544" y="5596880"/>
-            <a:ext cx="5000626" cy="2971801"/>
-          </a:xfrm>
-          <a:prstGeom prst="rect">
-            <a:avLst/>
-          </a:prstGeom>
-          <a:ln w="12700">
-            <a:miter lim="400000"/>
-          </a:ln>
-          <a:effectLst>
-            <a:outerShdw blurRad="292100" dist="139700" dir="2700000" rotWithShape="0">
-              <a:srgbClr val="333333">
-                <a:alpha val="64999"/>
-              </a:srgbClr>
-            </a:outerShdw>
-          </a:effectLst>
+          <a:extLst>
+            <a:ext uri="{909E8E84-426E-40DD-AFC4-6F175D3DCCD1}">
+              <a14:hiddenFill xmlns:a14="http://schemas.microsoft.com/office/drawing/2010/main">
+                <a:solidFill>
+                  <a:srgbClr val="FFFFFF"/>
+                </a:solidFill>
+              </a14:hiddenFill>
+            </a:ext>
+            <a:ext uri="{91240B29-F687-4F45-9708-019B960494DF}">
+              <a14:hiddenLine xmlns:a14="http://schemas.microsoft.com/office/drawing/2010/main" w="9525">
+                <a:solidFill>
+                  <a:srgbClr val="000000"/>
+                </a:solidFill>
+                <a:miter lim="800000"/>
+                <a:headEnd/>
+                <a:tailEnd/>
+              </a14:hiddenLine>
+            </a:ext>
+          </a:extLst>
         </p:spPr>
       </p:pic>
     </p:spTree>
+    <p:extLst>
+      <p:ext uri="{BB962C8B-B14F-4D97-AF65-F5344CB8AC3E}">
+        <p14:creationId xmlns:p14="http://schemas.microsoft.com/office/powerpoint/2010/main" val="3245224623"/>
+      </p:ext>
+    </p:extLst>
   </p:cSld>
   <p:clrMapOvr>
     <a:masterClrMapping/>
@@ -6207,7 +6165,7 @@
       </p:grpSpPr>
       <p:sp>
         <p:nvSpPr>
-          <p:cNvPr id="218" name="Shape 218"/>
+          <p:cNvPr id="2" name="Title 1"/>
           <p:cNvSpPr>
             <a:spLocks noGrp="1"/>
           </p:cNvSpPr>
@@ -6215,216 +6173,103 @@
             <p:ph type="title"/>
           </p:nvPr>
         </p:nvSpPr>
-        <p:spPr>
-          <a:prstGeom prst="rect">
-            <a:avLst/>
-          </a:prstGeom>
-        </p:spPr>
+        <p:spPr/>
         <p:txBody>
-          <a:bodyPr/>
+          <a:bodyPr>
+            <a:normAutofit/>
+          </a:bodyPr>
           <a:lstStyle/>
           <a:p>
             <a:r>
-              <a:rPr dirty="0"/>
-              <a:t>CSS </a:t>
-            </a:r>
-            <a:r>
-              <a:rPr dirty="0" smtClean="0"/>
-              <a:t>Layout</a:t>
-            </a:r>
-            <a:r>
-              <a:rPr lang="en-IE" dirty="0" smtClean="0"/>
-              <a:t> Part 2</a:t>
-            </a:r>
-            <a:endParaRPr dirty="0"/>
+              <a:rPr lang="en-US" dirty="0" smtClean="0">
+                <a:solidFill>
+                  <a:schemeClr val="tx2">
+                    <a:satMod val="130000"/>
+                  </a:schemeClr>
+                </a:solidFill>
+              </a:rPr>
+              <a:t>Design Techniques for Mobile Web</a:t>
+            </a:r>
+            <a:endParaRPr lang="ga-IE" dirty="0"/>
           </a:p>
         </p:txBody>
       </p:sp>
       <p:sp>
         <p:nvSpPr>
-          <p:cNvPr id="219" name="Shape 219"/>
+          <p:cNvPr id="3" name="Content Placeholder 2"/>
           <p:cNvSpPr>
             <a:spLocks noGrp="1"/>
           </p:cNvSpPr>
           <p:nvPr>
-            <p:ph type="body" idx="1"/>
+            <p:ph idx="1"/>
+          </p:nvPr>
+        </p:nvSpPr>
+        <p:spPr/>
+        <p:txBody>
+          <a:bodyPr/>
+          <a:lstStyle/>
+          <a:p>
+            <a:r>
+              <a:rPr lang="ga-IE" dirty="0"/>
+              <a:t>Set most padding and margin to 0.</a:t>
+            </a:r>
+          </a:p>
+          <a:p>
+            <a:r>
+              <a:rPr lang="ga-IE" dirty="0"/>
+              <a:t>Background images may have to be adjusted so they have no-repeat and are positioned in the right top of the screen.</a:t>
+            </a:r>
+          </a:p>
+          <a:p>
+            <a:r>
+              <a:rPr lang="ga-IE" dirty="0"/>
+              <a:t>Logos may also need modifying.</a:t>
+            </a:r>
+          </a:p>
+          <a:p>
+            <a:endParaRPr lang="ga-IE" dirty="0"/>
+          </a:p>
+        </p:txBody>
+      </p:sp>
+      <p:sp>
+        <p:nvSpPr>
+          <p:cNvPr id="4" name="Slide Number Placeholder 3"/>
+          <p:cNvSpPr>
+            <a:spLocks noGrp="1"/>
+          </p:cNvSpPr>
+          <p:nvPr>
+            <p:ph type="sldNum" sz="quarter" idx="12"/>
           </p:nvPr>
         </p:nvSpPr>
         <p:spPr>
-          <a:prstGeom prst="rect">
-            <a:avLst/>
-          </a:prstGeom>
+          <a:xfrm>
+            <a:off x="12480829" y="9194800"/>
+            <a:ext cx="99386" cy="215444"/>
+          </a:xfrm>
         </p:spPr>
         <p:txBody>
           <a:bodyPr/>
           <a:lstStyle/>
           <a:p>
-            <a:pPr>
-              <a:spcBef>
-                <a:spcPts val="600"/>
-              </a:spcBef>
-              <a:defRPr sz="2800">
-                <a:latin typeface="Helvetica Neue Light"/>
-                <a:ea typeface="Helvetica Neue Light"/>
-                <a:cs typeface="Helvetica Neue Light"/>
-                <a:sym typeface="Helvetica Neue Light"/>
-              </a:defRPr>
-            </a:pPr>
-            <a:r>
-              <a:rPr lang="en-IE" dirty="0" smtClean="0"/>
-              <a:t>The </a:t>
-            </a:r>
-            <a:r>
-              <a:rPr lang="en-IE" dirty="0" err="1" smtClean="0"/>
-              <a:t>clearfix</a:t>
-            </a:r>
-            <a:r>
-              <a:rPr lang="en-IE" dirty="0" smtClean="0"/>
-              <a:t> hack</a:t>
-            </a:r>
-          </a:p>
-          <a:p>
-            <a:pPr>
-              <a:spcBef>
-                <a:spcPts val="600"/>
-              </a:spcBef>
-              <a:defRPr sz="2800">
-                <a:latin typeface="Helvetica Neue Light"/>
-                <a:ea typeface="Helvetica Neue Light"/>
-                <a:cs typeface="Helvetica Neue Light"/>
-                <a:sym typeface="Helvetica Neue Light"/>
-              </a:defRPr>
-            </a:pPr>
-            <a:r>
-              <a:rPr lang="en-IE" dirty="0" smtClean="0"/>
-              <a:t>Float layout example</a:t>
-            </a:r>
-          </a:p>
-          <a:p>
-            <a:pPr>
-              <a:spcBef>
-                <a:spcPts val="600"/>
-              </a:spcBef>
-              <a:defRPr sz="2800">
-                <a:latin typeface="Helvetica Neue Light"/>
-                <a:ea typeface="Helvetica Neue Light"/>
-                <a:cs typeface="Helvetica Neue Light"/>
-                <a:sym typeface="Helvetica Neue Light"/>
-              </a:defRPr>
-            </a:pPr>
-            <a:r>
-              <a:rPr lang="en-IE" dirty="0" smtClean="0"/>
-              <a:t>Percent width</a:t>
-            </a:r>
-          </a:p>
-          <a:p>
-            <a:pPr>
-              <a:spcBef>
-                <a:spcPts val="600"/>
-              </a:spcBef>
-              <a:defRPr sz="2800">
-                <a:latin typeface="Helvetica Neue Light"/>
-                <a:ea typeface="Helvetica Neue Light"/>
-                <a:cs typeface="Helvetica Neue Light"/>
-                <a:sym typeface="Helvetica Neue Light"/>
-              </a:defRPr>
-            </a:pPr>
-            <a:r>
-              <a:rPr lang="en-IE" dirty="0" smtClean="0"/>
-              <a:t>Media queries</a:t>
-            </a:r>
-          </a:p>
-          <a:p>
-            <a:pPr>
-              <a:spcBef>
-                <a:spcPts val="600"/>
-              </a:spcBef>
-              <a:defRPr sz="2800">
-                <a:latin typeface="Helvetica Neue Light"/>
-                <a:ea typeface="Helvetica Neue Light"/>
-                <a:cs typeface="Helvetica Neue Light"/>
-                <a:sym typeface="Helvetica Neue Light"/>
-              </a:defRPr>
-            </a:pPr>
-            <a:r>
-              <a:rPr lang="en-IE" dirty="0" smtClean="0"/>
-              <a:t>Inline-block</a:t>
-            </a:r>
-          </a:p>
-          <a:p>
-            <a:pPr>
-              <a:spcBef>
-                <a:spcPts val="600"/>
-              </a:spcBef>
-              <a:defRPr sz="2800">
-                <a:latin typeface="Helvetica Neue Light"/>
-                <a:ea typeface="Helvetica Neue Light"/>
-                <a:cs typeface="Helvetica Neue Light"/>
-                <a:sym typeface="Helvetica Neue Light"/>
-              </a:defRPr>
-            </a:pPr>
-            <a:r>
-              <a:rPr lang="en-IE" dirty="0" smtClean="0"/>
-              <a:t>Inline-block layout</a:t>
-            </a:r>
-          </a:p>
-          <a:p>
-            <a:pPr>
-              <a:spcBef>
-                <a:spcPts val="600"/>
-              </a:spcBef>
-              <a:defRPr sz="2800">
-                <a:latin typeface="Helvetica Neue Light"/>
-                <a:ea typeface="Helvetica Neue Light"/>
-                <a:cs typeface="Helvetica Neue Light"/>
-                <a:sym typeface="Helvetica Neue Light"/>
-              </a:defRPr>
-            </a:pPr>
-            <a:r>
-              <a:rPr lang="en-IE" dirty="0" smtClean="0"/>
-              <a:t>Column</a:t>
-            </a:r>
-          </a:p>
-          <a:p>
-            <a:pPr>
-              <a:spcBef>
-                <a:spcPts val="600"/>
-              </a:spcBef>
-              <a:defRPr sz="2800">
-                <a:latin typeface="Helvetica Neue Light"/>
-                <a:ea typeface="Helvetica Neue Light"/>
-                <a:cs typeface="Helvetica Neue Light"/>
-                <a:sym typeface="Helvetica Neue Light"/>
-              </a:defRPr>
-            </a:pPr>
-            <a:r>
-              <a:rPr lang="en-IE" dirty="0" smtClean="0"/>
-              <a:t>Flexbox</a:t>
-            </a:r>
-            <a:endParaRPr lang="en-IE" dirty="0" smtClean="0"/>
-          </a:p>
-          <a:p>
-            <a:pPr>
-              <a:spcBef>
-                <a:spcPts val="600"/>
-              </a:spcBef>
-              <a:defRPr sz="2800">
-                <a:latin typeface="Helvetica Neue Light"/>
-                <a:ea typeface="Helvetica Neue Light"/>
-                <a:cs typeface="Helvetica Neue Light"/>
-                <a:sym typeface="Helvetica Neue Light"/>
-              </a:defRPr>
-            </a:pPr>
-            <a:endParaRPr dirty="0"/>
+            <a:fld id="{D8398C30-C104-41D7-9C80-07F0F518FD17}" type="slidenum">
+              <a:rPr lang="en-US" smtClean="0"/>
+              <a:pPr/>
+              <a:t>11</a:t>
+            </a:fld>
+            <a:endParaRPr lang="en-US"/>
           </a:p>
         </p:txBody>
       </p:sp>
     </p:spTree>
+    <p:extLst>
+      <p:ext uri="{BB962C8B-B14F-4D97-AF65-F5344CB8AC3E}">
+        <p14:creationId xmlns:p14="http://schemas.microsoft.com/office/powerpoint/2010/main" val="3671606818"/>
+      </p:ext>
+    </p:extLst>
   </p:cSld>
   <p:clrMapOvr>
     <a:masterClrMapping/>
   </p:clrMapOvr>
-  <p:transition spd="slow"/>
 </p:sld>
 </file>
 
@@ -6447,7 +6292,7 @@
       </p:grpSpPr>
       <p:sp>
         <p:nvSpPr>
-          <p:cNvPr id="221" name="Shape 221"/>
+          <p:cNvPr id="2" name="Title 1"/>
           <p:cNvSpPr>
             <a:spLocks noGrp="1"/>
           </p:cNvSpPr>
@@ -6456,216 +6301,191 @@
           </p:nvPr>
         </p:nvSpPr>
         <p:spPr>
-          <a:prstGeom prst="rect">
-            <a:avLst/>
-          </a:prstGeom>
+          <a:xfrm>
+            <a:off x="425196" y="458216"/>
+            <a:ext cx="11861800" cy="1397000"/>
+          </a:xfrm>
         </p:spPr>
         <p:txBody>
-          <a:bodyPr/>
+          <a:bodyPr>
+            <a:normAutofit/>
+          </a:bodyPr>
           <a:lstStyle/>
           <a:p>
-            <a:r>
-              <a:rPr lang="en-IE" dirty="0" err="1" smtClean="0"/>
-              <a:t>Clearfix</a:t>
-            </a:r>
-            <a:r>
-              <a:rPr lang="en-IE" dirty="0" smtClean="0"/>
-              <a:t> hack</a:t>
-            </a:r>
-            <a:endParaRPr dirty="0"/>
+            <a:pPr>
+              <a:defRPr/>
+            </a:pPr>
+            <a:r>
+              <a:rPr lang="ga-IE" dirty="0">
+                <a:solidFill>
+                  <a:schemeClr val="tx2">
+                    <a:satMod val="130000"/>
+                  </a:schemeClr>
+                </a:solidFill>
+              </a:rPr>
+              <a:t>Media queries</a:t>
+            </a:r>
           </a:p>
         </p:txBody>
       </p:sp>
       <p:sp>
         <p:nvSpPr>
-          <p:cNvPr id="222" name="Shape 222"/>
+          <p:cNvPr id="3" name="Content Placeholder 2"/>
           <p:cNvSpPr>
             <a:spLocks noGrp="1"/>
           </p:cNvSpPr>
           <p:nvPr>
-            <p:ph type="body" sz="quarter" idx="1"/>
+            <p:ph idx="1"/>
+          </p:nvPr>
+        </p:nvSpPr>
+        <p:spPr/>
+        <p:txBody>
+          <a:bodyPr>
+            <a:normAutofit/>
+          </a:bodyPr>
+          <a:lstStyle/>
+          <a:p>
+            <a:r>
+              <a:rPr lang="en-US" dirty="0" smtClean="0"/>
+              <a:t>Responsive </a:t>
+            </a:r>
+            <a:r>
+              <a:rPr lang="en-US" dirty="0"/>
+              <a:t>design </a:t>
+            </a:r>
+            <a:r>
+              <a:rPr lang="en-US" dirty="0" smtClean="0"/>
+              <a:t>is the strategy of making a site that “responds” to the browser and device that it is being shown on so it is awesome no matter what.</a:t>
+            </a:r>
+          </a:p>
+          <a:p>
+            <a:r>
+              <a:rPr lang="en-US" dirty="0" smtClean="0"/>
+              <a:t>CSS3 media queries are the most powerful tool for doing this. They </a:t>
+            </a:r>
+            <a:r>
+              <a:rPr lang="en-US" dirty="0"/>
+              <a:t>currently enjoy decent support across many modern browsers. </a:t>
+            </a:r>
+            <a:r>
+              <a:rPr lang="ga-IE" dirty="0" smtClean="0"/>
+              <a:t>T</a:t>
+            </a:r>
+            <a:r>
+              <a:rPr lang="en-US" dirty="0" smtClean="0"/>
+              <a:t>hey </a:t>
+            </a:r>
+            <a:r>
+              <a:rPr lang="en-US" dirty="0"/>
+              <a:t>basically allow you to gather data about the site visitor and use it to conditionally apply CSS styles. For our purposes, we’re primarily interested in the min-width media feature, which allows us to apply specific CSS styles if the browser window drops below a particular width that we can specify. </a:t>
+            </a:r>
+            <a:endParaRPr lang="ga-IE" dirty="0" smtClean="0"/>
+          </a:p>
+          <a:p>
+            <a:r>
+              <a:rPr lang="en-US" dirty="0"/>
+              <a:t>The set of pixel widths </a:t>
+            </a:r>
+            <a:r>
+              <a:rPr lang="en-US" dirty="0" smtClean="0"/>
+              <a:t>you can target are </a:t>
+            </a:r>
+            <a:r>
+              <a:rPr lang="en-US" dirty="0"/>
+              <a:t>as follows:</a:t>
+            </a:r>
+          </a:p>
+          <a:p>
+            <a:r>
+              <a:rPr lang="en-US" dirty="0" smtClean="0"/>
+              <a:t>320px</a:t>
+            </a:r>
+            <a:r>
+              <a:rPr lang="ga-IE" dirty="0" smtClean="0"/>
+              <a:t>, </a:t>
+            </a:r>
+            <a:r>
+              <a:rPr lang="en-US" dirty="0" smtClean="0"/>
+              <a:t>480px</a:t>
+            </a:r>
+            <a:r>
+              <a:rPr lang="ga-IE" dirty="0" smtClean="0"/>
+              <a:t>, </a:t>
+            </a:r>
+            <a:r>
+              <a:rPr lang="en-US" dirty="0" smtClean="0"/>
+              <a:t>600px</a:t>
+            </a:r>
+            <a:r>
+              <a:rPr lang="ga-IE" dirty="0" smtClean="0"/>
+              <a:t>, </a:t>
+            </a:r>
+            <a:r>
+              <a:rPr lang="en-US" dirty="0" smtClean="0"/>
+              <a:t>768px</a:t>
+            </a:r>
+            <a:r>
+              <a:rPr lang="ga-IE" dirty="0" smtClean="0"/>
+              <a:t>, </a:t>
+            </a:r>
+            <a:r>
+              <a:rPr lang="en-US" dirty="0" smtClean="0"/>
+              <a:t>900px</a:t>
+            </a:r>
+            <a:r>
+              <a:rPr lang="ga-IE" dirty="0" smtClean="0"/>
+              <a:t>, </a:t>
+            </a:r>
+            <a:r>
+              <a:rPr lang="en-US" dirty="0" smtClean="0"/>
+              <a:t>1200px</a:t>
+            </a:r>
+            <a:endParaRPr lang="en-US" dirty="0"/>
+          </a:p>
+          <a:p>
+            <a:endParaRPr lang="ga-IE" dirty="0"/>
+          </a:p>
+        </p:txBody>
+      </p:sp>
+      <p:sp>
+        <p:nvSpPr>
+          <p:cNvPr id="4" name="Slide Number Placeholder 3"/>
+          <p:cNvSpPr>
+            <a:spLocks noGrp="1"/>
+          </p:cNvSpPr>
+          <p:nvPr>
+            <p:ph type="sldNum" sz="quarter" idx="12"/>
           </p:nvPr>
         </p:nvSpPr>
         <p:spPr>
           <a:xfrm>
-            <a:off x="571500" y="2324100"/>
-            <a:ext cx="11861800" cy="2048644"/>
+            <a:off x="12480829" y="9194800"/>
+            <a:ext cx="99386" cy="215444"/>
           </a:xfrm>
-          <a:prstGeom prst="rect">
-            <a:avLst/>
-          </a:prstGeom>
         </p:spPr>
         <p:txBody>
           <a:bodyPr/>
           <a:lstStyle/>
           <a:p>
-            <a:endParaRPr dirty="0"/>
+            <a:fld id="{D8398C30-C104-41D7-9C80-07F0F518FD17}" type="slidenum">
+              <a:rPr lang="en-US" smtClean="0"/>
+              <a:pPr/>
+              <a:t>12</a:t>
+            </a:fld>
+            <a:endParaRPr lang="en-US"/>
           </a:p>
         </p:txBody>
       </p:sp>
-      <p:sp>
-        <p:nvSpPr>
-          <p:cNvPr id="224" name="Shape 224"/>
-          <p:cNvSpPr/>
-          <p:nvPr/>
-        </p:nvSpPr>
-        <p:spPr>
-          <a:xfrm>
-            <a:off x="6214367" y="6798945"/>
-            <a:ext cx="6218933" cy="2257028"/>
-          </a:xfrm>
-          <a:prstGeom prst="rect">
-            <a:avLst/>
-          </a:prstGeom>
-          <a:ln w="12700">
-            <a:miter lim="400000"/>
-          </a:ln>
-          <a:extLst>
-            <a:ext uri="{C572A759-6A51-4108-AA02-DFA0A04FC94B}">
-              <ma14:wrappingTextBoxFlag xmlns="" xmlns:ma14="http://schemas.microsoft.com/office/mac/drawingml/2011/main" val="1"/>
-            </a:ext>
-          </a:extLst>
-        </p:spPr>
-        <p:txBody>
-          <a:bodyPr lIns="50800" tIns="50800" rIns="50800" bIns="50800" anchor="ctr">
-            <a:spAutoFit/>
-          </a:bodyPr>
-          <a:lstStyle>
-            <a:lvl1pPr>
-              <a:defRPr sz="2800"/>
-            </a:lvl1pPr>
-          </a:lstStyle>
-          <a:p>
-            <a:r>
-              <a:rPr lang="en-IE" dirty="0" smtClean="0"/>
-              <a:t>In this case an image overflows the container, we used float right for the image within the &lt;p&gt;, however because it is taller than the text it overflows.</a:t>
-            </a:r>
-            <a:endParaRPr dirty="0"/>
-          </a:p>
-        </p:txBody>
-      </p:sp>
-      <p:pic>
-        <p:nvPicPr>
-          <p:cNvPr id="2" name="Picture 1"/>
-          <p:cNvPicPr>
-            <a:picLocks noChangeAspect="1"/>
-          </p:cNvPicPr>
-          <p:nvPr/>
-        </p:nvPicPr>
-        <p:blipFill>
-          <a:blip r:embed="rId2"/>
-          <a:stretch>
-            <a:fillRect/>
-          </a:stretch>
-        </p:blipFill>
-        <p:spPr>
-          <a:xfrm>
-            <a:off x="1035139" y="2534996"/>
-            <a:ext cx="10115550" cy="3495675"/>
-          </a:xfrm>
-          <a:prstGeom prst="rect">
-            <a:avLst/>
-          </a:prstGeom>
-          <a:ln>
-            <a:noFill/>
-          </a:ln>
-          <a:effectLst>
-            <a:outerShdw blurRad="292100" dist="139700" dir="2700000" algn="tl" rotWithShape="0">
-              <a:srgbClr val="333333">
-                <a:alpha val="65000"/>
-              </a:srgbClr>
-            </a:outerShdw>
-          </a:effectLst>
-        </p:spPr>
-      </p:pic>
-      <p:pic>
-        <p:nvPicPr>
-          <p:cNvPr id="3" name="Picture 2"/>
-          <p:cNvPicPr>
-            <a:picLocks noChangeAspect="1"/>
-          </p:cNvPicPr>
-          <p:nvPr/>
-        </p:nvPicPr>
-        <p:blipFill>
-          <a:blip r:embed="rId3"/>
-          <a:stretch>
-            <a:fillRect/>
-          </a:stretch>
-        </p:blipFill>
-        <p:spPr>
-          <a:xfrm>
-            <a:off x="628650" y="6687921"/>
-            <a:ext cx="2841401" cy="986834"/>
-          </a:xfrm>
-          <a:prstGeom prst="rect">
-            <a:avLst/>
-          </a:prstGeom>
-        </p:spPr>
-      </p:pic>
-      <p:pic>
-        <p:nvPicPr>
-          <p:cNvPr id="4" name="Picture 3"/>
-          <p:cNvPicPr>
-            <a:picLocks noChangeAspect="1"/>
-          </p:cNvPicPr>
-          <p:nvPr/>
-        </p:nvPicPr>
-        <p:blipFill>
-          <a:blip r:embed="rId4"/>
-          <a:stretch>
-            <a:fillRect/>
-          </a:stretch>
-        </p:blipFill>
-        <p:spPr>
-          <a:xfrm>
-            <a:off x="628650" y="7674756"/>
-            <a:ext cx="2841401" cy="1094204"/>
-          </a:xfrm>
-          <a:prstGeom prst="rect">
-            <a:avLst/>
-          </a:prstGeom>
-        </p:spPr>
-      </p:pic>
-      <p:pic>
-        <p:nvPicPr>
-          <p:cNvPr id="5" name="Picture 4"/>
-          <p:cNvPicPr>
-            <a:picLocks noChangeAspect="1"/>
-          </p:cNvPicPr>
-          <p:nvPr/>
-        </p:nvPicPr>
-        <p:blipFill>
-          <a:blip r:embed="rId5"/>
-          <a:stretch>
-            <a:fillRect/>
-          </a:stretch>
-        </p:blipFill>
-        <p:spPr>
-          <a:xfrm>
-            <a:off x="4353551" y="412124"/>
-            <a:ext cx="8079749" cy="2479128"/>
-          </a:xfrm>
-          <a:prstGeom prst="rect">
-            <a:avLst/>
-          </a:prstGeom>
-          <a:ln>
-            <a:noFill/>
-          </a:ln>
-          <a:effectLst>
-            <a:outerShdw blurRad="292100" dist="139700" dir="2700000" algn="tl" rotWithShape="0">
-              <a:srgbClr val="333333">
-                <a:alpha val="65000"/>
-              </a:srgbClr>
-            </a:outerShdw>
-          </a:effectLst>
-        </p:spPr>
-      </p:pic>
     </p:spTree>
+    <p:extLst>
+      <p:ext uri="{BB962C8B-B14F-4D97-AF65-F5344CB8AC3E}">
+        <p14:creationId xmlns:p14="http://schemas.microsoft.com/office/powerpoint/2010/main" val="2314483587"/>
+      </p:ext>
+    </p:extLst>
   </p:cSld>
   <p:clrMapOvr>
     <a:masterClrMapping/>
   </p:clrMapOvr>
-  <p:transition spd="slow"/>
 </p:sld>
 </file>
 
@@ -6698,131 +6518,367 @@
         </p:nvSpPr>
         <p:spPr/>
         <p:txBody>
+          <a:bodyPr>
+            <a:normAutofit/>
+          </a:bodyPr>
+          <a:lstStyle/>
+          <a:p>
+            <a:pPr>
+              <a:defRPr/>
+            </a:pPr>
+            <a:r>
+              <a:rPr lang="en-US" dirty="0">
+                <a:solidFill>
+                  <a:schemeClr val="tx2">
+                    <a:satMod val="130000"/>
+                  </a:schemeClr>
+                </a:solidFill>
+              </a:rPr>
+              <a:t>Media Queries</a:t>
+            </a:r>
+          </a:p>
+        </p:txBody>
+      </p:sp>
+      <p:sp>
+        <p:nvSpPr>
+          <p:cNvPr id="3" name="Content Placeholder 2"/>
+          <p:cNvSpPr>
+            <a:spLocks noGrp="1"/>
+          </p:cNvSpPr>
+          <p:nvPr>
+            <p:ph idx="1"/>
+          </p:nvPr>
+        </p:nvSpPr>
+        <p:spPr>
+          <a:xfrm>
+            <a:off x="799255" y="2022969"/>
+            <a:ext cx="11780960" cy="7011303"/>
+          </a:xfrm>
+        </p:spPr>
+        <p:txBody>
+          <a:bodyPr>
+            <a:normAutofit/>
+          </a:bodyPr>
+          <a:lstStyle/>
+          <a:p>
+            <a:pPr lvl="1">
+              <a:defRPr/>
+            </a:pPr>
+            <a:r>
+              <a:rPr lang="en-US" sz="2400" dirty="0" smtClean="0"/>
+              <a:t>Determines </a:t>
+            </a:r>
+            <a:r>
+              <a:rPr lang="en-US" sz="2400" dirty="0"/>
+              <a:t>the capability of the mobile device, such as screen resolution</a:t>
+            </a:r>
+          </a:p>
+          <a:p>
+            <a:pPr lvl="1">
+              <a:defRPr/>
+            </a:pPr>
+            <a:r>
+              <a:rPr lang="en-US" sz="2400" dirty="0"/>
+              <a:t>Directs the browser to styles configured specifically for those capabilities</a:t>
+            </a:r>
+            <a:r>
+              <a:rPr lang="en-US" sz="3400" dirty="0"/>
+              <a:t/>
+            </a:r>
+            <a:br>
+              <a:rPr lang="en-US" sz="3400" dirty="0"/>
+            </a:br>
+            <a:endParaRPr lang="en-US" sz="3400" dirty="0"/>
+          </a:p>
+          <a:p>
+            <a:pPr>
+              <a:defRPr/>
+            </a:pPr>
+            <a:r>
+              <a:rPr lang="en-US" dirty="0" smtClean="0"/>
+              <a:t>Example:</a:t>
+            </a:r>
+          </a:p>
+          <a:p>
+            <a:pPr marL="99341" indent="0">
+              <a:buNone/>
+              <a:defRPr/>
+            </a:pPr>
+            <a:r>
+              <a:rPr lang="en-US" dirty="0">
+                <a:latin typeface="Times New Roman" pitchFamily="18" charset="0"/>
+                <a:cs typeface="Times New Roman" pitchFamily="18" charset="0"/>
+              </a:rPr>
+              <a:t>&lt;link href="lighthousemobile.css" </a:t>
+            </a:r>
+            <a:r>
+              <a:rPr lang="en-US" dirty="0" err="1">
+                <a:latin typeface="Times New Roman" pitchFamily="18" charset="0"/>
+                <a:cs typeface="Times New Roman" pitchFamily="18" charset="0"/>
+              </a:rPr>
+              <a:t>rel</a:t>
+            </a:r>
+            <a:r>
+              <a:rPr lang="en-US" dirty="0">
+                <a:latin typeface="Times New Roman" pitchFamily="18" charset="0"/>
+                <a:cs typeface="Times New Roman" pitchFamily="18" charset="0"/>
+              </a:rPr>
+              <a:t>="</a:t>
+            </a:r>
+            <a:r>
+              <a:rPr lang="en-US" dirty="0" err="1">
+                <a:latin typeface="Times New Roman" pitchFamily="18" charset="0"/>
+                <a:cs typeface="Times New Roman" pitchFamily="18" charset="0"/>
+              </a:rPr>
+              <a:t>stylesheet</a:t>
+            </a:r>
+            <a:r>
+              <a:rPr lang="en-US" dirty="0">
+                <a:latin typeface="Times New Roman" pitchFamily="18" charset="0"/>
+                <a:cs typeface="Times New Roman" pitchFamily="18" charset="0"/>
+              </a:rPr>
+              <a:t>" </a:t>
+            </a:r>
+            <a:br>
+              <a:rPr lang="en-US" dirty="0">
+                <a:latin typeface="Times New Roman" pitchFamily="18" charset="0"/>
+                <a:cs typeface="Times New Roman" pitchFamily="18" charset="0"/>
+              </a:rPr>
+            </a:br>
+            <a:r>
+              <a:rPr lang="en-US" dirty="0">
+                <a:latin typeface="Times New Roman" pitchFamily="18" charset="0"/>
+                <a:cs typeface="Times New Roman" pitchFamily="18" charset="0"/>
+              </a:rPr>
+              <a:t>      media="only screen and (max-device-width: 480px)"&gt;</a:t>
+            </a:r>
+          </a:p>
+          <a:p>
+            <a:pPr>
+              <a:defRPr/>
+            </a:pPr>
+            <a:endParaRPr lang="en-US" dirty="0"/>
+          </a:p>
+        </p:txBody>
+      </p:sp>
+      <p:sp>
+        <p:nvSpPr>
+          <p:cNvPr id="30724" name="Slide Number Placeholder 3"/>
+          <p:cNvSpPr>
+            <a:spLocks noGrp="1"/>
+          </p:cNvSpPr>
+          <p:nvPr>
+            <p:ph type="sldNum" sz="quarter" idx="12"/>
+          </p:nvPr>
+        </p:nvSpPr>
+        <p:spPr bwMode="auto">
+          <a:xfrm>
+            <a:off x="12477623" y="9194800"/>
+            <a:ext cx="102592" cy="246221"/>
+          </a:xfrm>
+          <a:noFill/>
+          <a:extLst>
+            <a:ext uri="{909E8E84-426E-40DD-AFC4-6F175D3DCCD1}">
+              <a14:hiddenFill xmlns:a14="http://schemas.microsoft.com/office/drawing/2010/main">
+                <a:solidFill>
+                  <a:srgbClr val="FFFFFF"/>
+                </a:solidFill>
+              </a14:hiddenFill>
+            </a:ext>
+            <a:ext uri="{91240B29-F687-4F45-9708-019B960494DF}">
+              <a14:hiddenLine xmlns:a14="http://schemas.microsoft.com/office/drawing/2010/main" w="9525">
+                <a:solidFill>
+                  <a:srgbClr val="000000"/>
+                </a:solidFill>
+                <a:miter lim="800000"/>
+                <a:headEnd/>
+                <a:tailEnd/>
+              </a14:hiddenLine>
+            </a:ext>
+          </a:extLst>
+        </p:spPr>
+        <p:txBody>
           <a:bodyPr/>
-          <a:lstStyle/>
-          <a:p>
-            <a:r>
-              <a:rPr lang="en-IE" dirty="0" smtClean="0"/>
-              <a:t>Float layout example</a:t>
-            </a:r>
-            <a:endParaRPr lang="en-IE" dirty="0"/>
+          <a:lstStyle>
+            <a:lvl1pPr>
+              <a:defRPr sz="3400">
+                <a:solidFill>
+                  <a:schemeClr val="tx1"/>
+                </a:solidFill>
+                <a:latin typeface="Times New Roman" panose="02020603050405020304" pitchFamily="18" charset="0"/>
+              </a:defRPr>
+            </a:lvl1pPr>
+            <a:lvl2pPr marL="1056623" indent="-406394">
+              <a:defRPr sz="3400">
+                <a:solidFill>
+                  <a:schemeClr val="tx1"/>
+                </a:solidFill>
+                <a:latin typeface="Times New Roman" panose="02020603050405020304" pitchFamily="18" charset="0"/>
+              </a:defRPr>
+            </a:lvl2pPr>
+            <a:lvl3pPr marL="1625575" indent="-325115">
+              <a:defRPr sz="3400">
+                <a:solidFill>
+                  <a:schemeClr val="tx1"/>
+                </a:solidFill>
+                <a:latin typeface="Times New Roman" panose="02020603050405020304" pitchFamily="18" charset="0"/>
+              </a:defRPr>
+            </a:lvl3pPr>
+            <a:lvl4pPr marL="2275804" indent="-325115">
+              <a:defRPr sz="3400">
+                <a:solidFill>
+                  <a:schemeClr val="tx1"/>
+                </a:solidFill>
+                <a:latin typeface="Times New Roman" panose="02020603050405020304" pitchFamily="18" charset="0"/>
+              </a:defRPr>
+            </a:lvl4pPr>
+            <a:lvl5pPr marL="2926034" indent="-325115">
+              <a:defRPr sz="3400">
+                <a:solidFill>
+                  <a:schemeClr val="tx1"/>
+                </a:solidFill>
+                <a:latin typeface="Times New Roman" panose="02020603050405020304" pitchFamily="18" charset="0"/>
+              </a:defRPr>
+            </a:lvl5pPr>
+            <a:lvl6pPr marL="3576264" indent="-325115" eaLnBrk="0" fontAlgn="base" hangingPunct="0">
+              <a:spcBef>
+                <a:spcPct val="0"/>
+              </a:spcBef>
+              <a:spcAft>
+                <a:spcPct val="0"/>
+              </a:spcAft>
+              <a:defRPr sz="3400">
+                <a:solidFill>
+                  <a:schemeClr val="tx1"/>
+                </a:solidFill>
+                <a:latin typeface="Times New Roman" panose="02020603050405020304" pitchFamily="18" charset="0"/>
+              </a:defRPr>
+            </a:lvl6pPr>
+            <a:lvl7pPr marL="4226494" indent="-325115" eaLnBrk="0" fontAlgn="base" hangingPunct="0">
+              <a:spcBef>
+                <a:spcPct val="0"/>
+              </a:spcBef>
+              <a:spcAft>
+                <a:spcPct val="0"/>
+              </a:spcAft>
+              <a:defRPr sz="3400">
+                <a:solidFill>
+                  <a:schemeClr val="tx1"/>
+                </a:solidFill>
+                <a:latin typeface="Times New Roman" panose="02020603050405020304" pitchFamily="18" charset="0"/>
+              </a:defRPr>
+            </a:lvl7pPr>
+            <a:lvl8pPr marL="4876724" indent="-325115" eaLnBrk="0" fontAlgn="base" hangingPunct="0">
+              <a:spcBef>
+                <a:spcPct val="0"/>
+              </a:spcBef>
+              <a:spcAft>
+                <a:spcPct val="0"/>
+              </a:spcAft>
+              <a:defRPr sz="3400">
+                <a:solidFill>
+                  <a:schemeClr val="tx1"/>
+                </a:solidFill>
+                <a:latin typeface="Times New Roman" panose="02020603050405020304" pitchFamily="18" charset="0"/>
+              </a:defRPr>
+            </a:lvl8pPr>
+            <a:lvl9pPr marL="5526954" indent="-325115" eaLnBrk="0" fontAlgn="base" hangingPunct="0">
+              <a:spcBef>
+                <a:spcPct val="0"/>
+              </a:spcBef>
+              <a:spcAft>
+                <a:spcPct val="0"/>
+              </a:spcAft>
+              <a:defRPr sz="3400">
+                <a:solidFill>
+                  <a:schemeClr val="tx1"/>
+                </a:solidFill>
+                <a:latin typeface="Times New Roman" panose="02020603050405020304" pitchFamily="18" charset="0"/>
+              </a:defRPr>
+            </a:lvl9pPr>
+          </a:lstStyle>
+          <a:p>
+            <a:fld id="{E319A314-9F38-4176-A618-FA58D10A5455}" type="slidenum">
+              <a:rPr lang="en-US" sz="1600">
+                <a:solidFill>
+                  <a:srgbClr val="4D4D4D"/>
+                </a:solidFill>
+              </a:rPr>
+              <a:pPr/>
+              <a:t>13</a:t>
+            </a:fld>
+            <a:endParaRPr lang="en-US" sz="1600">
+              <a:solidFill>
+                <a:srgbClr val="4D4D4D"/>
+              </a:solidFill>
+            </a:endParaRPr>
           </a:p>
         </p:txBody>
       </p:sp>
       <p:pic>
         <p:nvPicPr>
-          <p:cNvPr id="4" name="Picture 3"/>
+          <p:cNvPr id="30725" name="Picture 2" descr="Figure7"/>
           <p:cNvPicPr>
-            <a:picLocks noChangeAspect="1"/>
+            <a:picLocks noChangeAspect="1" noChangeArrowheads="1"/>
           </p:cNvPicPr>
           <p:nvPr/>
         </p:nvPicPr>
         <p:blipFill>
-          <a:blip r:embed="rId2"/>
+          <a:blip r:embed="rId2">
+            <a:extLst>
+              <a:ext uri="{28A0092B-C50C-407E-A947-70E740481C1C}">
+                <a14:useLocalDpi xmlns:a14="http://schemas.microsoft.com/office/drawing/2010/main" val="0"/>
+              </a:ext>
+            </a:extLst>
+          </a:blip>
+          <a:srcRect/>
           <a:stretch>
             <a:fillRect/>
           </a:stretch>
         </p:blipFill>
-        <p:spPr>
+        <p:spPr bwMode="auto">
           <a:xfrm>
-            <a:off x="615978" y="6564546"/>
-            <a:ext cx="10106025" cy="2943225"/>
+            <a:off x="8692897" y="3487588"/>
+            <a:ext cx="3377183" cy="5617245"/>
           </a:xfrm>
           <a:prstGeom prst="rect">
             <a:avLst/>
           </a:prstGeom>
+          <a:noFill/>
+          <a:ln>
+            <a:noFill/>
+          </a:ln>
+          <a:extLst>
+            <a:ext uri="{909E8E84-426E-40DD-AFC4-6F175D3DCCD1}">
+              <a14:hiddenFill xmlns:a14="http://schemas.microsoft.com/office/drawing/2010/main">
+                <a:solidFill>
+                  <a:srgbClr val="FFFFFF"/>
+                </a:solidFill>
+              </a14:hiddenFill>
+            </a:ext>
+            <a:ext uri="{91240B29-F687-4F45-9708-019B960494DF}">
+              <a14:hiddenLine xmlns:a14="http://schemas.microsoft.com/office/drawing/2010/main" w="9525">
+                <a:solidFill>
+                  <a:srgbClr val="000000"/>
+                </a:solidFill>
+                <a:miter lim="800000"/>
+                <a:headEnd/>
+                <a:tailEnd/>
+              </a14:hiddenLine>
+            </a:ext>
+          </a:extLst>
         </p:spPr>
       </p:pic>
-      <p:pic>
-        <p:nvPicPr>
-          <p:cNvPr id="5" name="Picture 4"/>
-          <p:cNvPicPr>
-            <a:picLocks noChangeAspect="1"/>
-          </p:cNvPicPr>
-          <p:nvPr/>
-        </p:nvPicPr>
-        <p:blipFill>
-          <a:blip r:embed="rId3"/>
-          <a:stretch>
-            <a:fillRect/>
-          </a:stretch>
-        </p:blipFill>
-        <p:spPr>
-          <a:xfrm>
-            <a:off x="1319724" y="1828800"/>
-            <a:ext cx="8453999" cy="4636394"/>
-          </a:xfrm>
-          <a:prstGeom prst="rect">
-            <a:avLst/>
-          </a:prstGeom>
-        </p:spPr>
-      </p:pic>
-      <p:pic>
-        <p:nvPicPr>
-          <p:cNvPr id="6" name="Picture 5"/>
-          <p:cNvPicPr>
-            <a:picLocks noChangeAspect="1"/>
-          </p:cNvPicPr>
-          <p:nvPr/>
-        </p:nvPicPr>
-        <p:blipFill>
-          <a:blip r:embed="rId4"/>
-          <a:stretch>
-            <a:fillRect/>
-          </a:stretch>
-        </p:blipFill>
-        <p:spPr>
-          <a:xfrm>
-            <a:off x="10063570" y="1612446"/>
-            <a:ext cx="2479543" cy="3126979"/>
-          </a:xfrm>
-          <a:prstGeom prst="rect">
-            <a:avLst/>
-          </a:prstGeom>
-        </p:spPr>
-      </p:pic>
-      <p:sp>
-        <p:nvSpPr>
-          <p:cNvPr id="3" name="Text Placeholder 2"/>
-          <p:cNvSpPr>
-            <a:spLocks noGrp="1"/>
-          </p:cNvSpPr>
-          <p:nvPr>
-            <p:ph type="body" idx="1"/>
-          </p:nvPr>
-        </p:nvSpPr>
-        <p:spPr>
-          <a:xfrm>
-            <a:off x="571500" y="2324100"/>
-            <a:ext cx="9152049" cy="6565900"/>
-          </a:xfrm>
-        </p:spPr>
-        <p:txBody>
-          <a:bodyPr/>
-          <a:lstStyle/>
-          <a:p>
-            <a:endParaRPr lang="en-IE" dirty="0"/>
-          </a:p>
-        </p:txBody>
-      </p:sp>
     </p:spTree>
     <p:extLst>
       <p:ext uri="{BB962C8B-B14F-4D97-AF65-F5344CB8AC3E}">
-        <p14:creationId xmlns:p14="http://schemas.microsoft.com/office/powerpoint/2010/main" val="1537592308"/>
+        <p14:creationId xmlns:p14="http://schemas.microsoft.com/office/powerpoint/2010/main" val="3945496411"/>
       </p:ext>
     </p:extLst>
   </p:cSld>
   <p:clrMapOvr>
     <a:masterClrMapping/>
   </p:clrMapOvr>
-  <p:transition spd="med"/>
-  <p:timing>
-    <p:tnLst>
-      <p:par>
-        <p:cTn id="1" dur="indefinite" restart="never" nodeType="tmRoot"/>
-      </p:par>
-    </p:tnLst>
-  </p:timing>
 </p:sld>
 </file>
 
@@ -6855,14 +6911,24 @@
         </p:nvSpPr>
         <p:spPr/>
         <p:txBody>
-          <a:bodyPr/>
+          <a:bodyPr>
+            <a:normAutofit/>
+          </a:bodyPr>
           <a:lstStyle/>
           <a:p>
-            <a:r>
-              <a:rPr lang="en-GB" dirty="0" smtClean="0"/>
-              <a:t>percent width</a:t>
-            </a:r>
-            <a:endParaRPr lang="en-GB" dirty="0"/>
+            <a:pPr>
+              <a:defRPr/>
+            </a:pPr>
+            <a:r>
+              <a:rPr lang="en-GB" dirty="0">
+                <a:solidFill>
+                  <a:schemeClr val="tx2">
+                    <a:satMod val="130000"/>
+                  </a:schemeClr>
+                </a:solidFill>
+              </a:rPr>
+              <a:t>media queries</a:t>
+            </a:r>
           </a:p>
         </p:txBody>
       </p:sp>
@@ -6887,7 +6953,7 @@
       </p:sp>
       <p:pic>
         <p:nvPicPr>
-          <p:cNvPr id="1028" name="Picture 4"/>
+          <p:cNvPr id="2051" name="Picture 3"/>
           <p:cNvPicPr>
             <a:picLocks noChangeAspect="1" noChangeArrowheads="1"/>
           </p:cNvPicPr>
@@ -6908,8 +6974,8 @@
         </p:blipFill>
         <p:spPr bwMode="auto">
           <a:xfrm>
-            <a:off x="910058" y="1764944"/>
-            <a:ext cx="2152650" cy="2752725"/>
+            <a:off x="192087" y="2005013"/>
+            <a:ext cx="5600700" cy="4943475"/>
           </a:xfrm>
           <a:prstGeom prst="rect">
             <a:avLst/>
@@ -6947,7 +7013,7 @@
       </p:pic>
       <p:pic>
         <p:nvPicPr>
-          <p:cNvPr id="1029" name="Picture 5"/>
+          <p:cNvPr id="2052" name="Picture 4"/>
           <p:cNvPicPr>
             <a:picLocks noChangeAspect="1" noChangeArrowheads="1"/>
           </p:cNvPicPr>
@@ -6968,8 +7034,8 @@
         </p:blipFill>
         <p:spPr bwMode="auto">
           <a:xfrm>
-            <a:off x="459014" y="5245456"/>
-            <a:ext cx="12262232" cy="3805237"/>
+            <a:off x="2282825" y="5129213"/>
+            <a:ext cx="7019925" cy="4124325"/>
           </a:xfrm>
           <a:prstGeom prst="rect">
             <a:avLst/>
@@ -7007,7 +7073,7 @@
       </p:pic>
       <p:pic>
         <p:nvPicPr>
-          <p:cNvPr id="1027" name="Picture 3"/>
+          <p:cNvPr id="2053" name="Picture 5"/>
           <p:cNvPicPr>
             <a:picLocks noChangeAspect="1" noChangeArrowheads="1"/>
           </p:cNvPicPr>
@@ -7028,8 +7094,8 @@
         </p:blipFill>
         <p:spPr bwMode="auto">
           <a:xfrm>
-            <a:off x="5022850" y="346593"/>
-            <a:ext cx="7981950" cy="5962650"/>
+            <a:off x="9817100" y="2352675"/>
+            <a:ext cx="2857500" cy="7067550"/>
           </a:xfrm>
           <a:prstGeom prst="rect">
             <a:avLst/>
@@ -7065,10 +7131,70 @@
           </a:extLst>
         </p:spPr>
       </p:pic>
+      <p:pic>
+        <p:nvPicPr>
+          <p:cNvPr id="2050" name="Picture 2"/>
+          <p:cNvPicPr>
+            <a:picLocks noChangeAspect="1" noChangeArrowheads="1"/>
+          </p:cNvPicPr>
+          <p:nvPr/>
+        </p:nvPicPr>
+        <p:blipFill>
+          <a:blip r:embed="rId5">
+            <a:extLst>
+              <a:ext uri="{28A0092B-C50C-407E-A947-70E740481C1C}">
+                <a14:useLocalDpi xmlns:a14="http://schemas.microsoft.com/office/drawing/2010/main" val="0"/>
+              </a:ext>
+            </a:extLst>
+          </a:blip>
+          <a:srcRect/>
+          <a:stretch>
+            <a:fillRect/>
+          </a:stretch>
+        </p:blipFill>
+        <p:spPr bwMode="auto">
+          <a:xfrm>
+            <a:off x="5749743" y="0"/>
+            <a:ext cx="4067357" cy="3819525"/>
+          </a:xfrm>
+          <a:prstGeom prst="rect">
+            <a:avLst/>
+          </a:prstGeom>
+          <a:ln>
+            <a:noFill/>
+          </a:ln>
+          <a:effectLst>
+            <a:outerShdw blurRad="292100" dist="139700" dir="2700000" algn="tl" rotWithShape="0">
+              <a:srgbClr val="333333">
+                <a:alpha val="65000"/>
+              </a:srgbClr>
+            </a:outerShdw>
+          </a:effectLst>
+          <a:extLst>
+            <a:ext uri="{909E8E84-426E-40DD-AFC4-6F175D3DCCD1}">
+              <a14:hiddenFill xmlns:a14="http://schemas.microsoft.com/office/drawing/2010/main">
+                <a:solidFill>
+                  <a:schemeClr val="accent1"/>
+                </a:solidFill>
+              </a14:hiddenFill>
+            </a:ext>
+            <a:ext uri="{91240B29-F687-4F45-9708-019B960494DF}">
+              <a14:hiddenLine xmlns:a14="http://schemas.microsoft.com/office/drawing/2010/main" w="9525">
+                <a:solidFill>
+                  <a:schemeClr val="tx1"/>
+                </a:solidFill>
+                <a:miter lim="800000"/>
+                <a:headEnd/>
+                <a:tailEnd/>
+              </a14:hiddenLine>
+            </a:ext>
+          </a:extLst>
+        </p:spPr>
+      </p:pic>
     </p:spTree>
     <p:extLst>
       <p:ext uri="{BB962C8B-B14F-4D97-AF65-F5344CB8AC3E}">
-        <p14:creationId xmlns:p14="http://schemas.microsoft.com/office/powerpoint/2010/main" val="3404649084"/>
+        <p14:creationId xmlns:p14="http://schemas.microsoft.com/office/powerpoint/2010/main" val="1516074513"/>
       </p:ext>
     </p:extLst>
   </p:cSld>
@@ -7113,41 +7239,299 @@
             <p:ph type="title"/>
           </p:nvPr>
         </p:nvSpPr>
-        <p:spPr/>
+        <p:spPr>
+          <a:xfrm>
+            <a:off x="399627" y="498518"/>
+            <a:ext cx="11054080" cy="1009227"/>
+          </a:xfrm>
+        </p:spPr>
         <p:txBody>
-          <a:bodyPr/>
+          <a:bodyPr>
+            <a:normAutofit/>
+          </a:bodyPr>
           <a:lstStyle/>
           <a:p>
-            <a:r>
-              <a:rPr lang="en-GB" dirty="0" smtClean="0"/>
-              <a:t>media queries</a:t>
-            </a:r>
-            <a:endParaRPr lang="en-GB" dirty="0"/>
+            <a:pPr>
+              <a:defRPr/>
+            </a:pPr>
+            <a:r>
+              <a:rPr lang="en-US" dirty="0">
+                <a:solidFill>
+                  <a:schemeClr val="tx2">
+                    <a:satMod val="130000"/>
+                  </a:schemeClr>
+                </a:solidFill>
+              </a:rPr>
+              <a:t>Viewport Meta Tag</a:t>
+            </a:r>
           </a:p>
         </p:txBody>
       </p:sp>
       <p:sp>
         <p:nvSpPr>
-          <p:cNvPr id="3" name="Text Placeholder 2"/>
+          <p:cNvPr id="3" name="Content Placeholder 2"/>
           <p:cNvSpPr>
             <a:spLocks noGrp="1"/>
           </p:cNvSpPr>
           <p:nvPr>
-            <p:ph type="body" idx="1"/>
+            <p:ph idx="1"/>
           </p:nvPr>
         </p:nvSpPr>
-        <p:spPr/>
+        <p:spPr>
+          <a:xfrm>
+            <a:off x="15579" y="3130635"/>
+            <a:ext cx="10865781" cy="5527040"/>
+          </a:xfrm>
+        </p:spPr>
+        <p:txBody>
+          <a:bodyPr>
+            <a:normAutofit/>
+          </a:bodyPr>
+          <a:lstStyle/>
+          <a:p>
+            <a:pPr>
+              <a:defRPr/>
+            </a:pPr>
+            <a:r>
+              <a:rPr lang="en-US" dirty="0" smtClean="0"/>
+              <a:t>Default action for most mobile devices</a:t>
+            </a:r>
+            <a:br>
+              <a:rPr lang="en-US" dirty="0" smtClean="0"/>
+            </a:br>
+            <a:r>
+              <a:rPr lang="en-US" dirty="0" smtClean="0"/>
+              <a:t> is to zoom out and scale the web page</a:t>
+            </a:r>
+          </a:p>
+          <a:p>
+            <a:pPr>
+              <a:defRPr/>
+            </a:pPr>
+            <a:r>
+              <a:rPr lang="en-US" dirty="0" smtClean="0"/>
+              <a:t>Viewport Meta Tag</a:t>
+            </a:r>
+            <a:endParaRPr lang="en-US" dirty="0"/>
+          </a:p>
+          <a:p>
+            <a:pPr>
+              <a:defRPr/>
+            </a:pPr>
+            <a:r>
+              <a:rPr lang="en-US" dirty="0" smtClean="0"/>
+              <a:t>Configures width and initial scale of browser viewport</a:t>
+            </a:r>
+          </a:p>
+          <a:p>
+            <a:pPr marL="99341" indent="0">
+              <a:buNone/>
+              <a:defRPr/>
+            </a:pPr>
+            <a:r>
+              <a:rPr lang="en-US" dirty="0" smtClean="0">
+                <a:latin typeface="Times New Roman" pitchFamily="18" charset="0"/>
+                <a:cs typeface="Times New Roman" pitchFamily="18" charset="0"/>
+              </a:rPr>
+              <a:t>&lt;</a:t>
+            </a:r>
+            <a:r>
+              <a:rPr lang="en-US" dirty="0">
+                <a:latin typeface="Times New Roman" pitchFamily="18" charset="0"/>
+                <a:cs typeface="Times New Roman" pitchFamily="18" charset="0"/>
+              </a:rPr>
+              <a:t>meta name="viewport" content= </a:t>
+            </a:r>
+            <a:r>
+              <a:rPr lang="en-US" dirty="0" smtClean="0">
+                <a:latin typeface="Times New Roman" pitchFamily="18" charset="0"/>
+                <a:cs typeface="Times New Roman" pitchFamily="18" charset="0"/>
+              </a:rPr>
+              <a:t>"width=device-width, initial-scale=1.0</a:t>
+            </a:r>
+            <a:r>
+              <a:rPr lang="en-US" dirty="0">
+                <a:latin typeface="Times New Roman" pitchFamily="18" charset="0"/>
+                <a:cs typeface="Times New Roman" pitchFamily="18" charset="0"/>
+              </a:rPr>
+              <a:t>"&gt;</a:t>
+            </a:r>
+            <a:endParaRPr lang="en-US" dirty="0" smtClean="0">
+              <a:latin typeface="Times New Roman" pitchFamily="18" charset="0"/>
+              <a:cs typeface="Times New Roman" pitchFamily="18" charset="0"/>
+            </a:endParaRPr>
+          </a:p>
+          <a:p>
+            <a:pPr>
+              <a:defRPr/>
+            </a:pPr>
+            <a:endParaRPr lang="en-US" dirty="0"/>
+          </a:p>
+          <a:p>
+            <a:pPr>
+              <a:defRPr/>
+            </a:pPr>
+            <a:endParaRPr lang="en-US" dirty="0"/>
+          </a:p>
+        </p:txBody>
+      </p:sp>
+      <p:sp>
+        <p:nvSpPr>
+          <p:cNvPr id="29700" name="Slide Number Placeholder 3"/>
+          <p:cNvSpPr>
+            <a:spLocks noGrp="1"/>
+          </p:cNvSpPr>
+          <p:nvPr>
+            <p:ph type="sldNum" sz="quarter" idx="12"/>
+          </p:nvPr>
+        </p:nvSpPr>
+        <p:spPr bwMode="auto">
+          <a:xfrm>
+            <a:off x="12477623" y="9194800"/>
+            <a:ext cx="102592" cy="246221"/>
+          </a:xfrm>
+          <a:noFill/>
+          <a:extLst>
+            <a:ext uri="{909E8E84-426E-40DD-AFC4-6F175D3DCCD1}">
+              <a14:hiddenFill xmlns:a14="http://schemas.microsoft.com/office/drawing/2010/main">
+                <a:solidFill>
+                  <a:srgbClr val="FFFFFF"/>
+                </a:solidFill>
+              </a14:hiddenFill>
+            </a:ext>
+            <a:ext uri="{91240B29-F687-4F45-9708-019B960494DF}">
+              <a14:hiddenLine xmlns:a14="http://schemas.microsoft.com/office/drawing/2010/main" w="9525">
+                <a:solidFill>
+                  <a:srgbClr val="000000"/>
+                </a:solidFill>
+                <a:miter lim="800000"/>
+                <a:headEnd/>
+                <a:tailEnd/>
+              </a14:hiddenLine>
+            </a:ext>
+          </a:extLst>
+        </p:spPr>
         <p:txBody>
           <a:bodyPr/>
-          <a:lstStyle/>
-          <a:p>
-            <a:endParaRPr lang="en-GB" dirty="0"/>
+          <a:lstStyle>
+            <a:lvl1pPr>
+              <a:defRPr sz="3400">
+                <a:solidFill>
+                  <a:schemeClr val="tx1"/>
+                </a:solidFill>
+                <a:latin typeface="Times New Roman" panose="02020603050405020304" pitchFamily="18" charset="0"/>
+              </a:defRPr>
+            </a:lvl1pPr>
+            <a:lvl2pPr marL="1056623" indent="-406394">
+              <a:defRPr sz="3400">
+                <a:solidFill>
+                  <a:schemeClr val="tx1"/>
+                </a:solidFill>
+                <a:latin typeface="Times New Roman" panose="02020603050405020304" pitchFamily="18" charset="0"/>
+              </a:defRPr>
+            </a:lvl2pPr>
+            <a:lvl3pPr marL="1625575" indent="-325115">
+              <a:defRPr sz="3400">
+                <a:solidFill>
+                  <a:schemeClr val="tx1"/>
+                </a:solidFill>
+                <a:latin typeface="Times New Roman" panose="02020603050405020304" pitchFamily="18" charset="0"/>
+              </a:defRPr>
+            </a:lvl3pPr>
+            <a:lvl4pPr marL="2275804" indent="-325115">
+              <a:defRPr sz="3400">
+                <a:solidFill>
+                  <a:schemeClr val="tx1"/>
+                </a:solidFill>
+                <a:latin typeface="Times New Roman" panose="02020603050405020304" pitchFamily="18" charset="0"/>
+              </a:defRPr>
+            </a:lvl4pPr>
+            <a:lvl5pPr marL="2926034" indent="-325115">
+              <a:defRPr sz="3400">
+                <a:solidFill>
+                  <a:schemeClr val="tx1"/>
+                </a:solidFill>
+                <a:latin typeface="Times New Roman" panose="02020603050405020304" pitchFamily="18" charset="0"/>
+              </a:defRPr>
+            </a:lvl5pPr>
+            <a:lvl6pPr marL="3576264" indent="-325115" eaLnBrk="0" fontAlgn="base" hangingPunct="0">
+              <a:spcBef>
+                <a:spcPct val="0"/>
+              </a:spcBef>
+              <a:spcAft>
+                <a:spcPct val="0"/>
+              </a:spcAft>
+              <a:defRPr sz="3400">
+                <a:solidFill>
+                  <a:schemeClr val="tx1"/>
+                </a:solidFill>
+                <a:latin typeface="Times New Roman" panose="02020603050405020304" pitchFamily="18" charset="0"/>
+              </a:defRPr>
+            </a:lvl6pPr>
+            <a:lvl7pPr marL="4226494" indent="-325115" eaLnBrk="0" fontAlgn="base" hangingPunct="0">
+              <a:spcBef>
+                <a:spcPct val="0"/>
+              </a:spcBef>
+              <a:spcAft>
+                <a:spcPct val="0"/>
+              </a:spcAft>
+              <a:defRPr sz="3400">
+                <a:solidFill>
+                  <a:schemeClr val="tx1"/>
+                </a:solidFill>
+                <a:latin typeface="Times New Roman" panose="02020603050405020304" pitchFamily="18" charset="0"/>
+              </a:defRPr>
+            </a:lvl7pPr>
+            <a:lvl8pPr marL="4876724" indent="-325115" eaLnBrk="0" fontAlgn="base" hangingPunct="0">
+              <a:spcBef>
+                <a:spcPct val="0"/>
+              </a:spcBef>
+              <a:spcAft>
+                <a:spcPct val="0"/>
+              </a:spcAft>
+              <a:defRPr sz="3400">
+                <a:solidFill>
+                  <a:schemeClr val="tx1"/>
+                </a:solidFill>
+                <a:latin typeface="Times New Roman" panose="02020603050405020304" pitchFamily="18" charset="0"/>
+              </a:defRPr>
+            </a:lvl8pPr>
+            <a:lvl9pPr marL="5526954" indent="-325115" eaLnBrk="0" fontAlgn="base" hangingPunct="0">
+              <a:spcBef>
+                <a:spcPct val="0"/>
+              </a:spcBef>
+              <a:spcAft>
+                <a:spcPct val="0"/>
+              </a:spcAft>
+              <a:defRPr sz="3400">
+                <a:solidFill>
+                  <a:schemeClr val="tx1"/>
+                </a:solidFill>
+                <a:latin typeface="Times New Roman" panose="02020603050405020304" pitchFamily="18" charset="0"/>
+              </a:defRPr>
+            </a:lvl9pPr>
+          </a:lstStyle>
+          <a:p>
+            <a:fld id="{1054D4AC-EEA7-4C33-B79B-D0648179EFCB}" type="slidenum">
+              <a:rPr lang="en-US" sz="1600">
+                <a:solidFill>
+                  <a:srgbClr val="4D4D4D"/>
+                </a:solidFill>
+              </a:rPr>
+              <a:pPr/>
+              <a:t>15</a:t>
+            </a:fld>
+            <a:endParaRPr lang="en-US" sz="1600">
+              <a:solidFill>
+                <a:srgbClr val="4D4D4D"/>
+              </a:solidFill>
+            </a:endParaRPr>
           </a:p>
         </p:txBody>
       </p:sp>
       <p:pic>
         <p:nvPicPr>
-          <p:cNvPr id="2051" name="Picture 3"/>
+          <p:cNvPr id="29701" name="Picture 2" descr="Figure7"/>
           <p:cNvPicPr>
             <a:picLocks noChangeAspect="1" noChangeArrowheads="1"/>
           </p:cNvPicPr>
@@ -7168,34 +7552,28 @@
         </p:blipFill>
         <p:spPr bwMode="auto">
           <a:xfrm>
-            <a:off x="192087" y="2005013"/>
-            <a:ext cx="5600700" cy="4943475"/>
+            <a:off x="6197600" y="150535"/>
+            <a:ext cx="3157516" cy="5249844"/>
           </a:xfrm>
           <a:prstGeom prst="rect">
             <a:avLst/>
           </a:prstGeom>
+          <a:noFill/>
           <a:ln>
             <a:noFill/>
           </a:ln>
-          <a:effectLst>
-            <a:outerShdw blurRad="292100" dist="139700" dir="2700000" algn="tl" rotWithShape="0">
-              <a:srgbClr val="333333">
-                <a:alpha val="65000"/>
-              </a:srgbClr>
-            </a:outerShdw>
-          </a:effectLst>
           <a:extLst>
             <a:ext uri="{909E8E84-426E-40DD-AFC4-6F175D3DCCD1}">
               <a14:hiddenFill xmlns:a14="http://schemas.microsoft.com/office/drawing/2010/main">
                 <a:solidFill>
-                  <a:schemeClr val="accent1"/>
+                  <a:srgbClr val="FFFFFF"/>
                 </a:solidFill>
               </a14:hiddenFill>
             </a:ext>
             <a:ext uri="{91240B29-F687-4F45-9708-019B960494DF}">
               <a14:hiddenLine xmlns:a14="http://schemas.microsoft.com/office/drawing/2010/main" w="9525">
                 <a:solidFill>
-                  <a:schemeClr val="tx1"/>
+                  <a:srgbClr val="000000"/>
                 </a:solidFill>
                 <a:miter lim="800000"/>
                 <a:headEnd/>
@@ -7207,7 +7585,7 @@
       </p:pic>
       <p:pic>
         <p:nvPicPr>
-          <p:cNvPr id="2052" name="Picture 4"/>
+          <p:cNvPr id="29702" name="Picture 3" descr="Figure7"/>
           <p:cNvPicPr>
             <a:picLocks noChangeAspect="1" noChangeArrowheads="1"/>
           </p:cNvPicPr>
@@ -7228,34 +7606,28 @@
         </p:blipFill>
         <p:spPr bwMode="auto">
           <a:xfrm>
-            <a:off x="2282825" y="5129213"/>
-            <a:ext cx="7019925" cy="4124325"/>
+            <a:off x="9692068" y="150535"/>
+            <a:ext cx="3157516" cy="5249844"/>
           </a:xfrm>
           <a:prstGeom prst="rect">
             <a:avLst/>
           </a:prstGeom>
+          <a:noFill/>
           <a:ln>
             <a:noFill/>
           </a:ln>
-          <a:effectLst>
-            <a:outerShdw blurRad="292100" dist="139700" dir="2700000" algn="tl" rotWithShape="0">
-              <a:srgbClr val="333333">
-                <a:alpha val="65000"/>
-              </a:srgbClr>
-            </a:outerShdw>
-          </a:effectLst>
           <a:extLst>
             <a:ext uri="{909E8E84-426E-40DD-AFC4-6F175D3DCCD1}">
               <a14:hiddenFill xmlns:a14="http://schemas.microsoft.com/office/drawing/2010/main">
                 <a:solidFill>
-                  <a:schemeClr val="accent1"/>
+                  <a:srgbClr val="FFFFFF"/>
                 </a:solidFill>
               </a14:hiddenFill>
             </a:ext>
             <a:ext uri="{91240B29-F687-4F45-9708-019B960494DF}">
               <a14:hiddenLine xmlns:a14="http://schemas.microsoft.com/office/drawing/2010/main" w="9525">
                 <a:solidFill>
-                  <a:schemeClr val="tx1"/>
+                  <a:srgbClr val="000000"/>
                 </a:solidFill>
                 <a:miter lim="800000"/>
                 <a:headEnd/>
@@ -7265,144 +7637,16 @@
           </a:extLst>
         </p:spPr>
       </p:pic>
-      <p:pic>
-        <p:nvPicPr>
-          <p:cNvPr id="2053" name="Picture 5"/>
-          <p:cNvPicPr>
-            <a:picLocks noChangeAspect="1" noChangeArrowheads="1"/>
-          </p:cNvPicPr>
-          <p:nvPr/>
-        </p:nvPicPr>
-        <p:blipFill>
-          <a:blip r:embed="rId4">
-            <a:extLst>
-              <a:ext uri="{28A0092B-C50C-407E-A947-70E740481C1C}">
-                <a14:useLocalDpi xmlns:a14="http://schemas.microsoft.com/office/drawing/2010/main" val="0"/>
-              </a:ext>
-            </a:extLst>
-          </a:blip>
-          <a:srcRect/>
-          <a:stretch>
-            <a:fillRect/>
-          </a:stretch>
-        </p:blipFill>
-        <p:spPr bwMode="auto">
-          <a:xfrm>
-            <a:off x="9817100" y="2352675"/>
-            <a:ext cx="2857500" cy="7067550"/>
-          </a:xfrm>
-          <a:prstGeom prst="rect">
-            <a:avLst/>
-          </a:prstGeom>
-          <a:ln>
-            <a:noFill/>
-          </a:ln>
-          <a:effectLst>
-            <a:outerShdw blurRad="292100" dist="139700" dir="2700000" algn="tl" rotWithShape="0">
-              <a:srgbClr val="333333">
-                <a:alpha val="65000"/>
-              </a:srgbClr>
-            </a:outerShdw>
-          </a:effectLst>
-          <a:extLst>
-            <a:ext uri="{909E8E84-426E-40DD-AFC4-6F175D3DCCD1}">
-              <a14:hiddenFill xmlns:a14="http://schemas.microsoft.com/office/drawing/2010/main">
-                <a:solidFill>
-                  <a:schemeClr val="accent1"/>
-                </a:solidFill>
-              </a14:hiddenFill>
-            </a:ext>
-            <a:ext uri="{91240B29-F687-4F45-9708-019B960494DF}">
-              <a14:hiddenLine xmlns:a14="http://schemas.microsoft.com/office/drawing/2010/main" w="9525">
-                <a:solidFill>
-                  <a:schemeClr val="tx1"/>
-                </a:solidFill>
-                <a:miter lim="800000"/>
-                <a:headEnd/>
-                <a:tailEnd/>
-              </a14:hiddenLine>
-            </a:ext>
-          </a:extLst>
-        </p:spPr>
-      </p:pic>
-      <p:pic>
-        <p:nvPicPr>
-          <p:cNvPr id="2050" name="Picture 2"/>
-          <p:cNvPicPr>
-            <a:picLocks noChangeAspect="1" noChangeArrowheads="1"/>
-          </p:cNvPicPr>
-          <p:nvPr/>
-        </p:nvPicPr>
-        <p:blipFill>
-          <a:blip r:embed="rId5">
-            <a:extLst>
-              <a:ext uri="{28A0092B-C50C-407E-A947-70E740481C1C}">
-                <a14:useLocalDpi xmlns:a14="http://schemas.microsoft.com/office/drawing/2010/main" val="0"/>
-              </a:ext>
-            </a:extLst>
-          </a:blip>
-          <a:srcRect/>
-          <a:stretch>
-            <a:fillRect/>
-          </a:stretch>
-        </p:blipFill>
-        <p:spPr bwMode="auto">
-          <a:xfrm>
-            <a:off x="5749743" y="0"/>
-            <a:ext cx="4067357" cy="3819525"/>
-          </a:xfrm>
-          <a:prstGeom prst="rect">
-            <a:avLst/>
-          </a:prstGeom>
-          <a:ln>
-            <a:noFill/>
-          </a:ln>
-          <a:effectLst>
-            <a:outerShdw blurRad="292100" dist="139700" dir="2700000" algn="tl" rotWithShape="0">
-              <a:srgbClr val="333333">
-                <a:alpha val="65000"/>
-              </a:srgbClr>
-            </a:outerShdw>
-          </a:effectLst>
-          <a:extLst>
-            <a:ext uri="{909E8E84-426E-40DD-AFC4-6F175D3DCCD1}">
-              <a14:hiddenFill xmlns:a14="http://schemas.microsoft.com/office/drawing/2010/main">
-                <a:solidFill>
-                  <a:schemeClr val="accent1"/>
-                </a:solidFill>
-              </a14:hiddenFill>
-            </a:ext>
-            <a:ext uri="{91240B29-F687-4F45-9708-019B960494DF}">
-              <a14:hiddenLine xmlns:a14="http://schemas.microsoft.com/office/drawing/2010/main" w="9525">
-                <a:solidFill>
-                  <a:schemeClr val="tx1"/>
-                </a:solidFill>
-                <a:miter lim="800000"/>
-                <a:headEnd/>
-                <a:tailEnd/>
-              </a14:hiddenLine>
-            </a:ext>
-          </a:extLst>
-        </p:spPr>
-      </p:pic>
     </p:spTree>
     <p:extLst>
       <p:ext uri="{BB962C8B-B14F-4D97-AF65-F5344CB8AC3E}">
-        <p14:creationId xmlns:p14="http://schemas.microsoft.com/office/powerpoint/2010/main" val="1516074513"/>
+        <p14:creationId xmlns:p14="http://schemas.microsoft.com/office/powerpoint/2010/main" val="3903868758"/>
       </p:ext>
     </p:extLst>
   </p:cSld>
   <p:clrMapOvr>
     <a:masterClrMapping/>
   </p:clrMapOvr>
-  <p:transition spd="med"/>
-  <p:timing>
-    <p:tnLst>
-      <p:par>
-        <p:cTn id="1" dur="indefinite" restart="never" nodeType="tmRoot"/>
-      </p:par>
-    </p:tnLst>
-  </p:timing>
 </p:sld>
 </file>
 
@@ -7435,14 +7679,24 @@
         </p:nvSpPr>
         <p:spPr/>
         <p:txBody>
-          <a:bodyPr/>
+          <a:bodyPr>
+            <a:normAutofit/>
+          </a:bodyPr>
           <a:lstStyle/>
           <a:p>
-            <a:r>
-              <a:rPr lang="en-GB" dirty="0" smtClean="0"/>
+            <a:pPr>
+              <a:defRPr/>
+            </a:pPr>
+            <a:r>
+              <a:rPr lang="en-GB" dirty="0">
+                <a:solidFill>
+                  <a:schemeClr val="tx2">
+                    <a:satMod val="130000"/>
+                  </a:schemeClr>
+                </a:solidFill>
+              </a:rPr>
               <a:t>inline-block</a:t>
             </a:r>
-            <a:endParaRPr lang="en-GB" dirty="0"/>
           </a:p>
         </p:txBody>
       </p:sp>
@@ -7469,7 +7723,7 @@
         </p:blipFill>
         <p:spPr bwMode="auto">
           <a:xfrm>
-            <a:off x="4454524" y="290593"/>
+            <a:off x="5181600" y="177854"/>
             <a:ext cx="2898775" cy="3098691"/>
           </a:xfrm>
           <a:prstGeom prst="rect">
@@ -7529,7 +7783,7 @@
         </p:blipFill>
         <p:spPr bwMode="auto">
           <a:xfrm>
-            <a:off x="8288338" y="438150"/>
+            <a:off x="8393113" y="1428750"/>
             <a:ext cx="4352925" cy="8001000"/>
           </a:xfrm>
           <a:prstGeom prst="rect">
@@ -7626,6 +7880,100 @@
           </a:extLst>
         </p:spPr>
       </p:pic>
+      <p:sp>
+        <p:nvSpPr>
+          <p:cNvPr id="3" name="TextBox 2"/>
+          <p:cNvSpPr txBox="1"/>
+          <p:nvPr/>
+        </p:nvSpPr>
+        <p:spPr>
+          <a:xfrm>
+            <a:off x="62092" y="2322952"/>
+            <a:ext cx="4806769" cy="1210588"/>
+          </a:xfrm>
+          <a:prstGeom prst="rect">
+            <a:avLst/>
+          </a:prstGeom>
+          <a:noFill/>
+          <a:ln w="12700" cap="flat">
+            <a:noFill/>
+            <a:miter lim="400000"/>
+          </a:ln>
+          <a:effectLst/>
+          <a:sp3d/>
+        </p:spPr>
+        <p:style>
+          <a:lnRef idx="0">
+            <a:scrgbClr r="0" g="0" b="0"/>
+          </a:lnRef>
+          <a:fillRef idx="0">
+            <a:scrgbClr r="0" g="0" b="0"/>
+          </a:fillRef>
+          <a:effectRef idx="0">
+            <a:scrgbClr r="0" g="0" b="0"/>
+          </a:effectRef>
+          <a:fontRef idx="none"/>
+        </p:style>
+        <p:txBody>
+          <a:bodyPr rot="0" spcFirstLastPara="1" vertOverflow="overflow" horzOverflow="overflow" vert="horz" wrap="square" lIns="50800" tIns="50800" rIns="50800" bIns="50800" numCol="1" spcCol="38100" rtlCol="0" anchor="ctr">
+            <a:spAutoFit/>
+          </a:bodyPr>
+          <a:lstStyle/>
+          <a:p>
+            <a:pPr marL="0" marR="0" indent="0" algn="ctr" defTabSz="584200" rtl="0" fontAlgn="auto" latinLnBrk="0" hangingPunct="0">
+              <a:lnSpc>
+                <a:spcPct val="100000"/>
+              </a:lnSpc>
+              <a:spcBef>
+                <a:spcPts val="0"/>
+              </a:spcBef>
+              <a:spcAft>
+                <a:spcPts val="0"/>
+              </a:spcAft>
+              <a:buClrTx/>
+              <a:buSzTx/>
+              <a:buFontTx/>
+              <a:buNone/>
+              <a:tabLst/>
+            </a:pPr>
+            <a:r>
+              <a:rPr kumimoji="0" lang="en-IE" sz="2400" b="0" i="0" u="none" strike="noStrike" cap="none" spc="0" normalizeH="0" baseline="0" dirty="0" smtClean="0">
+                <a:ln>
+                  <a:noFill/>
+                </a:ln>
+                <a:solidFill>
+                  <a:srgbClr val="000000"/>
+                </a:solidFill>
+                <a:effectLst/>
+                <a:uFillTx/>
+                <a:latin typeface="Helvetica Neue Light"/>
+                <a:ea typeface="Helvetica Neue Light"/>
+                <a:cs typeface="Helvetica Neue Light"/>
+                <a:sym typeface="Helvetica Neue Light"/>
+              </a:rPr>
+              <a:t>Grid of boxes that </a:t>
+            </a:r>
+            <a:r>
+              <a:rPr lang="en-IE" sz="2400" dirty="0" smtClean="0"/>
+              <a:t>fills the browser width and wraps nicely. You can set a width and height.</a:t>
+            </a:r>
+            <a:endParaRPr kumimoji="0" lang="en-IE" sz="2400" b="0" i="0" u="none" strike="noStrike" cap="none" spc="0" normalizeH="0" baseline="0" dirty="0">
+              <a:ln>
+                <a:noFill/>
+              </a:ln>
+              <a:solidFill>
+                <a:srgbClr val="000000"/>
+              </a:solidFill>
+              <a:effectLst/>
+              <a:uFillTx/>
+              <a:latin typeface="Helvetica Neue Light"/>
+              <a:ea typeface="Helvetica Neue Light"/>
+              <a:cs typeface="Helvetica Neue Light"/>
+              <a:sym typeface="Helvetica Neue Light"/>
+            </a:endParaRPr>
+          </a:p>
+        </p:txBody>
+      </p:sp>
     </p:spTree>
     <p:extLst>
       <p:ext uri="{BB962C8B-B14F-4D97-AF65-F5344CB8AC3E}">
@@ -7676,14 +8024,24 @@
         </p:nvSpPr>
         <p:spPr/>
         <p:txBody>
-          <a:bodyPr/>
+          <a:bodyPr>
+            <a:normAutofit/>
+          </a:bodyPr>
           <a:lstStyle/>
           <a:p>
-            <a:r>
-              <a:rPr lang="en-GB" dirty="0" smtClean="0"/>
+            <a:pPr>
+              <a:defRPr/>
+            </a:pPr>
+            <a:r>
+              <a:rPr lang="en-GB" dirty="0">
+                <a:solidFill>
+                  <a:schemeClr val="tx2">
+                    <a:satMod val="130000"/>
+                  </a:schemeClr>
+                </a:solidFill>
+              </a:rPr>
               <a:t>inline-block layout</a:t>
             </a:r>
-            <a:endParaRPr lang="en-GB" dirty="0"/>
           </a:p>
         </p:txBody>
       </p:sp>
@@ -7697,11 +8055,20 @@
             <p:ph type="body" idx="1"/>
           </p:nvPr>
         </p:nvSpPr>
-        <p:spPr/>
+        <p:spPr>
+          <a:xfrm>
+            <a:off x="571500" y="2324100"/>
+            <a:ext cx="4346575" cy="6565900"/>
+          </a:xfrm>
+        </p:spPr>
         <p:txBody>
           <a:bodyPr/>
           <a:lstStyle/>
           <a:p>
+            <a:r>
+              <a:rPr lang="en-GB" dirty="0" smtClean="0"/>
+              <a:t>You can use inline-block for layouts. Remember to set the width and vertical-align to top.</a:t>
+            </a:r>
             <a:endParaRPr lang="en-GB" dirty="0"/>
           </a:p>
         </p:txBody>
@@ -7729,8 +8096,8 @@
         </p:blipFill>
         <p:spPr bwMode="auto">
           <a:xfrm>
-            <a:off x="9688513" y="6429375"/>
-            <a:ext cx="2009775" cy="1771650"/>
+            <a:off x="7228655" y="4791584"/>
+            <a:ext cx="4943388" cy="4357678"/>
           </a:xfrm>
           <a:prstGeom prst="rect">
             <a:avLst/>
@@ -7789,7 +8156,7 @@
         </p:blipFill>
         <p:spPr bwMode="auto">
           <a:xfrm>
-            <a:off x="825500" y="3452813"/>
+            <a:off x="571500" y="4350748"/>
             <a:ext cx="5676900" cy="5057775"/>
           </a:xfrm>
           <a:prstGeom prst="rect">
@@ -7849,7 +8216,7 @@
         </p:blipFill>
         <p:spPr bwMode="auto">
           <a:xfrm>
-            <a:off x="4918075" y="657225"/>
+            <a:off x="4918075" y="217487"/>
             <a:ext cx="8086725" cy="3019425"/>
           </a:xfrm>
           <a:prstGeom prst="rect">
@@ -7929,14 +8296,24 @@
         </p:nvSpPr>
         <p:spPr/>
         <p:txBody>
-          <a:bodyPr/>
+          <a:bodyPr>
+            <a:normAutofit/>
+          </a:bodyPr>
           <a:lstStyle/>
           <a:p>
-            <a:r>
-              <a:rPr lang="en-GB" dirty="0" smtClean="0"/>
+            <a:pPr>
+              <a:defRPr/>
+            </a:pPr>
+            <a:r>
+              <a:rPr lang="en-GB" dirty="0">
+                <a:solidFill>
+                  <a:schemeClr val="tx2">
+                    <a:satMod val="130000"/>
+                  </a:schemeClr>
+                </a:solidFill>
+              </a:rPr>
               <a:t>column</a:t>
             </a:r>
-            <a:endParaRPr lang="en-GB" dirty="0"/>
           </a:p>
         </p:txBody>
       </p:sp>
@@ -7950,11 +8327,24 @@
             <p:ph type="body" idx="1"/>
           </p:nvPr>
         </p:nvSpPr>
-        <p:spPr/>
+        <p:spPr>
+          <a:xfrm>
+            <a:off x="571500" y="2324100"/>
+            <a:ext cx="4370998" cy="6565900"/>
+          </a:xfrm>
+        </p:spPr>
         <p:txBody>
           <a:bodyPr/>
           <a:lstStyle/>
           <a:p>
+            <a:r>
+              <a:rPr lang="en-GB" dirty="0" err="1" smtClean="0"/>
+              <a:t>css</a:t>
+            </a:r>
+            <a:r>
+              <a:rPr lang="en-GB" dirty="0" smtClean="0"/>
+              <a:t> columns are very new, so you need to use the prefixes and it won’t work in IE9 or Opera Mini</a:t>
+            </a:r>
             <a:endParaRPr lang="en-GB" dirty="0"/>
           </a:p>
         </p:txBody>
@@ -7982,16 +8372,22 @@
         </p:blipFill>
         <p:spPr bwMode="auto">
           <a:xfrm>
-            <a:off x="584078" y="2258158"/>
-            <a:ext cx="7229475" cy="1714500"/>
+            <a:off x="4942498" y="2149844"/>
+            <a:ext cx="8010153" cy="1899641"/>
           </a:xfrm>
           <a:prstGeom prst="rect">
             <a:avLst/>
           </a:prstGeom>
-          <a:noFill/>
           <a:ln>
             <a:noFill/>
           </a:ln>
+          <a:effectLst>
+            <a:outerShdw blurRad="292100" dist="139700" dir="2700000" algn="tl" rotWithShape="0">
+              <a:srgbClr val="333333">
+                <a:alpha val="65000"/>
+              </a:srgbClr>
+            </a:outerShdw>
+          </a:effectLst>
           <a:extLst>
             <a:ext uri="{909E8E84-426E-40DD-AFC4-6F175D3DCCD1}">
               <a14:hiddenFill xmlns:a14="http://schemas.microsoft.com/office/drawing/2010/main">
@@ -8036,16 +8432,22 @@
         </p:blipFill>
         <p:spPr bwMode="auto">
           <a:xfrm>
-            <a:off x="8901600" y="3115408"/>
-            <a:ext cx="3192961" cy="2295891"/>
+            <a:off x="8979012" y="4840298"/>
+            <a:ext cx="4095925" cy="2945165"/>
           </a:xfrm>
           <a:prstGeom prst="rect">
             <a:avLst/>
           </a:prstGeom>
-          <a:noFill/>
           <a:ln>
             <a:noFill/>
           </a:ln>
+          <a:effectLst>
+            <a:outerShdw blurRad="292100" dist="139700" dir="2700000" algn="tl" rotWithShape="0">
+              <a:srgbClr val="333333">
+                <a:alpha val="65000"/>
+              </a:srgbClr>
+            </a:outerShdw>
+          </a:effectLst>
           <a:extLst>
             <a:ext uri="{909E8E84-426E-40DD-AFC4-6F175D3DCCD1}">
               <a14:hiddenFill xmlns:a14="http://schemas.microsoft.com/office/drawing/2010/main">
@@ -8090,16 +8492,22 @@
         </p:blipFill>
         <p:spPr bwMode="auto">
           <a:xfrm>
-            <a:off x="584078" y="4263536"/>
-            <a:ext cx="8133607" cy="3420941"/>
+            <a:off x="76596" y="5393606"/>
+            <a:ext cx="8641090" cy="3634385"/>
           </a:xfrm>
           <a:prstGeom prst="rect">
             <a:avLst/>
           </a:prstGeom>
-          <a:noFill/>
           <a:ln>
             <a:noFill/>
           </a:ln>
+          <a:effectLst>
+            <a:outerShdw blurRad="292100" dist="139700" dir="2700000" algn="tl" rotWithShape="0">
+              <a:srgbClr val="333333">
+                <a:alpha val="65000"/>
+              </a:srgbClr>
+            </a:outerShdw>
+          </a:effectLst>
           <a:extLst>
             <a:ext uri="{909E8E84-426E-40DD-AFC4-6F175D3DCCD1}">
               <a14:hiddenFill xmlns:a14="http://schemas.microsoft.com/office/drawing/2010/main">
@@ -8164,65 +8572,24 @@
         </p:nvSpPr>
         <p:spPr/>
         <p:txBody>
-          <a:bodyPr/>
+          <a:bodyPr>
+            <a:normAutofit/>
+          </a:bodyPr>
           <a:lstStyle/>
           <a:p>
             <a:r>
-              <a:rPr lang="en-GB" dirty="0" smtClean="0"/>
+              <a:rPr lang="en-IE" dirty="0">
+                <a:solidFill>
+                  <a:schemeClr val="tx2">
+                    <a:satMod val="130000"/>
+                  </a:schemeClr>
+                </a:solidFill>
+              </a:rPr>
               <a:t>flexbox</a:t>
             </a:r>
-            <a:endParaRPr lang="en-GB" dirty="0"/>
           </a:p>
         </p:txBody>
       </p:sp>
-      <p:pic>
-        <p:nvPicPr>
-          <p:cNvPr id="4" name="Picture 3"/>
-          <p:cNvPicPr>
-            <a:picLocks noChangeAspect="1"/>
-          </p:cNvPicPr>
-          <p:nvPr/>
-        </p:nvPicPr>
-        <p:blipFill>
-          <a:blip r:embed="rId2"/>
-          <a:stretch>
-            <a:fillRect/>
-          </a:stretch>
-        </p:blipFill>
-        <p:spPr>
-          <a:xfrm>
-            <a:off x="992776" y="4441370"/>
-            <a:ext cx="6246521" cy="4448629"/>
-          </a:xfrm>
-          <a:prstGeom prst="rect">
-            <a:avLst/>
-          </a:prstGeom>
-        </p:spPr>
-      </p:pic>
-      <p:pic>
-        <p:nvPicPr>
-          <p:cNvPr id="6" name="Picture 5"/>
-          <p:cNvPicPr>
-            <a:picLocks noChangeAspect="1"/>
-          </p:cNvPicPr>
-          <p:nvPr/>
-        </p:nvPicPr>
-        <p:blipFill>
-          <a:blip r:embed="rId3"/>
-          <a:stretch>
-            <a:fillRect/>
-          </a:stretch>
-        </p:blipFill>
-        <p:spPr>
-          <a:xfrm>
-            <a:off x="5434148" y="2960687"/>
-            <a:ext cx="7905750" cy="3952875"/>
-          </a:xfrm>
-          <a:prstGeom prst="rect">
-            <a:avLst/>
-          </a:prstGeom>
-        </p:spPr>
-      </p:pic>
       <p:sp>
         <p:nvSpPr>
           <p:cNvPr id="3" name="Text Placeholder 2"/>
@@ -8235,41 +8602,52 @@
         </p:nvSpPr>
         <p:spPr/>
         <p:txBody>
-          <a:bodyPr/>
+          <a:bodyPr>
+            <a:normAutofit/>
+          </a:bodyPr>
           <a:lstStyle/>
           <a:p>
-            <a:endParaRPr lang="en-GB" dirty="0"/>
+            <a:r>
+              <a:rPr lang="en-IE" sz="3200" dirty="0" smtClean="0"/>
+              <a:t>The new flexbox layout mode is poised to redefine how we do layouts in CSS. Unfortunately the specification has changed a lot recently, so it is implemented differently in different browsers. </a:t>
+            </a:r>
+          </a:p>
+          <a:p>
+            <a:r>
+              <a:rPr lang="en-IE" sz="3200" dirty="0" smtClean="0"/>
+              <a:t>The following examples only work with some browsers that use the latest version of the standard.</a:t>
+            </a:r>
+          </a:p>
+          <a:p>
+            <a:endParaRPr lang="en-IE" sz="3200" dirty="0"/>
+          </a:p>
+          <a:p>
+            <a:r>
+              <a:rPr lang="en-IE" sz="3200" dirty="0">
+                <a:hlinkClick r:id="rId2"/>
+              </a:rPr>
+              <a:t>https://css-tricks.com/snippets/css/a-guide-to-flexbox</a:t>
+            </a:r>
+            <a:r>
+              <a:rPr lang="en-IE" sz="3200" dirty="0" smtClean="0">
+                <a:hlinkClick r:id="rId2"/>
+              </a:rPr>
+              <a:t>/</a:t>
+            </a:r>
+            <a:endParaRPr lang="en-IE" sz="3200" dirty="0" smtClean="0"/>
+          </a:p>
+          <a:p>
+            <a:endParaRPr lang="en-IE" sz="3200" dirty="0" smtClean="0"/>
+          </a:p>
+          <a:p>
+            <a:endParaRPr lang="en-IE" sz="3200" dirty="0"/>
           </a:p>
         </p:txBody>
       </p:sp>
-      <p:pic>
-        <p:nvPicPr>
-          <p:cNvPr id="5" name="Picture 4"/>
-          <p:cNvPicPr>
-            <a:picLocks noChangeAspect="1"/>
-          </p:cNvPicPr>
-          <p:nvPr/>
-        </p:nvPicPr>
-        <p:blipFill>
-          <a:blip r:embed="rId4"/>
-          <a:stretch>
-            <a:fillRect/>
-          </a:stretch>
-        </p:blipFill>
-        <p:spPr>
-          <a:xfrm>
-            <a:off x="4116036" y="330199"/>
-            <a:ext cx="3564924" cy="3664410"/>
-          </a:xfrm>
-          <a:prstGeom prst="rect">
-            <a:avLst/>
-          </a:prstGeom>
-        </p:spPr>
-      </p:pic>
     </p:spTree>
     <p:extLst>
       <p:ext uri="{BB962C8B-B14F-4D97-AF65-F5344CB8AC3E}">
-        <p14:creationId xmlns:p14="http://schemas.microsoft.com/office/powerpoint/2010/main" val="712309752"/>
+        <p14:creationId xmlns:p14="http://schemas.microsoft.com/office/powerpoint/2010/main" val="2112892412"/>
       </p:ext>
     </p:extLst>
   </p:cSld>
@@ -8277,6 +8655,13 @@
     <a:masterClrMapping/>
   </p:clrMapOvr>
   <p:transition spd="med"/>
+  <p:timing>
+    <p:tnLst>
+      <p:par>
+        <p:cTn id="1" dur="indefinite" restart="never" nodeType="tmRoot"/>
+      </p:par>
+    </p:tnLst>
+  </p:timing>
 </p:sld>
 </file>
 
@@ -8297,9 +8682,45 @@
           <a:chExt cx="0" cy="0"/>
         </a:xfrm>
       </p:grpSpPr>
+      <p:pic>
+        <p:nvPicPr>
+          <p:cNvPr id="211" name="image1.png"/>
+          <p:cNvPicPr>
+            <a:picLocks noChangeAspect="1"/>
+          </p:cNvPicPr>
+          <p:nvPr/>
+        </p:nvPicPr>
+        <p:blipFill>
+          <a:blip r:embed="rId2">
+            <a:extLst/>
+          </a:blip>
+          <a:stretch>
+            <a:fillRect/>
+          </a:stretch>
+        </p:blipFill>
+        <p:spPr>
+          <a:xfrm>
+            <a:off x="309712" y="2219058"/>
+            <a:ext cx="5821461" cy="5187586"/>
+          </a:xfrm>
+          <a:prstGeom prst="rect">
+            <a:avLst/>
+          </a:prstGeom>
+          <a:ln w="12700">
+            <a:miter lim="400000"/>
+          </a:ln>
+          <a:effectLst>
+            <a:outerShdw blurRad="292100" dist="139700" dir="2700000" rotWithShape="0">
+              <a:srgbClr val="333333">
+                <a:alpha val="64999"/>
+              </a:srgbClr>
+            </a:outerShdw>
+          </a:effectLst>
+        </p:spPr>
+      </p:pic>
       <p:sp>
         <p:nvSpPr>
-          <p:cNvPr id="2" name="Title 1"/>
+          <p:cNvPr id="212" name="Shape 212"/>
           <p:cNvSpPr>
             <a:spLocks noGrp="1"/>
           </p:cNvSpPr>
@@ -8307,27 +8728,65 @@
             <p:ph type="title"/>
           </p:nvPr>
         </p:nvSpPr>
-        <p:spPr/>
+        <p:spPr>
+          <a:xfrm>
+            <a:off x="438894" y="392165"/>
+            <a:ext cx="11861800" cy="1397000"/>
+          </a:xfrm>
+          <a:prstGeom prst="rect">
+            <a:avLst/>
+          </a:prstGeom>
+        </p:spPr>
         <p:txBody>
           <a:bodyPr>
             <a:normAutofit/>
           </a:bodyPr>
           <a:lstStyle/>
           <a:p>
-            <a:pPr algn="r">
+            <a:pPr>
               <a:defRPr/>
             </a:pPr>
             <a:r>
-              <a:rPr lang="en-US" dirty="0" smtClean="0">
+              <a:rPr dirty="0">
                 <a:solidFill>
                   <a:schemeClr val="tx2">
                     <a:satMod val="130000"/>
                   </a:schemeClr>
                 </a:solidFill>
               </a:rPr>
-              <a:t>Mobile Web Design Best Practices</a:t>
-            </a:r>
-            <a:endParaRPr lang="en-US" dirty="0">
+              <a:t>Lab 0</a:t>
+            </a:r>
+            <a:r>
+              <a:rPr lang="en-IE" dirty="0">
+                <a:solidFill>
+                  <a:schemeClr val="tx2">
+                    <a:satMod val="130000"/>
+                  </a:schemeClr>
+                </a:solidFill>
+              </a:rPr>
+              <a:t>7</a:t>
+            </a:r>
+            <a:r>
+              <a:rPr dirty="0">
+                <a:solidFill>
+                  <a:schemeClr val="tx2">
+                    <a:satMod val="130000"/>
+                  </a:schemeClr>
+                </a:solidFill>
+              </a:rPr>
+              <a:t>: Learn CSS Layout Part </a:t>
+            </a:r>
+            <a:r>
+              <a:rPr lang="en-IE" dirty="0">
+                <a:solidFill>
+                  <a:schemeClr val="tx2">
+                    <a:satMod val="130000"/>
+                  </a:schemeClr>
+                </a:solidFill>
+              </a:rPr>
+              <a:t>2</a:t>
+            </a:r>
+            <a:endParaRPr dirty="0">
               <a:solidFill>
                 <a:schemeClr val="tx2">
                   <a:satMod val="130000"/>
@@ -8339,151 +8798,148 @@
       </p:sp>
       <p:sp>
         <p:nvSpPr>
-          <p:cNvPr id="26627" name="Content Placeholder 2"/>
+          <p:cNvPr id="213" name="Shape 213"/>
           <p:cNvSpPr>
             <a:spLocks noGrp="1"/>
           </p:cNvSpPr>
           <p:nvPr>
-            <p:ph idx="1"/>
+            <p:ph type="sldNum" sz="quarter" idx="4294967295"/>
           </p:nvPr>
         </p:nvSpPr>
         <p:spPr>
           <a:xfrm>
-            <a:off x="3467946" y="2059093"/>
-            <a:ext cx="9238827" cy="6827520"/>
+            <a:off x="12453214" y="9194800"/>
+            <a:ext cx="127001" cy="198222"/>
           </a:xfrm>
+          <a:prstGeom prst="rect">
+            <a:avLst/>
+          </a:prstGeom>
+          <a:extLst>
+            <a:ext uri="{C572A759-6A51-4108-AA02-DFA0A04FC94B}">
+              <ma14:wrappingTextBoxFlag xmlns:ma14="http://schemas.microsoft.com/office/mac/drawingml/2011/main" xmlns="" val="1"/>
+            </a:ext>
+          </a:extLst>
         </p:spPr>
         <p:txBody>
-          <a:bodyPr>
-            <a:normAutofit fontScale="85000" lnSpcReduction="10000"/>
-          </a:bodyPr>
+          <a:bodyPr/>
           <a:lstStyle/>
           <a:p>
-            <a:pPr marL="519281" indent="-401878">
-              <a:buFont typeface="Wingdings 2" panose="05020102010507070707" pitchFamily="18" charset="2"/>
-              <a:buChar char=""/>
-            </a:pPr>
-            <a:r>
-              <a:rPr lang="en-US" sz="4000" dirty="0"/>
-              <a:t>The global internet report by internetsociety.org states there are almost 2 billion mobile Internet users Dec 2013 </a:t>
-            </a:r>
-            <a:r>
-              <a:rPr lang="en-US" dirty="0">
-                <a:hlinkClick r:id="rId3"/>
-              </a:rPr>
-              <a:t>http://www.internetsociety.org/sites/default/files/Global_Internet_Report_2014_0.pdf</a:t>
-            </a:r>
-            <a:endParaRPr lang="en-US" dirty="0"/>
-          </a:p>
-          <a:p>
-            <a:pPr marL="519281" indent="-401878">
-              <a:buFont typeface="Wingdings 2" panose="05020102010507070707" pitchFamily="18" charset="2"/>
-              <a:buChar char=""/>
-            </a:pPr>
-            <a:r>
-              <a:rPr lang="en-US" sz="4000" dirty="0"/>
-              <a:t>Three Approaches to Mobile Web:</a:t>
-            </a:r>
-          </a:p>
-          <a:p>
-            <a:pPr marL="909871" lvl="1" indent="-336404">
-              <a:buFont typeface="Verdana" panose="020B0604030504040204" pitchFamily="34" charset="0"/>
-              <a:buChar char="◦"/>
-            </a:pPr>
-            <a:r>
-              <a:rPr lang="en-US" sz="2800" dirty="0"/>
-              <a:t>Create a separate website hosted within your current domain targeted for mobile users e.g. m.itworld.com</a:t>
-            </a:r>
-          </a:p>
-          <a:p>
-            <a:pPr marL="909871" lvl="1" indent="-336404">
-              <a:buFont typeface="Verdana" panose="020B0604030504040204" pitchFamily="34" charset="0"/>
-              <a:buChar char="◦"/>
-            </a:pPr>
-            <a:r>
-              <a:rPr lang="en-US" sz="2800" dirty="0"/>
-              <a:t>Use CSS to configure your current website for display on both mobile and desktop devices.</a:t>
-            </a:r>
-          </a:p>
-          <a:p>
-            <a:pPr marL="909871" lvl="1" indent="-336404">
-              <a:buFont typeface="Verdana" panose="020B0604030504040204" pitchFamily="34" charset="0"/>
-              <a:buChar char="◦"/>
-            </a:pPr>
-            <a:r>
-              <a:rPr lang="en-US" sz="2800" dirty="0"/>
-              <a:t>Develop a mobile app which resides on the device</a:t>
-            </a:r>
-          </a:p>
-          <a:p>
-            <a:pPr marL="909871" lvl="1" indent="-336404">
-              <a:buFont typeface="Verdana" panose="020B0604030504040204" pitchFamily="34" charset="0"/>
-              <a:buChar char="◦"/>
-            </a:pPr>
-            <a:endParaRPr lang="en-US" dirty="0" smtClean="0"/>
+            <a:fld id="{86CB4B4D-7CA3-9044-876B-883B54F8677D}" type="slidenum">
+              <a:t>2</a:t>
+            </a:fld>
+            <a:endParaRPr/>
           </a:p>
         </p:txBody>
       </p:sp>
       <p:pic>
         <p:nvPicPr>
-          <p:cNvPr id="26628" name="Picture 5" descr="Figure7"/>
+          <p:cNvPr id="214" name="image2.png"/>
           <p:cNvPicPr>
-            <a:picLocks noChangeAspect="1" noChangeArrowheads="1"/>
+            <a:picLocks noChangeAspect="1"/>
+          </p:cNvPicPr>
+          <p:nvPr/>
+        </p:nvPicPr>
+        <p:blipFill>
+          <a:blip r:embed="rId3">
+            <a:extLst/>
+          </a:blip>
+          <a:stretch>
+            <a:fillRect/>
+          </a:stretch>
+        </p:blipFill>
+        <p:spPr>
+          <a:xfrm>
+            <a:off x="337633" y="6604992"/>
+            <a:ext cx="6429376" cy="2362201"/>
+          </a:xfrm>
+          <a:prstGeom prst="rect">
+            <a:avLst/>
+          </a:prstGeom>
+          <a:ln w="12700">
+            <a:miter lim="400000"/>
+          </a:ln>
+          <a:effectLst>
+            <a:outerShdw blurRad="292100" dist="139700" dir="2700000" rotWithShape="0">
+              <a:srgbClr val="333333">
+                <a:alpha val="64999"/>
+              </a:srgbClr>
+            </a:outerShdw>
+          </a:effectLst>
+        </p:spPr>
+      </p:pic>
+      <p:pic>
+        <p:nvPicPr>
+          <p:cNvPr id="215" name="image3.png"/>
+          <p:cNvPicPr>
+            <a:picLocks noChangeAspect="1"/>
           </p:cNvPicPr>
           <p:nvPr/>
         </p:nvPicPr>
         <p:blipFill>
           <a:blip r:embed="rId4">
-            <a:extLst>
-              <a:ext uri="{28A0092B-C50C-407E-A947-70E740481C1C}">
-                <a14:useLocalDpi xmlns:a14="http://schemas.microsoft.com/office/drawing/2010/main" val="0"/>
-              </a:ext>
-            </a:extLst>
+            <a:extLst/>
           </a:blip>
-          <a:srcRect/>
           <a:stretch>
             <a:fillRect/>
           </a:stretch>
         </p:blipFill>
-        <p:spPr bwMode="auto">
+        <p:spPr>
           <a:xfrm>
-            <a:off x="325121" y="2384214"/>
-            <a:ext cx="2454205" cy="4070774"/>
+            <a:off x="6369794" y="2247623"/>
+            <a:ext cx="6429376" cy="3228976"/>
           </a:xfrm>
           <a:prstGeom prst="rect">
             <a:avLst/>
           </a:prstGeom>
-          <a:noFill/>
-          <a:ln>
-            <a:noFill/>
+          <a:ln w="12700">
+            <a:miter lim="400000"/>
           </a:ln>
-          <a:extLst>
-            <a:ext uri="{909E8E84-426E-40DD-AFC4-6F175D3DCCD1}">
-              <a14:hiddenFill xmlns:a14="http://schemas.microsoft.com/office/drawing/2010/main">
-                <a:solidFill>
-                  <a:srgbClr val="FFFFFF"/>
-                </a:solidFill>
-              </a14:hiddenFill>
-            </a:ext>
-            <a:ext uri="{91240B29-F687-4F45-9708-019B960494DF}">
-              <a14:hiddenLine xmlns:a14="http://schemas.microsoft.com/office/drawing/2010/main" w="9525">
-                <a:solidFill>
-                  <a:srgbClr val="000000"/>
-                </a:solidFill>
-                <a:miter lim="800000"/>
-                <a:headEnd/>
-                <a:tailEnd/>
-              </a14:hiddenLine>
-            </a:ext>
-          </a:extLst>
+          <a:effectLst>
+            <a:outerShdw blurRad="292100" dist="139700" dir="2700000" rotWithShape="0">
+              <a:srgbClr val="333333">
+                <a:alpha val="64999"/>
+              </a:srgbClr>
+            </a:outerShdw>
+          </a:effectLst>
+        </p:spPr>
+      </p:pic>
+      <p:pic>
+        <p:nvPicPr>
+          <p:cNvPr id="216" name="image4.png"/>
+          <p:cNvPicPr>
+            <a:picLocks noChangeAspect="1"/>
+          </p:cNvPicPr>
+          <p:nvPr/>
+        </p:nvPicPr>
+        <p:blipFill>
+          <a:blip r:embed="rId5">
+            <a:extLst/>
+          </a:blip>
+          <a:stretch>
+            <a:fillRect/>
+          </a:stretch>
+        </p:blipFill>
+        <p:spPr>
+          <a:xfrm>
+            <a:off x="7798544" y="5596880"/>
+            <a:ext cx="5000626" cy="2971801"/>
+          </a:xfrm>
+          <a:prstGeom prst="rect">
+            <a:avLst/>
+          </a:prstGeom>
+          <a:ln w="12700">
+            <a:miter lim="400000"/>
+          </a:ln>
+          <a:effectLst>
+            <a:outerShdw blurRad="292100" dist="139700" dir="2700000" rotWithShape="0">
+              <a:srgbClr val="333333">
+                <a:alpha val="64999"/>
+              </a:srgbClr>
+            </a:outerShdw>
+          </a:effectLst>
         </p:spPr>
       </p:pic>
     </p:spTree>
-    <p:extLst>
-      <p:ext uri="{BB962C8B-B14F-4D97-AF65-F5344CB8AC3E}">
-        <p14:creationId xmlns:p14="http://schemas.microsoft.com/office/powerpoint/2010/main" val="2462387230"/>
-      </p:ext>
-    </p:extLst>
   </p:cSld>
   <p:clrMapOvr>
     <a:masterClrMapping/>
@@ -8521,14 +8977,24 @@
         </p:nvSpPr>
         <p:spPr/>
         <p:txBody>
-          <a:bodyPr/>
+          <a:bodyPr>
+            <a:normAutofit/>
+          </a:bodyPr>
           <a:lstStyle/>
           <a:p>
-            <a:r>
-              <a:rPr lang="en-IE" dirty="0" smtClean="0"/>
+            <a:pPr>
+              <a:defRPr/>
+            </a:pPr>
+            <a:r>
+              <a:rPr lang="en-GB" dirty="0">
+                <a:solidFill>
+                  <a:schemeClr val="tx2">
+                    <a:satMod val="130000"/>
+                  </a:schemeClr>
+                </a:solidFill>
+              </a:rPr>
               <a:t>flexbox</a:t>
             </a:r>
-            <a:endParaRPr lang="en-IE" dirty="0"/>
           </a:p>
         </p:txBody>
       </p:sp>
@@ -8548,8 +9014,8 @@
         </p:blipFill>
         <p:spPr>
           <a:xfrm>
-            <a:off x="571500" y="6897189"/>
-            <a:ext cx="11839778" cy="1201782"/>
+            <a:off x="0" y="5304971"/>
+            <a:ext cx="6246521" cy="4448629"/>
           </a:xfrm>
           <a:prstGeom prst="rect">
             <a:avLst/>
@@ -8558,7 +9024,7 @@
       </p:pic>
       <p:pic>
         <p:nvPicPr>
-          <p:cNvPr id="5" name="Picture 4"/>
+          <p:cNvPr id="6" name="Picture 5"/>
           <p:cNvPicPr>
             <a:picLocks noChangeAspect="1"/>
           </p:cNvPicPr>
@@ -8572,17 +9038,47 @@
         </p:blipFill>
         <p:spPr>
           <a:xfrm>
-            <a:off x="8490857" y="1028699"/>
-            <a:ext cx="3370217" cy="5748187"/>
+            <a:off x="4206240" y="49213"/>
+            <a:ext cx="8784316" cy="4392158"/>
           </a:xfrm>
           <a:prstGeom prst="rect">
             <a:avLst/>
           </a:prstGeom>
         </p:spPr>
       </p:pic>
+      <p:sp>
+        <p:nvSpPr>
+          <p:cNvPr id="3" name="Text Placeholder 2"/>
+          <p:cNvSpPr>
+            <a:spLocks noGrp="1"/>
+          </p:cNvSpPr>
+          <p:nvPr>
+            <p:ph type="body" idx="1"/>
+          </p:nvPr>
+        </p:nvSpPr>
+        <p:spPr>
+          <a:xfrm>
+            <a:off x="571500" y="2324100"/>
+            <a:ext cx="4157254" cy="6565900"/>
+          </a:xfrm>
+        </p:spPr>
+        <p:txBody>
+          <a:bodyPr>
+            <a:normAutofit/>
+          </a:bodyPr>
+          <a:lstStyle/>
+          <a:p>
+            <a:r>
+              <a:rPr lang="en-GB" sz="3600" dirty="0" smtClean="0"/>
+              <a:t>simple layout.</a:t>
+            </a:r>
+            <a:endParaRPr lang="en-GB" sz="3600" dirty="0"/>
+          </a:p>
+        </p:txBody>
+      </p:sp>
       <p:pic>
         <p:nvPicPr>
-          <p:cNvPr id="7" name="Picture 6"/>
+          <p:cNvPr id="5" name="Picture 4"/>
           <p:cNvPicPr>
             <a:picLocks noChangeAspect="1"/>
           </p:cNvPicPr>
@@ -8596,37 +9092,18 @@
         </p:blipFill>
         <p:spPr>
           <a:xfrm>
-            <a:off x="571500" y="2978331"/>
-            <a:ext cx="7458075" cy="2266950"/>
+            <a:off x="7265422" y="4836884"/>
+            <a:ext cx="3943077" cy="4053116"/>
           </a:xfrm>
           <a:prstGeom prst="rect">
             <a:avLst/>
           </a:prstGeom>
         </p:spPr>
       </p:pic>
-      <p:sp>
-        <p:nvSpPr>
-          <p:cNvPr id="3" name="Text Placeholder 2"/>
-          <p:cNvSpPr>
-            <a:spLocks noGrp="1"/>
-          </p:cNvSpPr>
-          <p:nvPr>
-            <p:ph type="body" idx="1"/>
-          </p:nvPr>
-        </p:nvSpPr>
-        <p:spPr/>
-        <p:txBody>
-          <a:bodyPr/>
-          <a:lstStyle/>
-          <a:p>
-            <a:endParaRPr lang="en-IE" dirty="0"/>
-          </a:p>
-        </p:txBody>
-      </p:sp>
     </p:spTree>
     <p:extLst>
       <p:ext uri="{BB962C8B-B14F-4D97-AF65-F5344CB8AC3E}">
-        <p14:creationId xmlns:p14="http://schemas.microsoft.com/office/powerpoint/2010/main" val="3321151683"/>
+        <p14:creationId xmlns:p14="http://schemas.microsoft.com/office/powerpoint/2010/main" val="712309752"/>
       </p:ext>
     </p:extLst>
   </p:cSld>
@@ -8634,6 +9111,13 @@
     <a:masterClrMapping/>
   </p:clrMapOvr>
   <p:transition spd="med"/>
+  <p:timing>
+    <p:tnLst>
+      <p:par>
+        <p:cTn id="1" dur="indefinite" restart="never" nodeType="tmRoot"/>
+      </p:par>
+    </p:tnLst>
+  </p:timing>
 </p:sld>
 </file>
 
@@ -8666,14 +9150,24 @@
         </p:nvSpPr>
         <p:spPr/>
         <p:txBody>
-          <a:bodyPr/>
+          <a:bodyPr>
+            <a:normAutofit/>
+          </a:bodyPr>
           <a:lstStyle/>
           <a:p>
-            <a:r>
-              <a:rPr lang="en-IE" dirty="0" smtClean="0"/>
+            <a:pPr>
+              <a:defRPr/>
+            </a:pPr>
+            <a:r>
+              <a:rPr lang="en-IE" dirty="0">
+                <a:solidFill>
+                  <a:schemeClr val="tx2">
+                    <a:satMod val="130000"/>
+                  </a:schemeClr>
+                </a:solidFill>
+              </a:rPr>
               <a:t>flexbox</a:t>
             </a:r>
-            <a:endParaRPr lang="en-IE" dirty="0"/>
           </a:p>
         </p:txBody>
       </p:sp>
@@ -8693,7 +9187,220 @@
         </p:blipFill>
         <p:spPr>
           <a:xfrm>
-            <a:off x="783771" y="5607050"/>
+            <a:off x="335587" y="7636018"/>
+            <a:ext cx="11839778" cy="1201782"/>
+          </a:xfrm>
+          <a:prstGeom prst="rect">
+            <a:avLst/>
+          </a:prstGeom>
+          <a:ln>
+            <a:noFill/>
+          </a:ln>
+          <a:effectLst>
+            <a:outerShdw blurRad="292100" dist="139700" dir="2700000" algn="tl" rotWithShape="0">
+              <a:srgbClr val="333333">
+                <a:alpha val="65000"/>
+              </a:srgbClr>
+            </a:outerShdw>
+          </a:effectLst>
+        </p:spPr>
+      </p:pic>
+      <p:pic>
+        <p:nvPicPr>
+          <p:cNvPr id="5" name="Picture 4"/>
+          <p:cNvPicPr>
+            <a:picLocks noChangeAspect="1"/>
+          </p:cNvPicPr>
+          <p:nvPr/>
+        </p:nvPicPr>
+        <p:blipFill>
+          <a:blip r:embed="rId3"/>
+          <a:stretch>
+            <a:fillRect/>
+          </a:stretch>
+        </p:blipFill>
+        <p:spPr>
+          <a:xfrm>
+            <a:off x="571500" y="1872720"/>
+            <a:ext cx="3161211" cy="5391710"/>
+          </a:xfrm>
+          <a:prstGeom prst="rect">
+            <a:avLst/>
+          </a:prstGeom>
+          <a:ln>
+            <a:noFill/>
+          </a:ln>
+          <a:effectLst>
+            <a:outerShdw blurRad="292100" dist="139700" dir="2700000" algn="tl" rotWithShape="0">
+              <a:srgbClr val="333333">
+                <a:alpha val="65000"/>
+              </a:srgbClr>
+            </a:outerShdw>
+          </a:effectLst>
+        </p:spPr>
+      </p:pic>
+      <p:pic>
+        <p:nvPicPr>
+          <p:cNvPr id="7" name="Picture 6"/>
+          <p:cNvPicPr>
+            <a:picLocks noChangeAspect="1"/>
+          </p:cNvPicPr>
+          <p:nvPr/>
+        </p:nvPicPr>
+        <p:blipFill>
+          <a:blip r:embed="rId4"/>
+          <a:stretch>
+            <a:fillRect/>
+          </a:stretch>
+        </p:blipFill>
+        <p:spPr>
+          <a:xfrm>
+            <a:off x="3901090" y="522514"/>
+            <a:ext cx="9103709" cy="2767156"/>
+          </a:xfrm>
+          <a:prstGeom prst="rect">
+            <a:avLst/>
+          </a:prstGeom>
+          <a:ln>
+            <a:noFill/>
+          </a:ln>
+          <a:effectLst>
+            <a:outerShdw blurRad="292100" dist="139700" dir="2700000" algn="tl" rotWithShape="0">
+              <a:srgbClr val="333333">
+                <a:alpha val="65000"/>
+              </a:srgbClr>
+            </a:outerShdw>
+          </a:effectLst>
+        </p:spPr>
+      </p:pic>
+      <p:sp>
+        <p:nvSpPr>
+          <p:cNvPr id="3" name="Text Placeholder 2"/>
+          <p:cNvSpPr>
+            <a:spLocks noGrp="1"/>
+          </p:cNvSpPr>
+          <p:nvPr>
+            <p:ph type="body" idx="1"/>
+          </p:nvPr>
+        </p:nvSpPr>
+        <p:spPr>
+          <a:xfrm>
+            <a:off x="4650377" y="3481984"/>
+            <a:ext cx="7782923" cy="3782446"/>
+          </a:xfrm>
+        </p:spPr>
+        <p:txBody>
+          <a:bodyPr>
+            <a:normAutofit/>
+          </a:bodyPr>
+          <a:lstStyle/>
+          <a:p>
+            <a:r>
+              <a:rPr lang="en-IE" sz="3600" dirty="0" smtClean="0"/>
+              <a:t>more complex layout, one flex container with several </a:t>
+            </a:r>
+            <a:r>
+              <a:rPr lang="en-IE" sz="3600" dirty="0" err="1" smtClean="0"/>
+              <a:t>div’s</a:t>
+            </a:r>
+            <a:r>
+              <a:rPr lang="en-IE" sz="3600" dirty="0" smtClean="0"/>
+              <a:t> each with its own properties set for sizing.</a:t>
+            </a:r>
+            <a:endParaRPr lang="en-IE" sz="3600" dirty="0"/>
+          </a:p>
+        </p:txBody>
+      </p:sp>
+    </p:spTree>
+    <p:extLst>
+      <p:ext uri="{BB962C8B-B14F-4D97-AF65-F5344CB8AC3E}">
+        <p14:creationId xmlns:p14="http://schemas.microsoft.com/office/powerpoint/2010/main" val="3321151683"/>
+      </p:ext>
+    </p:extLst>
+  </p:cSld>
+  <p:clrMapOvr>
+    <a:masterClrMapping/>
+  </p:clrMapOvr>
+  <p:transition spd="med"/>
+  <p:timing>
+    <p:tnLst>
+      <p:par>
+        <p:cTn id="1" dur="indefinite" restart="never" nodeType="tmRoot"/>
+      </p:par>
+    </p:tnLst>
+  </p:timing>
+</p:sld>
+</file>
+
+<file path=ppt/slides/slide22.xml><?xml version="1.0" encoding="utf-8"?>
+<p:sld xmlns:a="http://schemas.openxmlformats.org/drawingml/2006/main" xmlns:r="http://schemas.openxmlformats.org/officeDocument/2006/relationships" xmlns:p="http://schemas.openxmlformats.org/presentationml/2006/main">
+  <p:cSld>
+    <p:spTree>
+      <p:nvGrpSpPr>
+        <p:cNvPr id="1" name=""/>
+        <p:cNvGrpSpPr/>
+        <p:nvPr/>
+      </p:nvGrpSpPr>
+      <p:grpSpPr>
+        <a:xfrm>
+          <a:off x="0" y="0"/>
+          <a:ext cx="0" cy="0"/>
+          <a:chOff x="0" y="0"/>
+          <a:chExt cx="0" cy="0"/>
+        </a:xfrm>
+      </p:grpSpPr>
+      <p:sp>
+        <p:nvSpPr>
+          <p:cNvPr id="2" name="Title 1"/>
+          <p:cNvSpPr>
+            <a:spLocks noGrp="1"/>
+          </p:cNvSpPr>
+          <p:nvPr>
+            <p:ph type="title"/>
+          </p:nvPr>
+        </p:nvSpPr>
+        <p:spPr>
+          <a:xfrm>
+            <a:off x="366251" y="-113350"/>
+            <a:ext cx="11861800" cy="1397000"/>
+          </a:xfrm>
+        </p:spPr>
+        <p:txBody>
+          <a:bodyPr>
+            <a:normAutofit/>
+          </a:bodyPr>
+          <a:lstStyle/>
+          <a:p>
+            <a:r>
+              <a:rPr lang="en-IE" dirty="0">
+                <a:solidFill>
+                  <a:schemeClr val="tx2">
+                    <a:satMod val="130000"/>
+                  </a:schemeClr>
+                </a:solidFill>
+              </a:rPr>
+              <a:t>flexbox</a:t>
+            </a:r>
+          </a:p>
+        </p:txBody>
+      </p:sp>
+      <p:pic>
+        <p:nvPicPr>
+          <p:cNvPr id="4" name="Picture 3"/>
+          <p:cNvPicPr>
+            <a:picLocks noChangeAspect="1"/>
+          </p:cNvPicPr>
+          <p:nvPr/>
+        </p:nvPicPr>
+        <p:blipFill>
+          <a:blip r:embed="rId2"/>
+          <a:stretch>
+            <a:fillRect/>
+          </a:stretch>
+        </p:blipFill>
+        <p:spPr>
+          <a:xfrm>
+            <a:off x="366251" y="1529895"/>
             <a:ext cx="7601966" cy="3563076"/>
           </a:xfrm>
           <a:prstGeom prst="rect">
@@ -8717,8 +9424,8 @@
         </p:blipFill>
         <p:spPr>
           <a:xfrm>
-            <a:off x="7393577" y="336549"/>
-            <a:ext cx="5506313" cy="3033667"/>
+            <a:off x="7968217" y="653143"/>
+            <a:ext cx="4931673" cy="2717073"/>
           </a:xfrm>
           <a:prstGeom prst="rect">
             <a:avLst/>
@@ -8735,12 +9442,27 @@
             <p:ph type="body" idx="1"/>
           </p:nvPr>
         </p:nvSpPr>
-        <p:spPr/>
+        <p:spPr>
+          <a:xfrm>
+            <a:off x="9061950" y="4023360"/>
+            <a:ext cx="3837940" cy="4866640"/>
+          </a:xfrm>
+        </p:spPr>
         <p:txBody>
-          <a:bodyPr/>
+          <a:bodyPr>
+            <a:normAutofit/>
+          </a:bodyPr>
           <a:lstStyle/>
           <a:p>
-            <a:endParaRPr lang="en-IE" dirty="0"/>
+            <a:r>
+              <a:rPr lang="en-IE" sz="2800" dirty="0" err="1" smtClean="0"/>
+              <a:t>Centering</a:t>
+            </a:r>
+            <a:r>
+              <a:rPr lang="en-IE" sz="2800" dirty="0" smtClean="0"/>
+              <a:t> using Flexbox makes the process a lot easier and exact than alternative methods.</a:t>
+            </a:r>
+            <a:endParaRPr lang="en-IE" sz="2800" dirty="0"/>
           </a:p>
         </p:txBody>
       </p:sp>
@@ -8760,8 +9482,8 @@
         </p:blipFill>
         <p:spPr>
           <a:xfrm>
-            <a:off x="485635" y="1853382"/>
-            <a:ext cx="6441352" cy="3002824"/>
+            <a:off x="0" y="5092971"/>
+            <a:ext cx="8801938" cy="4103280"/>
           </a:xfrm>
           <a:prstGeom prst="rect">
             <a:avLst/>
@@ -8782,7 +9504,7 @@
 </p:sld>
 </file>
 
-<file path=ppt/slides/slide22.xml><?xml version="1.0" encoding="utf-8"?>
+<file path=ppt/slides/slide23.xml><?xml version="1.0" encoding="utf-8"?>
 <p:sld xmlns:a="http://schemas.openxmlformats.org/drawingml/2006/main" xmlns:r="http://schemas.openxmlformats.org/officeDocument/2006/relationships" xmlns:p="http://schemas.openxmlformats.org/presentationml/2006/main">
   <p:cSld>
     <p:spTree>
@@ -8924,7 +9646,7 @@
             <a:effectLst/>
             <a:extLst>
               <a:ext uri="{C572A759-6A51-4108-AA02-DFA0A04FC94B}">
-                <ma14:wrappingTextBoxFlag xmlns="" xmlns:ma14="http://schemas.microsoft.com/office/mac/drawingml/2011/main" val="1"/>
+                <ma14:wrappingTextBoxFlag xmlns:ma14="http://schemas.microsoft.com/office/mac/drawingml/2011/main" xmlns="" val="1"/>
               </a:ext>
             </a:extLst>
           </p:spPr>
@@ -9042,7 +9764,7 @@
       </p:grpSpPr>
       <p:sp>
         <p:nvSpPr>
-          <p:cNvPr id="2" name="Title 1"/>
+          <p:cNvPr id="218" name="Shape 218"/>
           <p:cNvSpPr>
             <a:spLocks noGrp="1"/>
           </p:cNvSpPr>
@@ -9050,25 +9772,41 @@
             <p:ph type="title"/>
           </p:nvPr>
         </p:nvSpPr>
-        <p:spPr/>
+        <p:spPr>
+          <a:prstGeom prst="rect">
+            <a:avLst/>
+          </a:prstGeom>
+        </p:spPr>
         <p:txBody>
-          <a:bodyPr/>
+          <a:bodyPr>
+            <a:normAutofit/>
+          </a:bodyPr>
           <a:lstStyle/>
           <a:p>
             <a:pPr>
               <a:defRPr/>
             </a:pPr>
             <a:r>
-              <a:rPr lang="en-US" smtClean="0">
+              <a:rPr dirty="0">
                 <a:solidFill>
                   <a:schemeClr val="tx2">
                     <a:satMod val="130000"/>
                   </a:schemeClr>
                 </a:solidFill>
               </a:rPr>
-              <a:t>Mobile Web Limitations</a:t>
-            </a:r>
-            <a:endParaRPr lang="en-US">
+              <a:t>CSS Layout</a:t>
+            </a:r>
+            <a:r>
+              <a:rPr lang="en-IE" dirty="0">
+                <a:solidFill>
+                  <a:schemeClr val="tx2">
+                    <a:satMod val="130000"/>
+                  </a:schemeClr>
+                </a:solidFill>
+              </a:rPr>
+              <a:t> Part 2</a:t>
+            </a:r>
+            <a:endParaRPr dirty="0">
               <a:solidFill>
                 <a:schemeClr val="tx2">
                   <a:satMod val="130000"/>
@@ -9080,178 +9818,183 @@
       </p:sp>
       <p:sp>
         <p:nvSpPr>
-          <p:cNvPr id="27651" name="Content Placeholder 2"/>
+          <p:cNvPr id="219" name="Shape 219"/>
           <p:cNvSpPr>
             <a:spLocks noGrp="1"/>
           </p:cNvSpPr>
           <p:nvPr>
-            <p:ph idx="1"/>
+            <p:ph type="body" idx="1"/>
           </p:nvPr>
         </p:nvSpPr>
-        <p:spPr/>
-        <p:txBody>
-          <a:bodyPr>
-            <a:normAutofit fontScale="25000" lnSpcReduction="20000"/>
-          </a:bodyPr>
-          <a:lstStyle/>
-          <a:p>
-            <a:pPr eaLnBrk="1" hangingPunct="1"/>
-            <a:r>
-              <a:rPr lang="en-US" dirty="0" smtClean="0"/>
-              <a:t>Small Screen Size</a:t>
-            </a:r>
-          </a:p>
-          <a:p>
-            <a:pPr eaLnBrk="1" hangingPunct="1"/>
-            <a:r>
-              <a:rPr lang="en-US" dirty="0" smtClean="0"/>
-              <a:t>Low bandwidth</a:t>
-            </a:r>
-          </a:p>
-          <a:p>
-            <a:pPr eaLnBrk="1" hangingPunct="1"/>
-            <a:r>
-              <a:rPr lang="en-US" dirty="0" smtClean="0"/>
-              <a:t>Poor connectivity</a:t>
-            </a:r>
-          </a:p>
-          <a:p>
-            <a:pPr eaLnBrk="1" hangingPunct="1"/>
-            <a:r>
-              <a:rPr lang="en-US" dirty="0" smtClean="0"/>
-              <a:t>No hover states</a:t>
-            </a:r>
-          </a:p>
-          <a:p>
-            <a:pPr eaLnBrk="1" hangingPunct="1"/>
-            <a:r>
-              <a:rPr lang="en-US" dirty="0" smtClean="0"/>
-              <a:t>Slow error prone typing</a:t>
-            </a:r>
-          </a:p>
-          <a:p>
-            <a:pPr eaLnBrk="1" hangingPunct="1"/>
-            <a:r>
-              <a:rPr lang="en-US" dirty="0" smtClean="0"/>
-              <a:t>Less context</a:t>
-            </a:r>
-          </a:p>
-          <a:p>
-            <a:pPr eaLnBrk="1" hangingPunct="1"/>
-            <a:r>
-              <a:rPr lang="en-US" dirty="0" smtClean="0"/>
-              <a:t>Inaccurate clicks</a:t>
-            </a:r>
-          </a:p>
-          <a:p>
-            <a:pPr eaLnBrk="1" hangingPunct="1"/>
-            <a:r>
-              <a:rPr lang="en-US" dirty="0" smtClean="0"/>
-              <a:t>Slow hardware</a:t>
-            </a:r>
-          </a:p>
-          <a:p>
-            <a:pPr eaLnBrk="1" hangingPunct="1"/>
-            <a:r>
-              <a:rPr lang="en-US" dirty="0" smtClean="0"/>
-              <a:t>Awkward controls</a:t>
-            </a:r>
-          </a:p>
-          <a:p>
-            <a:pPr eaLnBrk="1" hangingPunct="1"/>
-            <a:r>
-              <a:rPr lang="en-US" dirty="0" smtClean="0"/>
-              <a:t>Limited processor and memory</a:t>
-            </a:r>
-            <a:endParaRPr lang="ga-IE" dirty="0" smtClean="0"/>
-          </a:p>
-          <a:p>
-            <a:pPr eaLnBrk="1" hangingPunct="1"/>
-            <a:endParaRPr lang="ga-IE" dirty="0"/>
-          </a:p>
-          <a:p>
-            <a:pPr eaLnBrk="1" hangingPunct="1"/>
-            <a:r>
-              <a:rPr lang="ga-IE" dirty="0" smtClean="0"/>
-              <a:t>http://www.whitehouse.gov</a:t>
-            </a:r>
-          </a:p>
-          <a:p>
-            <a:pPr eaLnBrk="1" hangingPunct="1"/>
-            <a:r>
-              <a:rPr lang="ga-IE" dirty="0" smtClean="0"/>
-              <a:t>http://m.whitehouse.gov</a:t>
-            </a:r>
-            <a:endParaRPr lang="en-US" dirty="0" smtClean="0"/>
-          </a:p>
-          <a:p>
-            <a:pPr marL="99341" indent="0">
-              <a:buNone/>
-            </a:pPr>
-            <a:endParaRPr lang="en-US" dirty="0" smtClean="0"/>
-          </a:p>
-        </p:txBody>
-      </p:sp>
-      <p:pic>
-        <p:nvPicPr>
-          <p:cNvPr id="27652" name="Picture 5" descr="Figure7"/>
-          <p:cNvPicPr>
-            <a:picLocks noChangeAspect="1" noChangeArrowheads="1"/>
-          </p:cNvPicPr>
-          <p:nvPr/>
-        </p:nvPicPr>
-        <p:blipFill>
-          <a:blip r:embed="rId3">
-            <a:extLst>
-              <a:ext uri="{28A0092B-C50C-407E-A947-70E740481C1C}">
-                <a14:useLocalDpi xmlns:a14="http://schemas.microsoft.com/office/drawing/2010/main" val="0"/>
-              </a:ext>
-            </a:extLst>
-          </a:blip>
-          <a:srcRect/>
-          <a:stretch>
-            <a:fillRect/>
-          </a:stretch>
-        </p:blipFill>
-        <p:spPr bwMode="auto">
-          <a:xfrm>
-            <a:off x="8453121" y="2167467"/>
-            <a:ext cx="2454205" cy="4070774"/>
-          </a:xfrm>
+        <p:spPr>
           <a:prstGeom prst="rect">
             <a:avLst/>
           </a:prstGeom>
-          <a:noFill/>
-          <a:ln>
-            <a:noFill/>
-          </a:ln>
-          <a:extLst>
-            <a:ext uri="{909E8E84-426E-40DD-AFC4-6F175D3DCCD1}">
-              <a14:hiddenFill xmlns:a14="http://schemas.microsoft.com/office/drawing/2010/main">
-                <a:solidFill>
-                  <a:srgbClr val="FFFFFF"/>
-                </a:solidFill>
-              </a14:hiddenFill>
-            </a:ext>
-            <a:ext uri="{91240B29-F687-4F45-9708-019B960494DF}">
-              <a14:hiddenLine xmlns:a14="http://schemas.microsoft.com/office/drawing/2010/main" w="9525">
-                <a:solidFill>
-                  <a:srgbClr val="000000"/>
-                </a:solidFill>
-                <a:miter lim="800000"/>
-                <a:headEnd/>
-                <a:tailEnd/>
-              </a14:hiddenLine>
-            </a:ext>
-          </a:extLst>
-        </p:spPr>
-      </p:pic>
+        </p:spPr>
+        <p:txBody>
+          <a:bodyPr/>
+          <a:lstStyle/>
+          <a:p>
+            <a:pPr>
+              <a:spcBef>
+                <a:spcPts val="600"/>
+              </a:spcBef>
+              <a:defRPr sz="2800">
+                <a:latin typeface="Helvetica Neue Light"/>
+                <a:ea typeface="Helvetica Neue Light"/>
+                <a:cs typeface="Helvetica Neue Light"/>
+                <a:sym typeface="Helvetica Neue Light"/>
+              </a:defRPr>
+            </a:pPr>
+            <a:r>
+              <a:rPr lang="en-IE" dirty="0" smtClean="0"/>
+              <a:t>The </a:t>
+            </a:r>
+            <a:r>
+              <a:rPr lang="en-IE" dirty="0" err="1" smtClean="0"/>
+              <a:t>clearfix</a:t>
+            </a:r>
+            <a:r>
+              <a:rPr lang="en-IE" dirty="0" smtClean="0"/>
+              <a:t> hack</a:t>
+            </a:r>
+          </a:p>
+          <a:p>
+            <a:pPr>
+              <a:spcBef>
+                <a:spcPts val="600"/>
+              </a:spcBef>
+              <a:defRPr sz="2800">
+                <a:latin typeface="Helvetica Neue Light"/>
+                <a:ea typeface="Helvetica Neue Light"/>
+                <a:cs typeface="Helvetica Neue Light"/>
+                <a:sym typeface="Helvetica Neue Light"/>
+              </a:defRPr>
+            </a:pPr>
+            <a:r>
+              <a:rPr lang="en-IE" dirty="0" smtClean="0"/>
+              <a:t>Float layout example</a:t>
+            </a:r>
+          </a:p>
+          <a:p>
+            <a:pPr>
+              <a:spcBef>
+                <a:spcPts val="600"/>
+              </a:spcBef>
+              <a:defRPr sz="2800">
+                <a:latin typeface="Helvetica Neue Light"/>
+                <a:ea typeface="Helvetica Neue Light"/>
+                <a:cs typeface="Helvetica Neue Light"/>
+                <a:sym typeface="Helvetica Neue Light"/>
+              </a:defRPr>
+            </a:pPr>
+            <a:r>
+              <a:rPr lang="en-IE" dirty="0" smtClean="0"/>
+              <a:t>Percent width</a:t>
+            </a:r>
+          </a:p>
+          <a:p>
+            <a:pPr>
+              <a:spcBef>
+                <a:spcPts val="600"/>
+              </a:spcBef>
+              <a:defRPr sz="2800">
+                <a:latin typeface="Helvetica Neue Light"/>
+                <a:ea typeface="Helvetica Neue Light"/>
+                <a:cs typeface="Helvetica Neue Light"/>
+                <a:sym typeface="Helvetica Neue Light"/>
+              </a:defRPr>
+            </a:pPr>
+            <a:r>
+              <a:rPr lang="en-IE" dirty="0" smtClean="0"/>
+              <a:t>Media queries</a:t>
+            </a:r>
+          </a:p>
+          <a:p>
+            <a:pPr>
+              <a:spcBef>
+                <a:spcPts val="600"/>
+              </a:spcBef>
+              <a:defRPr sz="2800">
+                <a:latin typeface="Helvetica Neue Light"/>
+                <a:ea typeface="Helvetica Neue Light"/>
+                <a:cs typeface="Helvetica Neue Light"/>
+                <a:sym typeface="Helvetica Neue Light"/>
+              </a:defRPr>
+            </a:pPr>
+            <a:r>
+              <a:rPr lang="en-IE" dirty="0" smtClean="0"/>
+              <a:t>Inline-block</a:t>
+            </a:r>
+          </a:p>
+          <a:p>
+            <a:pPr>
+              <a:spcBef>
+                <a:spcPts val="600"/>
+              </a:spcBef>
+              <a:defRPr sz="2800">
+                <a:latin typeface="Helvetica Neue Light"/>
+                <a:ea typeface="Helvetica Neue Light"/>
+                <a:cs typeface="Helvetica Neue Light"/>
+                <a:sym typeface="Helvetica Neue Light"/>
+              </a:defRPr>
+            </a:pPr>
+            <a:r>
+              <a:rPr lang="en-IE" dirty="0" smtClean="0"/>
+              <a:t>Inline-block layout</a:t>
+            </a:r>
+          </a:p>
+          <a:p>
+            <a:pPr>
+              <a:spcBef>
+                <a:spcPts val="600"/>
+              </a:spcBef>
+              <a:defRPr sz="2800">
+                <a:latin typeface="Helvetica Neue Light"/>
+                <a:ea typeface="Helvetica Neue Light"/>
+                <a:cs typeface="Helvetica Neue Light"/>
+                <a:sym typeface="Helvetica Neue Light"/>
+              </a:defRPr>
+            </a:pPr>
+            <a:r>
+              <a:rPr lang="en-IE" dirty="0" smtClean="0"/>
+              <a:t>Column</a:t>
+            </a:r>
+          </a:p>
+          <a:p>
+            <a:pPr>
+              <a:spcBef>
+                <a:spcPts val="600"/>
+              </a:spcBef>
+              <a:defRPr sz="2800">
+                <a:latin typeface="Helvetica Neue Light"/>
+                <a:ea typeface="Helvetica Neue Light"/>
+                <a:cs typeface="Helvetica Neue Light"/>
+                <a:sym typeface="Helvetica Neue Light"/>
+              </a:defRPr>
+            </a:pPr>
+            <a:r>
+              <a:rPr lang="en-IE" dirty="0" smtClean="0"/>
+              <a:t>Flexbox</a:t>
+            </a:r>
+          </a:p>
+          <a:p>
+            <a:pPr>
+              <a:spcBef>
+                <a:spcPts val="600"/>
+              </a:spcBef>
+              <a:defRPr sz="2800">
+                <a:latin typeface="Helvetica Neue Light"/>
+                <a:ea typeface="Helvetica Neue Light"/>
+                <a:cs typeface="Helvetica Neue Light"/>
+                <a:sym typeface="Helvetica Neue Light"/>
+              </a:defRPr>
+            </a:pPr>
+            <a:endParaRPr dirty="0"/>
+          </a:p>
+        </p:txBody>
+      </p:sp>
     </p:spTree>
-    <p:extLst>
-      <p:ext uri="{BB962C8B-B14F-4D97-AF65-F5344CB8AC3E}">
-        <p14:creationId xmlns:p14="http://schemas.microsoft.com/office/powerpoint/2010/main" val="2450961634"/>
-      </p:ext>
-    </p:extLst>
   </p:cSld>
   <p:clrMapOvr>
     <a:masterClrMapping/>
@@ -9261,6 +10004,276 @@
 </file>
 
 <file path=ppt/slides/slide4.xml><?xml version="1.0" encoding="utf-8"?>
+<p:sld xmlns:a="http://schemas.openxmlformats.org/drawingml/2006/main" xmlns:r="http://schemas.openxmlformats.org/officeDocument/2006/relationships" xmlns:p="http://schemas.openxmlformats.org/presentationml/2006/main">
+  <p:cSld>
+    <p:spTree>
+      <p:nvGrpSpPr>
+        <p:cNvPr id="1" name=""/>
+        <p:cNvGrpSpPr/>
+        <p:nvPr/>
+      </p:nvGrpSpPr>
+      <p:grpSpPr>
+        <a:xfrm>
+          <a:off x="0" y="0"/>
+          <a:ext cx="0" cy="0"/>
+          <a:chOff x="0" y="0"/>
+          <a:chExt cx="0" cy="0"/>
+        </a:xfrm>
+      </p:grpSpPr>
+      <p:sp>
+        <p:nvSpPr>
+          <p:cNvPr id="221" name="Shape 221"/>
+          <p:cNvSpPr>
+            <a:spLocks noGrp="1"/>
+          </p:cNvSpPr>
+          <p:nvPr>
+            <p:ph type="title"/>
+          </p:nvPr>
+        </p:nvSpPr>
+        <p:spPr>
+          <a:prstGeom prst="rect">
+            <a:avLst/>
+          </a:prstGeom>
+        </p:spPr>
+        <p:txBody>
+          <a:bodyPr>
+            <a:normAutofit/>
+          </a:bodyPr>
+          <a:lstStyle/>
+          <a:p>
+            <a:pPr>
+              <a:defRPr/>
+            </a:pPr>
+            <a:r>
+              <a:rPr lang="en-IE" dirty="0" err="1">
+                <a:solidFill>
+                  <a:schemeClr val="tx2">
+                    <a:satMod val="130000"/>
+                  </a:schemeClr>
+                </a:solidFill>
+              </a:rPr>
+              <a:t>Clearfix</a:t>
+            </a:r>
+            <a:r>
+              <a:rPr lang="en-IE" dirty="0">
+                <a:solidFill>
+                  <a:schemeClr val="tx2">
+                    <a:satMod val="130000"/>
+                  </a:schemeClr>
+                </a:solidFill>
+              </a:rPr>
+              <a:t> hack</a:t>
+            </a:r>
+            <a:endParaRPr dirty="0">
+              <a:solidFill>
+                <a:schemeClr val="tx2">
+                  <a:satMod val="130000"/>
+                </a:schemeClr>
+              </a:solidFill>
+            </a:endParaRPr>
+          </a:p>
+        </p:txBody>
+      </p:sp>
+      <p:sp>
+        <p:nvSpPr>
+          <p:cNvPr id="222" name="Shape 222"/>
+          <p:cNvSpPr>
+            <a:spLocks noGrp="1"/>
+          </p:cNvSpPr>
+          <p:nvPr>
+            <p:ph type="body" sz="quarter" idx="1"/>
+          </p:nvPr>
+        </p:nvSpPr>
+        <p:spPr>
+          <a:xfrm>
+            <a:off x="571500" y="2324100"/>
+            <a:ext cx="11861800" cy="2048644"/>
+          </a:xfrm>
+          <a:prstGeom prst="rect">
+            <a:avLst/>
+          </a:prstGeom>
+        </p:spPr>
+        <p:txBody>
+          <a:bodyPr/>
+          <a:lstStyle/>
+          <a:p>
+            <a:endParaRPr dirty="0"/>
+          </a:p>
+        </p:txBody>
+      </p:sp>
+      <p:sp>
+        <p:nvSpPr>
+          <p:cNvPr id="224" name="Shape 224"/>
+          <p:cNvSpPr/>
+          <p:nvPr/>
+        </p:nvSpPr>
+        <p:spPr>
+          <a:xfrm>
+            <a:off x="6214367" y="6368058"/>
+            <a:ext cx="6218933" cy="3118803"/>
+          </a:xfrm>
+          <a:prstGeom prst="rect">
+            <a:avLst/>
+          </a:prstGeom>
+          <a:ln w="12700">
+            <a:miter lim="400000"/>
+          </a:ln>
+          <a:extLst>
+            <a:ext uri="{C572A759-6A51-4108-AA02-DFA0A04FC94B}">
+              <ma14:wrappingTextBoxFlag xmlns:ma14="http://schemas.microsoft.com/office/mac/drawingml/2011/main" xmlns="" val="1"/>
+            </a:ext>
+          </a:extLst>
+        </p:spPr>
+        <p:txBody>
+          <a:bodyPr lIns="50800" tIns="50800" rIns="50800" bIns="50800" anchor="ctr">
+            <a:spAutoFit/>
+          </a:bodyPr>
+          <a:lstStyle>
+            <a:lvl1pPr>
+              <a:defRPr sz="2800"/>
+            </a:lvl1pPr>
+          </a:lstStyle>
+          <a:p>
+            <a:r>
+              <a:rPr lang="en-IE" dirty="0" smtClean="0"/>
+              <a:t>Bad things can sometimes happen when using floats:</a:t>
+            </a:r>
+          </a:p>
+          <a:p>
+            <a:r>
+              <a:rPr lang="en-IE" dirty="0" smtClean="0"/>
+              <a:t>In this case an image overflows the container, we used float right for the image within the &lt;p&gt;, however because it is taller than the text it overflows.</a:t>
+            </a:r>
+            <a:endParaRPr dirty="0"/>
+          </a:p>
+        </p:txBody>
+      </p:sp>
+      <p:pic>
+        <p:nvPicPr>
+          <p:cNvPr id="2" name="Picture 1"/>
+          <p:cNvPicPr>
+            <a:picLocks noChangeAspect="1"/>
+          </p:cNvPicPr>
+          <p:nvPr/>
+        </p:nvPicPr>
+        <p:blipFill>
+          <a:blip r:embed="rId2"/>
+          <a:stretch>
+            <a:fillRect/>
+          </a:stretch>
+        </p:blipFill>
+        <p:spPr>
+          <a:xfrm>
+            <a:off x="571500" y="2832280"/>
+            <a:ext cx="10115550" cy="3495675"/>
+          </a:xfrm>
+          <a:prstGeom prst="rect">
+            <a:avLst/>
+          </a:prstGeom>
+          <a:ln>
+            <a:noFill/>
+          </a:ln>
+          <a:effectLst>
+            <a:outerShdw blurRad="292100" dist="139700" dir="2700000" algn="tl" rotWithShape="0">
+              <a:srgbClr val="333333">
+                <a:alpha val="65000"/>
+              </a:srgbClr>
+            </a:outerShdw>
+          </a:effectLst>
+        </p:spPr>
+      </p:pic>
+      <p:pic>
+        <p:nvPicPr>
+          <p:cNvPr id="3" name="Picture 2"/>
+          <p:cNvPicPr>
+            <a:picLocks noChangeAspect="1"/>
+          </p:cNvPicPr>
+          <p:nvPr/>
+        </p:nvPicPr>
+        <p:blipFill>
+          <a:blip r:embed="rId3"/>
+          <a:stretch>
+            <a:fillRect/>
+          </a:stretch>
+        </p:blipFill>
+        <p:spPr>
+          <a:xfrm>
+            <a:off x="628650" y="6687920"/>
+            <a:ext cx="3525339" cy="1224369"/>
+          </a:xfrm>
+          <a:prstGeom prst="rect">
+            <a:avLst/>
+          </a:prstGeom>
+        </p:spPr>
+      </p:pic>
+      <p:pic>
+        <p:nvPicPr>
+          <p:cNvPr id="4" name="Picture 3"/>
+          <p:cNvPicPr>
+            <a:picLocks noChangeAspect="1"/>
+          </p:cNvPicPr>
+          <p:nvPr/>
+        </p:nvPicPr>
+        <p:blipFill>
+          <a:blip r:embed="rId4"/>
+          <a:stretch>
+            <a:fillRect/>
+          </a:stretch>
+        </p:blipFill>
+        <p:spPr>
+          <a:xfrm>
+            <a:off x="628650" y="7936016"/>
+            <a:ext cx="3525339" cy="1357584"/>
+          </a:xfrm>
+          <a:prstGeom prst="rect">
+            <a:avLst/>
+          </a:prstGeom>
+        </p:spPr>
+      </p:pic>
+      <p:pic>
+        <p:nvPicPr>
+          <p:cNvPr id="5" name="Picture 4"/>
+          <p:cNvPicPr>
+            <a:picLocks noChangeAspect="1"/>
+          </p:cNvPicPr>
+          <p:nvPr/>
+        </p:nvPicPr>
+        <p:blipFill>
+          <a:blip r:embed="rId5"/>
+          <a:stretch>
+            <a:fillRect/>
+          </a:stretch>
+        </p:blipFill>
+        <p:spPr>
+          <a:xfrm>
+            <a:off x="4353551" y="313048"/>
+            <a:ext cx="8210449" cy="2519231"/>
+          </a:xfrm>
+          <a:prstGeom prst="rect">
+            <a:avLst/>
+          </a:prstGeom>
+          <a:ln>
+            <a:noFill/>
+          </a:ln>
+          <a:effectLst>
+            <a:outerShdw blurRad="292100" dist="139700" dir="2700000" algn="tl" rotWithShape="0">
+              <a:srgbClr val="333333">
+                <a:alpha val="65000"/>
+              </a:srgbClr>
+            </a:outerShdw>
+          </a:effectLst>
+        </p:spPr>
+      </p:pic>
+    </p:spTree>
+  </p:cSld>
+  <p:clrMapOvr>
+    <a:masterClrMapping/>
+  </p:clrMapOvr>
+  <p:transition spd="slow"/>
+</p:sld>
+</file>
+
+<file path=ppt/slides/slide5.xml><?xml version="1.0" encoding="utf-8"?>
 <p:sld xmlns:a="http://schemas.openxmlformats.org/drawingml/2006/main" xmlns:r="http://schemas.openxmlformats.org/officeDocument/2006/relationships" xmlns:p="http://schemas.openxmlformats.org/presentationml/2006/main">
   <p:cSld>
     <p:spTree>
@@ -9294,99 +10307,213 @@
           </a:bodyPr>
           <a:lstStyle/>
           <a:p>
-            <a:r>
-              <a:rPr lang="en-GB" sz="5700" dirty="0">
+            <a:pPr>
+              <a:defRPr/>
+            </a:pPr>
+            <a:r>
+              <a:rPr lang="en-IE" dirty="0">
                 <a:solidFill>
                   <a:schemeClr val="tx2">
                     <a:satMod val="130000"/>
                   </a:schemeClr>
                 </a:solidFill>
               </a:rPr>
-              <a:t>Approaches to mobile web</a:t>
+              <a:t>Float </a:t>
+            </a:r>
+            <a:r>
+              <a:rPr lang="en-IE" dirty="0" smtClean="0">
+                <a:solidFill>
+                  <a:schemeClr val="tx2">
+                    <a:satMod val="130000"/>
+                  </a:schemeClr>
+                </a:solidFill>
+              </a:rPr>
+              <a:t>layout</a:t>
+            </a:r>
+            <a:br>
+              <a:rPr lang="en-IE" dirty="0" smtClean="0">
+                <a:solidFill>
+                  <a:schemeClr val="tx2">
+                    <a:satMod val="130000"/>
+                  </a:schemeClr>
+                </a:solidFill>
+              </a:rPr>
+            </a:br>
+            <a:r>
+              <a:rPr lang="en-IE" dirty="0" smtClean="0">
+                <a:solidFill>
+                  <a:schemeClr val="tx2">
+                    <a:satMod val="130000"/>
+                  </a:schemeClr>
+                </a:solidFill>
+              </a:rPr>
+              <a:t> </a:t>
+            </a:r>
+            <a:r>
+              <a:rPr lang="en-IE" dirty="0">
+                <a:solidFill>
+                  <a:schemeClr val="tx2">
+                    <a:satMod val="130000"/>
+                  </a:schemeClr>
+                </a:solidFill>
+              </a:rPr>
+              <a:t>example</a:t>
             </a:r>
           </a:p>
         </p:txBody>
       </p:sp>
+      <p:pic>
+        <p:nvPicPr>
+          <p:cNvPr id="4" name="Picture 3"/>
+          <p:cNvPicPr>
+            <a:picLocks noChangeAspect="1"/>
+          </p:cNvPicPr>
+          <p:nvPr/>
+        </p:nvPicPr>
+        <p:blipFill>
+          <a:blip r:embed="rId2"/>
+          <a:stretch>
+            <a:fillRect/>
+          </a:stretch>
+        </p:blipFill>
+        <p:spPr>
+          <a:xfrm>
+            <a:off x="571500" y="5852161"/>
+            <a:ext cx="11116808" cy="3237600"/>
+          </a:xfrm>
+          <a:prstGeom prst="rect">
+            <a:avLst/>
+          </a:prstGeom>
+          <a:ln>
+            <a:noFill/>
+          </a:ln>
+          <a:effectLst>
+            <a:outerShdw blurRad="292100" dist="139700" dir="2700000" algn="tl" rotWithShape="0">
+              <a:srgbClr val="333333">
+                <a:alpha val="65000"/>
+              </a:srgbClr>
+            </a:outerShdw>
+          </a:effectLst>
+        </p:spPr>
+      </p:pic>
+      <p:pic>
+        <p:nvPicPr>
+          <p:cNvPr id="5" name="Picture 4"/>
+          <p:cNvPicPr>
+            <a:picLocks noChangeAspect="1"/>
+          </p:cNvPicPr>
+          <p:nvPr/>
+        </p:nvPicPr>
+        <p:blipFill>
+          <a:blip r:embed="rId3"/>
+          <a:stretch>
+            <a:fillRect/>
+          </a:stretch>
+        </p:blipFill>
+        <p:spPr>
+          <a:xfrm>
+            <a:off x="4094405" y="275701"/>
+            <a:ext cx="8453999" cy="4636394"/>
+          </a:xfrm>
+          <a:prstGeom prst="rect">
+            <a:avLst/>
+          </a:prstGeom>
+          <a:ln>
+            <a:noFill/>
+          </a:ln>
+          <a:effectLst>
+            <a:outerShdw blurRad="292100" dist="139700" dir="2700000" algn="tl" rotWithShape="0">
+              <a:srgbClr val="333333">
+                <a:alpha val="65000"/>
+              </a:srgbClr>
+            </a:outerShdw>
+          </a:effectLst>
+        </p:spPr>
+      </p:pic>
+      <p:pic>
+        <p:nvPicPr>
+          <p:cNvPr id="6" name="Picture 5"/>
+          <p:cNvPicPr>
+            <a:picLocks noChangeAspect="1"/>
+          </p:cNvPicPr>
+          <p:nvPr/>
+        </p:nvPicPr>
+        <p:blipFill>
+          <a:blip r:embed="rId4"/>
+          <a:stretch>
+            <a:fillRect/>
+          </a:stretch>
+        </p:blipFill>
+        <p:spPr>
+          <a:xfrm>
+            <a:off x="10068861" y="5317795"/>
+            <a:ext cx="2479543" cy="3126979"/>
+          </a:xfrm>
+          <a:prstGeom prst="rect">
+            <a:avLst/>
+          </a:prstGeom>
+          <a:ln>
+            <a:noFill/>
+          </a:ln>
+          <a:effectLst>
+            <a:outerShdw blurRad="292100" dist="139700" dir="2700000" algn="tl" rotWithShape="0">
+              <a:srgbClr val="333333">
+                <a:alpha val="65000"/>
+              </a:srgbClr>
+            </a:outerShdw>
+          </a:effectLst>
+        </p:spPr>
+      </p:pic>
       <p:sp>
         <p:nvSpPr>
-          <p:cNvPr id="3" name="Content Placeholder 2"/>
+          <p:cNvPr id="3" name="Text Placeholder 2"/>
           <p:cNvSpPr>
             <a:spLocks noGrp="1"/>
           </p:cNvSpPr>
           <p:nvPr>
-            <p:ph idx="1"/>
-          </p:nvPr>
-        </p:nvSpPr>
-        <p:spPr/>
-        <p:txBody>
-          <a:bodyPr/>
-          <a:lstStyle/>
-          <a:p>
-            <a:r>
-              <a:rPr lang="en-GB" dirty="0" smtClean="0"/>
-              <a:t>Make web sites that work well on a variety of screens (presentation)</a:t>
-            </a:r>
-          </a:p>
-          <a:p>
-            <a:r>
-              <a:rPr lang="en-GB" dirty="0" smtClean="0"/>
-              <a:t>Adjust your content for mobile users (content)</a:t>
-            </a:r>
-          </a:p>
-          <a:p>
-            <a:r>
-              <a:rPr lang="en-GB" dirty="0" smtClean="0"/>
-              <a:t>Give your users a smooth experience even on a slow connection (performance)</a:t>
-            </a:r>
-          </a:p>
-          <a:p>
-            <a:endParaRPr lang="en-GB" dirty="0"/>
-          </a:p>
-        </p:txBody>
-      </p:sp>
-      <p:sp>
-        <p:nvSpPr>
-          <p:cNvPr id="4" name="Slide Number Placeholder 3"/>
-          <p:cNvSpPr>
-            <a:spLocks noGrp="1"/>
-          </p:cNvSpPr>
-          <p:nvPr>
-            <p:ph type="sldNum" sz="quarter" idx="12"/>
+            <p:ph type="body" idx="1"/>
           </p:nvPr>
         </p:nvSpPr>
         <p:spPr>
           <a:xfrm>
-            <a:off x="12480829" y="9194800"/>
-            <a:ext cx="99386" cy="215444"/>
+            <a:off x="571500" y="2324100"/>
+            <a:ext cx="3216729" cy="6565900"/>
           </a:xfrm>
         </p:spPr>
         <p:txBody>
           <a:bodyPr/>
           <a:lstStyle/>
           <a:p>
-            <a:fld id="{D8398C30-C104-41D7-9C80-07F0F518FD17}" type="slidenum">
-              <a:rPr lang="en-US" smtClean="0"/>
-              <a:pPr/>
-              <a:t>4</a:t>
-            </a:fld>
-            <a:endParaRPr lang="en-US"/>
+            <a:r>
+              <a:rPr lang="en-IE" dirty="0" smtClean="0"/>
+              <a:t>It is common to do entire layouts using float. Here is the same layout we did with position last week, but using float instead.</a:t>
+            </a:r>
+            <a:endParaRPr lang="en-IE" dirty="0"/>
           </a:p>
         </p:txBody>
       </p:sp>
     </p:spTree>
     <p:extLst>
       <p:ext uri="{BB962C8B-B14F-4D97-AF65-F5344CB8AC3E}">
-        <p14:creationId xmlns:p14="http://schemas.microsoft.com/office/powerpoint/2010/main" val="3931815775"/>
+        <p14:creationId xmlns:p14="http://schemas.microsoft.com/office/powerpoint/2010/main" val="1537592308"/>
       </p:ext>
     </p:extLst>
   </p:cSld>
   <p:clrMapOvr>
     <a:masterClrMapping/>
   </p:clrMapOvr>
+  <p:transition spd="med"/>
+  <p:timing>
+    <p:tnLst>
+      <p:par>
+        <p:cTn id="1" dur="indefinite" restart="never" nodeType="tmRoot"/>
+      </p:par>
+    </p:tnLst>
+  </p:timing>
 </p:sld>
 </file>
 
-<file path=ppt/slides/slide5.xml><?xml version="1.0" encoding="utf-8"?>
+<file path=ppt/slides/slide6.xml><?xml version="1.0" encoding="utf-8"?>
 <p:sld xmlns:a="http://schemas.openxmlformats.org/drawingml/2006/main" xmlns:r="http://schemas.openxmlformats.org/officeDocument/2006/relationships" xmlns:p="http://schemas.openxmlformats.org/presentationml/2006/main">
   <p:cSld>
     <p:spTree>
@@ -9415,8 +10542,8 @@
         </p:nvSpPr>
         <p:spPr>
           <a:xfrm>
-            <a:off x="1756551" y="0"/>
-            <a:ext cx="11054080" cy="1192107"/>
+            <a:off x="571500" y="68046"/>
+            <a:ext cx="11861800" cy="1397000"/>
           </a:xfrm>
         </p:spPr>
         <p:txBody>
@@ -9425,217 +10552,66 @@
           </a:bodyPr>
           <a:lstStyle/>
           <a:p>
-            <a:pPr algn="r">
+            <a:pPr>
               <a:defRPr/>
             </a:pPr>
             <a:r>
-              <a:rPr lang="en-US" dirty="0" smtClean="0">
+              <a:rPr lang="en-GB" dirty="0">
                 <a:solidFill>
                   <a:schemeClr val="tx2">
                     <a:satMod val="130000"/>
                   </a:schemeClr>
                 </a:solidFill>
               </a:rPr>
-              <a:t>Design Techniques for Mobile Web</a:t>
-            </a:r>
-            <a:endParaRPr lang="en-US" dirty="0">
-              <a:solidFill>
-                <a:schemeClr val="tx2">
-                  <a:satMod val="130000"/>
-                </a:schemeClr>
-              </a:solidFill>
-            </a:endParaRPr>
+              <a:t>percent width</a:t>
+            </a:r>
           </a:p>
         </p:txBody>
       </p:sp>
       <p:sp>
         <p:nvSpPr>
-          <p:cNvPr id="3" name="Content Placeholder 2"/>
+          <p:cNvPr id="3" name="Text Placeholder 2"/>
           <p:cNvSpPr>
             <a:spLocks noGrp="1"/>
           </p:cNvSpPr>
           <p:nvPr>
-            <p:ph idx="1"/>
+            <p:ph type="body" idx="1"/>
           </p:nvPr>
         </p:nvSpPr>
         <p:spPr>
           <a:xfrm>
-            <a:off x="866987" y="1408853"/>
-            <a:ext cx="11054080" cy="6502400"/>
+            <a:off x="571500" y="2324100"/>
+            <a:ext cx="1827010" cy="6565900"/>
           </a:xfrm>
         </p:spPr>
         <p:txBody>
-          <a:bodyPr>
-            <a:normAutofit fontScale="25000" lnSpcReduction="20000"/>
-          </a:bodyPr>
+          <a:bodyPr/>
           <a:lstStyle/>
           <a:p>
-            <a:pPr marL="520184" indent="-403143">
-              <a:buFont typeface="Wingdings 2"/>
-              <a:buChar char=""/>
-              <a:defRPr/>
-            </a:pPr>
-            <a:r>
-              <a:rPr lang="en-US" sz="3700" dirty="0"/>
-              <a:t>Single column design</a:t>
-            </a:r>
-          </a:p>
-          <a:p>
-            <a:pPr marL="520184" indent="-403143">
-              <a:buFont typeface="Wingdings 2"/>
-              <a:buChar char=""/>
-              <a:defRPr/>
-            </a:pPr>
-            <a:r>
-              <a:rPr lang="en-US" sz="3700" dirty="0"/>
-              <a:t>Avoid floats, tables, frames</a:t>
-            </a:r>
-          </a:p>
-          <a:p>
-            <a:pPr marL="520184" indent="-403143">
-              <a:buFont typeface="Wingdings 2"/>
-              <a:buChar char=""/>
-              <a:defRPr/>
-            </a:pPr>
-            <a:r>
-              <a:rPr lang="en-US" sz="3700" dirty="0"/>
-              <a:t>Descriptive page title</a:t>
-            </a:r>
-          </a:p>
-          <a:p>
-            <a:pPr marL="520184" indent="-403143">
-              <a:buFont typeface="Wingdings 2"/>
-              <a:buChar char=""/>
-              <a:defRPr/>
-            </a:pPr>
-            <a:r>
-              <a:rPr lang="en-US" sz="3700" dirty="0"/>
-              <a:t>Descriptive heading tags</a:t>
-            </a:r>
-          </a:p>
-          <a:p>
-            <a:pPr marL="520184" indent="-403143">
-              <a:buFont typeface="Wingdings 2"/>
-              <a:buChar char=""/>
-              <a:defRPr/>
-            </a:pPr>
-            <a:r>
-              <a:rPr lang="en-US" sz="3700" dirty="0"/>
-              <a:t>Optimize images</a:t>
-            </a:r>
-          </a:p>
-          <a:p>
-            <a:pPr marL="520184" indent="-403143">
-              <a:buFont typeface="Wingdings 2"/>
-              <a:buChar char=""/>
-              <a:defRPr/>
-            </a:pPr>
-            <a:r>
-              <a:rPr lang="en-US" sz="3700" dirty="0"/>
-              <a:t>Descriptive alt text for images</a:t>
-            </a:r>
-          </a:p>
-          <a:p>
-            <a:pPr marL="520184" indent="-403143">
-              <a:buFont typeface="Wingdings 2"/>
-              <a:buChar char=""/>
-              <a:defRPr/>
-            </a:pPr>
-            <a:r>
-              <a:rPr lang="en-US" sz="3700" dirty="0"/>
-              <a:t>Eliminate unneeded images</a:t>
-            </a:r>
-          </a:p>
-          <a:p>
-            <a:pPr marL="520184" indent="-403143">
-              <a:buFont typeface="Wingdings 2"/>
-              <a:buChar char=""/>
-              <a:defRPr/>
-            </a:pPr>
-            <a:r>
-              <a:rPr lang="en-US" sz="3700" dirty="0"/>
-              <a:t>Navigation in lists</a:t>
-            </a:r>
-          </a:p>
-          <a:p>
-            <a:pPr marL="520184" indent="-403143">
-              <a:buFont typeface="Wingdings 2"/>
-              <a:buChar char=""/>
-              <a:defRPr/>
-            </a:pPr>
-            <a:r>
-              <a:rPr lang="en-US" sz="3700" dirty="0" err="1"/>
-              <a:t>Em</a:t>
-            </a:r>
-            <a:r>
-              <a:rPr lang="en-US" sz="3700" dirty="0"/>
-              <a:t> or percentage font size units</a:t>
-            </a:r>
-          </a:p>
-          <a:p>
-            <a:pPr marL="520184" indent="-403143">
-              <a:buFont typeface="Wingdings 2"/>
-              <a:buChar char=""/>
-              <a:defRPr/>
-            </a:pPr>
-            <a:r>
-              <a:rPr lang="en-US" sz="3700" dirty="0"/>
-              <a:t>Common font typefaces</a:t>
-            </a:r>
-          </a:p>
-          <a:p>
-            <a:pPr marL="520184" indent="-403143">
-              <a:buFont typeface="Wingdings 2"/>
-              <a:buChar char=""/>
-              <a:defRPr/>
-            </a:pPr>
-            <a:r>
-              <a:rPr lang="en-US" sz="3700" dirty="0"/>
-              <a:t>Good contrast between text and background colors </a:t>
-            </a:r>
-          </a:p>
-          <a:p>
-            <a:pPr marL="520184" indent="-403143">
-              <a:buFont typeface="Wingdings 2"/>
-              <a:buChar char=""/>
-              <a:defRPr/>
-            </a:pPr>
-            <a:r>
-              <a:rPr lang="en-US" sz="3700" dirty="0"/>
-              <a:t>Provide “Skip to Content” hyperlink</a:t>
-            </a:r>
-          </a:p>
-          <a:p>
-            <a:pPr marL="520184" indent="-403143">
-              <a:buFont typeface="Wingdings 2"/>
-              <a:buChar char=""/>
-              <a:defRPr/>
-            </a:pPr>
-            <a:r>
-              <a:rPr lang="en-US" sz="3700" dirty="0"/>
-              <a:t>Provide “Back to Top” hyperlink</a:t>
-            </a:r>
-          </a:p>
-          <a:p>
-            <a:pPr marL="520184" indent="-403143">
-              <a:buFont typeface="Wingdings 2"/>
-              <a:buChar char=""/>
-              <a:defRPr/>
-            </a:pPr>
-            <a:endParaRPr lang="en-US" dirty="0"/>
+            <a:r>
+              <a:rPr lang="en-GB" dirty="0" smtClean="0"/>
+              <a:t>Percent relative to the containing block.</a:t>
+            </a:r>
+            <a:endParaRPr lang="en-GB" dirty="0"/>
           </a:p>
         </p:txBody>
       </p:sp>
       <p:pic>
         <p:nvPicPr>
-          <p:cNvPr id="26629" name="Picture 5" descr="Figure7"/>
+          <p:cNvPr id="1028" name="Picture 4"/>
           <p:cNvPicPr>
             <a:picLocks noChangeAspect="1" noChangeArrowheads="1"/>
           </p:cNvPicPr>
           <p:nvPr/>
         </p:nvPicPr>
         <p:blipFill>
-          <a:blip r:embed="rId3"/>
+          <a:blip r:embed="rId2">
+            <a:extLst>
+              <a:ext uri="{28A0092B-C50C-407E-A947-70E740481C1C}">
+                <a14:useLocalDpi xmlns:a14="http://schemas.microsoft.com/office/drawing/2010/main" val="0"/>
+              </a:ext>
+            </a:extLst>
+          </a:blip>
           <a:srcRect/>
           <a:stretch>
             <a:fillRect/>
@@ -9643,35 +10619,34 @@
         </p:blipFill>
         <p:spPr bwMode="auto">
           <a:xfrm>
-            <a:off x="7283592" y="1733974"/>
-            <a:ext cx="2334542" cy="3937564"/>
+            <a:off x="2398509" y="1801813"/>
+            <a:ext cx="2303935" cy="2946183"/>
           </a:xfrm>
           <a:prstGeom prst="rect">
             <a:avLst/>
           </a:prstGeom>
-          <a:noFill/>
           <a:ln>
             <a:noFill/>
           </a:ln>
           <a:effectLst>
-            <a:outerShdw blurRad="50800" dist="38100" dir="2700000" algn="tl" rotWithShape="0">
-              <a:prstClr val="black">
-                <a:alpha val="40000"/>
-              </a:prstClr>
+            <a:outerShdw blurRad="292100" dist="139700" dir="2700000" algn="tl" rotWithShape="0">
+              <a:srgbClr val="333333">
+                <a:alpha val="65000"/>
+              </a:srgbClr>
             </a:outerShdw>
           </a:effectLst>
           <a:extLst>
             <a:ext uri="{909E8E84-426E-40DD-AFC4-6F175D3DCCD1}">
               <a14:hiddenFill xmlns:a14="http://schemas.microsoft.com/office/drawing/2010/main">
                 <a:solidFill>
-                  <a:srgbClr val="FFFFFF"/>
+                  <a:schemeClr val="accent1"/>
                 </a:solidFill>
               </a14:hiddenFill>
             </a:ext>
             <a:ext uri="{91240B29-F687-4F45-9708-019B960494DF}">
               <a14:hiddenLine xmlns:a14="http://schemas.microsoft.com/office/drawing/2010/main" w="9525">
                 <a:solidFill>
-                  <a:srgbClr val="000000"/>
+                  <a:schemeClr val="tx1"/>
                 </a:solidFill>
                 <a:miter lim="800000"/>
                 <a:headEnd/>
@@ -9683,14 +10658,20 @@
       </p:pic>
       <p:pic>
         <p:nvPicPr>
-          <p:cNvPr id="26630" name="Picture 6" descr="Figure7"/>
+          <p:cNvPr id="1029" name="Picture 5"/>
           <p:cNvPicPr>
             <a:picLocks noChangeAspect="1" noChangeArrowheads="1"/>
           </p:cNvPicPr>
           <p:nvPr/>
         </p:nvPicPr>
         <p:blipFill>
-          <a:blip r:embed="rId4"/>
+          <a:blip r:embed="rId3">
+            <a:extLst>
+              <a:ext uri="{28A0092B-C50C-407E-A947-70E740481C1C}">
+                <a14:useLocalDpi xmlns:a14="http://schemas.microsoft.com/office/drawing/2010/main" val="0"/>
+              </a:ext>
+            </a:extLst>
+          </a:blip>
           <a:srcRect/>
           <a:stretch>
             <a:fillRect/>
@@ -9698,35 +10679,34 @@
         </p:blipFill>
         <p:spPr bwMode="auto">
           <a:xfrm>
-            <a:off x="10078721" y="1589476"/>
-            <a:ext cx="2454205" cy="4082062"/>
+            <a:off x="742568" y="5607050"/>
+            <a:ext cx="12262232" cy="3805237"/>
           </a:xfrm>
           <a:prstGeom prst="rect">
             <a:avLst/>
           </a:prstGeom>
-          <a:noFill/>
           <a:ln>
             <a:noFill/>
           </a:ln>
           <a:effectLst>
-            <a:outerShdw blurRad="50800" dist="38100" dir="2700000" algn="tl" rotWithShape="0">
-              <a:prstClr val="black">
-                <a:alpha val="40000"/>
-              </a:prstClr>
+            <a:outerShdw blurRad="292100" dist="139700" dir="2700000" algn="tl" rotWithShape="0">
+              <a:srgbClr val="333333">
+                <a:alpha val="65000"/>
+              </a:srgbClr>
             </a:outerShdw>
           </a:effectLst>
           <a:extLst>
             <a:ext uri="{909E8E84-426E-40DD-AFC4-6F175D3DCCD1}">
               <a14:hiddenFill xmlns:a14="http://schemas.microsoft.com/office/drawing/2010/main">
                 <a:solidFill>
-                  <a:srgbClr val="FFFFFF"/>
+                  <a:schemeClr val="accent1"/>
                 </a:solidFill>
               </a14:hiddenFill>
             </a:ext>
             <a:ext uri="{91240B29-F687-4F45-9708-019B960494DF}">
               <a14:hiddenLine xmlns:a14="http://schemas.microsoft.com/office/drawing/2010/main" w="9525">
                 <a:solidFill>
-                  <a:srgbClr val="000000"/>
+                  <a:schemeClr val="tx1"/>
                 </a:solidFill>
                 <a:miter lim="800000"/>
                 <a:headEnd/>
@@ -9736,21 +10716,88 @@
           </a:extLst>
         </p:spPr>
       </p:pic>
+      <p:pic>
+        <p:nvPicPr>
+          <p:cNvPr id="1027" name="Picture 3"/>
+          <p:cNvPicPr>
+            <a:picLocks noChangeAspect="1" noChangeArrowheads="1"/>
+          </p:cNvPicPr>
+          <p:nvPr/>
+        </p:nvPicPr>
+        <p:blipFill>
+          <a:blip r:embed="rId4">
+            <a:extLst>
+              <a:ext uri="{28A0092B-C50C-407E-A947-70E740481C1C}">
+                <a14:useLocalDpi xmlns:a14="http://schemas.microsoft.com/office/drawing/2010/main" val="0"/>
+              </a:ext>
+            </a:extLst>
+          </a:blip>
+          <a:srcRect/>
+          <a:stretch>
+            <a:fillRect/>
+          </a:stretch>
+        </p:blipFill>
+        <p:spPr bwMode="auto">
+          <a:xfrm>
+            <a:off x="5022850" y="346593"/>
+            <a:ext cx="7981950" cy="5962650"/>
+          </a:xfrm>
+          <a:prstGeom prst="rect">
+            <a:avLst/>
+          </a:prstGeom>
+          <a:ln>
+            <a:noFill/>
+          </a:ln>
+          <a:effectLst>
+            <a:outerShdw blurRad="292100" dist="139700" dir="2700000" algn="tl" rotWithShape="0">
+              <a:srgbClr val="333333">
+                <a:alpha val="65000"/>
+              </a:srgbClr>
+            </a:outerShdw>
+          </a:effectLst>
+          <a:extLst>
+            <a:ext uri="{909E8E84-426E-40DD-AFC4-6F175D3DCCD1}">
+              <a14:hiddenFill xmlns:a14="http://schemas.microsoft.com/office/drawing/2010/main">
+                <a:solidFill>
+                  <a:schemeClr val="accent1"/>
+                </a:solidFill>
+              </a14:hiddenFill>
+            </a:ext>
+            <a:ext uri="{91240B29-F687-4F45-9708-019B960494DF}">
+              <a14:hiddenLine xmlns:a14="http://schemas.microsoft.com/office/drawing/2010/main" w="9525">
+                <a:solidFill>
+                  <a:schemeClr val="tx1"/>
+                </a:solidFill>
+                <a:miter lim="800000"/>
+                <a:headEnd/>
+                <a:tailEnd/>
+              </a14:hiddenLine>
+            </a:ext>
+          </a:extLst>
+        </p:spPr>
+      </p:pic>
     </p:spTree>
     <p:extLst>
       <p:ext uri="{BB962C8B-B14F-4D97-AF65-F5344CB8AC3E}">
-        <p14:creationId xmlns:p14="http://schemas.microsoft.com/office/powerpoint/2010/main" val="3245224623"/>
+        <p14:creationId xmlns:p14="http://schemas.microsoft.com/office/powerpoint/2010/main" val="3404649084"/>
       </p:ext>
     </p:extLst>
   </p:cSld>
   <p:clrMapOvr>
     <a:masterClrMapping/>
   </p:clrMapOvr>
-  <p:transition spd="slow"/>
+  <p:transition spd="med"/>
+  <p:timing>
+    <p:tnLst>
+      <p:par>
+        <p:cTn id="1" dur="indefinite" restart="never" nodeType="tmRoot"/>
+      </p:par>
+    </p:tnLst>
+  </p:timing>
 </p:sld>
 </file>
 
-<file path=ppt/slides/slide6.xml><?xml version="1.0" encoding="utf-8"?>
+<file path=ppt/slides/slide7.xml><?xml version="1.0" encoding="utf-8"?>
 <p:sld xmlns:a="http://schemas.openxmlformats.org/drawingml/2006/main" xmlns:r="http://schemas.openxmlformats.org/officeDocument/2006/relationships" xmlns:p="http://schemas.openxmlformats.org/presentationml/2006/main">
   <p:cSld>
     <p:spTree>
@@ -9784,6 +10831,9 @@
           </a:bodyPr>
           <a:lstStyle/>
           <a:p>
+            <a:pPr>
+              <a:defRPr/>
+            </a:pPr>
             <a:r>
               <a:rPr lang="en-US" dirty="0" smtClean="0">
                 <a:solidFill>
@@ -9792,144 +10842,21 @@
                   </a:schemeClr>
                 </a:solidFill>
               </a:rPr>
-              <a:t>Design Techniques for Mobile Web</a:t>
-            </a:r>
-            <a:endParaRPr lang="ga-IE" dirty="0"/>
+              <a:t>Mobile Web Design Best Practices</a:t>
+            </a:r>
+            <a:endParaRPr lang="en-US" dirty="0">
+              <a:solidFill>
+                <a:schemeClr val="tx2">
+                  <a:satMod val="130000"/>
+                </a:schemeClr>
+              </a:solidFill>
+            </a:endParaRPr>
           </a:p>
         </p:txBody>
       </p:sp>
       <p:sp>
         <p:nvSpPr>
-          <p:cNvPr id="3" name="Content Placeholder 2"/>
-          <p:cNvSpPr>
-            <a:spLocks noGrp="1"/>
-          </p:cNvSpPr>
-          <p:nvPr>
-            <p:ph idx="1"/>
-          </p:nvPr>
-        </p:nvSpPr>
-        <p:spPr/>
-        <p:txBody>
-          <a:bodyPr/>
-          <a:lstStyle/>
-          <a:p>
-            <a:r>
-              <a:rPr lang="ga-IE" dirty="0"/>
-              <a:t>Set most padding and margin to 0.</a:t>
-            </a:r>
-          </a:p>
-          <a:p>
-            <a:r>
-              <a:rPr lang="ga-IE" dirty="0"/>
-              <a:t>Background images may have to be adjusted so they have no-repeat and are positioned in the right top of the screen.</a:t>
-            </a:r>
-          </a:p>
-          <a:p>
-            <a:r>
-              <a:rPr lang="ga-IE" dirty="0"/>
-              <a:t>Logos may also need modifying.</a:t>
-            </a:r>
-          </a:p>
-          <a:p>
-            <a:endParaRPr lang="ga-IE" dirty="0"/>
-          </a:p>
-        </p:txBody>
-      </p:sp>
-      <p:sp>
-        <p:nvSpPr>
-          <p:cNvPr id="4" name="Slide Number Placeholder 3"/>
-          <p:cNvSpPr>
-            <a:spLocks noGrp="1"/>
-          </p:cNvSpPr>
-          <p:nvPr>
-            <p:ph type="sldNum" sz="quarter" idx="12"/>
-          </p:nvPr>
-        </p:nvSpPr>
-        <p:spPr>
-          <a:xfrm>
-            <a:off x="12480829" y="9194800"/>
-            <a:ext cx="99386" cy="215444"/>
-          </a:xfrm>
-        </p:spPr>
-        <p:txBody>
-          <a:bodyPr/>
-          <a:lstStyle/>
-          <a:p>
-            <a:fld id="{D8398C30-C104-41D7-9C80-07F0F518FD17}" type="slidenum">
-              <a:rPr lang="en-US" smtClean="0"/>
-              <a:pPr/>
-              <a:t>6</a:t>
-            </a:fld>
-            <a:endParaRPr lang="en-US"/>
-          </a:p>
-        </p:txBody>
-      </p:sp>
-    </p:spTree>
-    <p:extLst>
-      <p:ext uri="{BB962C8B-B14F-4D97-AF65-F5344CB8AC3E}">
-        <p14:creationId xmlns:p14="http://schemas.microsoft.com/office/powerpoint/2010/main" val="3671606818"/>
-      </p:ext>
-    </p:extLst>
-  </p:cSld>
-  <p:clrMapOvr>
-    <a:masterClrMapping/>
-  </p:clrMapOvr>
-</p:sld>
-</file>
-
-<file path=ppt/slides/slide7.xml><?xml version="1.0" encoding="utf-8"?>
-<p:sld xmlns:a="http://schemas.openxmlformats.org/drawingml/2006/main" xmlns:r="http://schemas.openxmlformats.org/officeDocument/2006/relationships" xmlns:p="http://schemas.openxmlformats.org/presentationml/2006/main">
-  <p:cSld>
-    <p:spTree>
-      <p:nvGrpSpPr>
-        <p:cNvPr id="1" name=""/>
-        <p:cNvGrpSpPr/>
-        <p:nvPr/>
-      </p:nvGrpSpPr>
-      <p:grpSpPr>
-        <a:xfrm>
-          <a:off x="0" y="0"/>
-          <a:ext cx="0" cy="0"/>
-          <a:chOff x="0" y="0"/>
-          <a:chExt cx="0" cy="0"/>
-        </a:xfrm>
-      </p:grpSpPr>
-      <p:sp>
-        <p:nvSpPr>
-          <p:cNvPr id="2" name="Title 1"/>
-          <p:cNvSpPr>
-            <a:spLocks noGrp="1"/>
-          </p:cNvSpPr>
-          <p:nvPr>
-            <p:ph type="title"/>
-          </p:nvPr>
-        </p:nvSpPr>
-        <p:spPr>
-          <a:xfrm>
-            <a:off x="2002650" y="-33866"/>
-            <a:ext cx="11054080" cy="1009227"/>
-          </a:xfrm>
-        </p:spPr>
-        <p:txBody>
-          <a:bodyPr>
-            <a:normAutofit/>
-          </a:bodyPr>
-          <a:lstStyle/>
-          <a:p>
-            <a:pPr algn="r">
-              <a:defRPr/>
-            </a:pPr>
-            <a:r>
-              <a:rPr lang="en-US" dirty="0" smtClean="0"/>
-              <a:t>Viewport Meta Tag</a:t>
-            </a:r>
-            <a:endParaRPr lang="en-US" dirty="0"/>
-          </a:p>
-        </p:txBody>
-      </p:sp>
-      <p:sp>
-        <p:nvSpPr>
-          <p:cNvPr id="3" name="Content Placeholder 2"/>
+          <p:cNvPr id="26627" name="Content Placeholder 2"/>
           <p:cNvSpPr>
             <a:spLocks noGrp="1"/>
           </p:cNvSpPr>
@@ -9939,335 +10866,71 @@
         </p:nvSpPr>
         <p:spPr>
           <a:xfrm>
-            <a:off x="216747" y="1192107"/>
-            <a:ext cx="11595947" cy="5527040"/>
+            <a:off x="3467946" y="2059093"/>
+            <a:ext cx="9238827" cy="6827520"/>
           </a:xfrm>
         </p:spPr>
         <p:txBody>
           <a:bodyPr>
-            <a:normAutofit fontScale="92500" lnSpcReduction="20000"/>
+            <a:normAutofit/>
           </a:bodyPr>
           <a:lstStyle/>
           <a:p>
-            <a:pPr>
-              <a:defRPr/>
+            <a:pPr marL="519281" indent="-401878">
+              <a:buFont typeface="Wingdings 2" panose="05020102010507070707" pitchFamily="18" charset="2"/>
+              <a:buChar char=""/>
             </a:pPr>
             <a:r>
-              <a:rPr lang="en-US" dirty="0" smtClean="0"/>
-              <a:t>Default action for most mobile devices</a:t>
-            </a:r>
-            <a:br>
-              <a:rPr lang="en-US" dirty="0" smtClean="0"/>
-            </a:br>
-            <a:r>
-              <a:rPr lang="en-US" dirty="0" smtClean="0"/>
-              <a:t> is to zoom out and scale the web page</a:t>
-            </a:r>
-          </a:p>
-          <a:p>
-            <a:pPr>
-              <a:defRPr/>
+              <a:rPr lang="en-US" sz="4000" dirty="0" smtClean="0"/>
+              <a:t>Three </a:t>
+            </a:r>
+            <a:r>
+              <a:rPr lang="en-US" sz="4000" dirty="0"/>
+              <a:t>Approaches to Mobile Web:</a:t>
+            </a:r>
+          </a:p>
+          <a:p>
+            <a:pPr marL="909871" lvl="1" indent="-336404">
+              <a:buFont typeface="Verdana" panose="020B0604030504040204" pitchFamily="34" charset="0"/>
+              <a:buChar char="◦"/>
+            </a:pPr>
+            <a:r>
+              <a:rPr lang="en-US" sz="2800" dirty="0"/>
+              <a:t>Create a separate website hosted within your current domain targeted for mobile users e.g. m.itworld.com</a:t>
+            </a:r>
+          </a:p>
+          <a:p>
+            <a:pPr marL="909871" lvl="1" indent="-336404">
+              <a:buFont typeface="Verdana" panose="020B0604030504040204" pitchFamily="34" charset="0"/>
+              <a:buChar char="◦"/>
+            </a:pPr>
+            <a:r>
+              <a:rPr lang="en-US" sz="2800" dirty="0"/>
+              <a:t>Use CSS to configure your current website for display on both mobile and desktop devices.</a:t>
+            </a:r>
+          </a:p>
+          <a:p>
+            <a:pPr marL="909871" lvl="1" indent="-336404">
+              <a:buFont typeface="Verdana" panose="020B0604030504040204" pitchFamily="34" charset="0"/>
+              <a:buChar char="◦"/>
+            </a:pPr>
+            <a:r>
+              <a:rPr lang="en-US" sz="2800" dirty="0"/>
+              <a:t>Develop a mobile app which resides on the device</a:t>
+            </a:r>
+          </a:p>
+          <a:p>
+            <a:pPr marL="909871" lvl="1" indent="-336404">
+              <a:buFont typeface="Verdana" panose="020B0604030504040204" pitchFamily="34" charset="0"/>
+              <a:buChar char="◦"/>
             </a:pPr>
             <a:endParaRPr lang="en-US" dirty="0" smtClean="0"/>
-          </a:p>
-          <a:p>
-            <a:pPr>
-              <a:defRPr/>
-            </a:pPr>
-            <a:r>
-              <a:rPr lang="en-US" dirty="0" smtClean="0"/>
-              <a:t>Viewport Meta Tag</a:t>
-            </a:r>
-            <a:endParaRPr lang="en-US" dirty="0"/>
-          </a:p>
-          <a:p>
-            <a:pPr>
-              <a:defRPr/>
-            </a:pPr>
-            <a:r>
-              <a:rPr lang="en-US" dirty="0" smtClean="0"/>
-              <a:t>Created as an Apple extension to configure </a:t>
-            </a:r>
-            <a:br>
-              <a:rPr lang="en-US" dirty="0" smtClean="0"/>
-            </a:br>
-            <a:r>
-              <a:rPr lang="en-US" dirty="0" smtClean="0"/>
-              <a:t>display on mobile devices </a:t>
-            </a:r>
-          </a:p>
-          <a:p>
-            <a:pPr>
-              <a:defRPr/>
-            </a:pPr>
-            <a:r>
-              <a:rPr lang="en-US" dirty="0" smtClean="0"/>
-              <a:t>Configures width and initial scale of browser viewport</a:t>
-            </a:r>
-          </a:p>
-          <a:p>
-            <a:pPr marL="99341" indent="0">
-              <a:buNone/>
-              <a:defRPr/>
-            </a:pPr>
-            <a:r>
-              <a:rPr lang="en-US" dirty="0" smtClean="0">
-                <a:latin typeface="Times New Roman" pitchFamily="18" charset="0"/>
-                <a:cs typeface="Times New Roman" pitchFamily="18" charset="0"/>
-              </a:rPr>
-              <a:t>&lt;</a:t>
-            </a:r>
-            <a:r>
-              <a:rPr lang="en-US" dirty="0">
-                <a:latin typeface="Times New Roman" pitchFamily="18" charset="0"/>
-                <a:cs typeface="Times New Roman" pitchFamily="18" charset="0"/>
-              </a:rPr>
-              <a:t>meta name="viewport" content= </a:t>
-            </a:r>
-            <a:r>
-              <a:rPr lang="en-US" dirty="0" smtClean="0">
-                <a:latin typeface="Times New Roman" pitchFamily="18" charset="0"/>
-                <a:cs typeface="Times New Roman" pitchFamily="18" charset="0"/>
-              </a:rPr>
-              <a:t>"width=device-width, initial-scale=1.0</a:t>
-            </a:r>
-            <a:r>
-              <a:rPr lang="en-US" dirty="0">
-                <a:latin typeface="Times New Roman" pitchFamily="18" charset="0"/>
-                <a:cs typeface="Times New Roman" pitchFamily="18" charset="0"/>
-              </a:rPr>
-              <a:t>"&gt;</a:t>
-            </a:r>
-            <a:endParaRPr lang="en-US" dirty="0" smtClean="0">
-              <a:latin typeface="Times New Roman" pitchFamily="18" charset="0"/>
-              <a:cs typeface="Times New Roman" pitchFamily="18" charset="0"/>
-            </a:endParaRPr>
-          </a:p>
-          <a:p>
-            <a:pPr>
-              <a:defRPr/>
-            </a:pPr>
-            <a:endParaRPr lang="en-US" dirty="0"/>
-          </a:p>
-          <a:p>
-            <a:pPr>
-              <a:defRPr/>
-            </a:pPr>
-            <a:endParaRPr lang="en-US" dirty="0"/>
-          </a:p>
-        </p:txBody>
-      </p:sp>
-      <p:sp>
-        <p:nvSpPr>
-          <p:cNvPr id="29700" name="Slide Number Placeholder 3"/>
-          <p:cNvSpPr>
-            <a:spLocks noGrp="1"/>
-          </p:cNvSpPr>
-          <p:nvPr>
-            <p:ph type="sldNum" sz="quarter" idx="12"/>
-          </p:nvPr>
-        </p:nvSpPr>
-        <p:spPr bwMode="auto">
-          <a:xfrm>
-            <a:off x="12477623" y="9194800"/>
-            <a:ext cx="102592" cy="246221"/>
-          </a:xfrm>
-          <a:noFill/>
-          <a:extLst>
-            <a:ext uri="{909E8E84-426E-40DD-AFC4-6F175D3DCCD1}">
-              <a14:hiddenFill xmlns:a14="http://schemas.microsoft.com/office/drawing/2010/main">
-                <a:solidFill>
-                  <a:srgbClr val="FFFFFF"/>
-                </a:solidFill>
-              </a14:hiddenFill>
-            </a:ext>
-            <a:ext uri="{91240B29-F687-4F45-9708-019B960494DF}">
-              <a14:hiddenLine xmlns:a14="http://schemas.microsoft.com/office/drawing/2010/main" w="9525">
-                <a:solidFill>
-                  <a:srgbClr val="000000"/>
-                </a:solidFill>
-                <a:miter lim="800000"/>
-                <a:headEnd/>
-                <a:tailEnd/>
-              </a14:hiddenLine>
-            </a:ext>
-          </a:extLst>
-        </p:spPr>
-        <p:txBody>
-          <a:bodyPr/>
-          <a:lstStyle>
-            <a:lvl1pPr>
-              <a:defRPr sz="3400">
-                <a:solidFill>
-                  <a:schemeClr val="tx1"/>
-                </a:solidFill>
-                <a:latin typeface="Times New Roman" panose="02020603050405020304" pitchFamily="18" charset="0"/>
-              </a:defRPr>
-            </a:lvl1pPr>
-            <a:lvl2pPr marL="1056623" indent="-406394">
-              <a:defRPr sz="3400">
-                <a:solidFill>
-                  <a:schemeClr val="tx1"/>
-                </a:solidFill>
-                <a:latin typeface="Times New Roman" panose="02020603050405020304" pitchFamily="18" charset="0"/>
-              </a:defRPr>
-            </a:lvl2pPr>
-            <a:lvl3pPr marL="1625575" indent="-325115">
-              <a:defRPr sz="3400">
-                <a:solidFill>
-                  <a:schemeClr val="tx1"/>
-                </a:solidFill>
-                <a:latin typeface="Times New Roman" panose="02020603050405020304" pitchFamily="18" charset="0"/>
-              </a:defRPr>
-            </a:lvl3pPr>
-            <a:lvl4pPr marL="2275804" indent="-325115">
-              <a:defRPr sz="3400">
-                <a:solidFill>
-                  <a:schemeClr val="tx1"/>
-                </a:solidFill>
-                <a:latin typeface="Times New Roman" panose="02020603050405020304" pitchFamily="18" charset="0"/>
-              </a:defRPr>
-            </a:lvl4pPr>
-            <a:lvl5pPr marL="2926034" indent="-325115">
-              <a:defRPr sz="3400">
-                <a:solidFill>
-                  <a:schemeClr val="tx1"/>
-                </a:solidFill>
-                <a:latin typeface="Times New Roman" panose="02020603050405020304" pitchFamily="18" charset="0"/>
-              </a:defRPr>
-            </a:lvl5pPr>
-            <a:lvl6pPr marL="3576264" indent="-325115" eaLnBrk="0" fontAlgn="base" hangingPunct="0">
-              <a:spcBef>
-                <a:spcPct val="0"/>
-              </a:spcBef>
-              <a:spcAft>
-                <a:spcPct val="0"/>
-              </a:spcAft>
-              <a:defRPr sz="3400">
-                <a:solidFill>
-                  <a:schemeClr val="tx1"/>
-                </a:solidFill>
-                <a:latin typeface="Times New Roman" panose="02020603050405020304" pitchFamily="18" charset="0"/>
-              </a:defRPr>
-            </a:lvl6pPr>
-            <a:lvl7pPr marL="4226494" indent="-325115" eaLnBrk="0" fontAlgn="base" hangingPunct="0">
-              <a:spcBef>
-                <a:spcPct val="0"/>
-              </a:spcBef>
-              <a:spcAft>
-                <a:spcPct val="0"/>
-              </a:spcAft>
-              <a:defRPr sz="3400">
-                <a:solidFill>
-                  <a:schemeClr val="tx1"/>
-                </a:solidFill>
-                <a:latin typeface="Times New Roman" panose="02020603050405020304" pitchFamily="18" charset="0"/>
-              </a:defRPr>
-            </a:lvl7pPr>
-            <a:lvl8pPr marL="4876724" indent="-325115" eaLnBrk="0" fontAlgn="base" hangingPunct="0">
-              <a:spcBef>
-                <a:spcPct val="0"/>
-              </a:spcBef>
-              <a:spcAft>
-                <a:spcPct val="0"/>
-              </a:spcAft>
-              <a:defRPr sz="3400">
-                <a:solidFill>
-                  <a:schemeClr val="tx1"/>
-                </a:solidFill>
-                <a:latin typeface="Times New Roman" panose="02020603050405020304" pitchFamily="18" charset="0"/>
-              </a:defRPr>
-            </a:lvl8pPr>
-            <a:lvl9pPr marL="5526954" indent="-325115" eaLnBrk="0" fontAlgn="base" hangingPunct="0">
-              <a:spcBef>
-                <a:spcPct val="0"/>
-              </a:spcBef>
-              <a:spcAft>
-                <a:spcPct val="0"/>
-              </a:spcAft>
-              <a:defRPr sz="3400">
-                <a:solidFill>
-                  <a:schemeClr val="tx1"/>
-                </a:solidFill>
-                <a:latin typeface="Times New Roman" panose="02020603050405020304" pitchFamily="18" charset="0"/>
-              </a:defRPr>
-            </a:lvl9pPr>
-          </a:lstStyle>
-          <a:p>
-            <a:fld id="{1054D4AC-EEA7-4C33-B79B-D0648179EFCB}" type="slidenum">
-              <a:rPr lang="en-US" sz="1600">
-                <a:solidFill>
-                  <a:srgbClr val="4D4D4D"/>
-                </a:solidFill>
-              </a:rPr>
-              <a:pPr/>
-              <a:t>7</a:t>
-            </a:fld>
-            <a:endParaRPr lang="en-US" sz="1600">
-              <a:solidFill>
-                <a:srgbClr val="4D4D4D"/>
-              </a:solidFill>
-            </a:endParaRPr>
           </a:p>
         </p:txBody>
       </p:sp>
       <p:pic>
         <p:nvPicPr>
-          <p:cNvPr id="29701" name="Picture 2" descr="Figure7"/>
-          <p:cNvPicPr>
-            <a:picLocks noChangeAspect="1" noChangeArrowheads="1"/>
-          </p:cNvPicPr>
-          <p:nvPr/>
-        </p:nvPicPr>
-        <p:blipFill>
-          <a:blip r:embed="rId2">
-            <a:extLst>
-              <a:ext uri="{28A0092B-C50C-407E-A947-70E740481C1C}">
-                <a14:useLocalDpi xmlns:a14="http://schemas.microsoft.com/office/drawing/2010/main" val="0"/>
-              </a:ext>
-            </a:extLst>
-          </a:blip>
-          <a:srcRect/>
-          <a:stretch>
-            <a:fillRect/>
-          </a:stretch>
-        </p:blipFill>
-        <p:spPr bwMode="auto">
-          <a:xfrm>
-            <a:off x="9320107" y="866987"/>
-            <a:ext cx="1873956" cy="3115733"/>
-          </a:xfrm>
-          <a:prstGeom prst="rect">
-            <a:avLst/>
-          </a:prstGeom>
-          <a:noFill/>
-          <a:ln>
-            <a:noFill/>
-          </a:ln>
-          <a:extLst>
-            <a:ext uri="{909E8E84-426E-40DD-AFC4-6F175D3DCCD1}">
-              <a14:hiddenFill xmlns:a14="http://schemas.microsoft.com/office/drawing/2010/main">
-                <a:solidFill>
-                  <a:srgbClr val="FFFFFF"/>
-                </a:solidFill>
-              </a14:hiddenFill>
-            </a:ext>
-            <a:ext uri="{91240B29-F687-4F45-9708-019B960494DF}">
-              <a14:hiddenLine xmlns:a14="http://schemas.microsoft.com/office/drawing/2010/main" w="9525">
-                <a:solidFill>
-                  <a:srgbClr val="000000"/>
-                </a:solidFill>
-                <a:miter lim="800000"/>
-                <a:headEnd/>
-                <a:tailEnd/>
-              </a14:hiddenLine>
-            </a:ext>
-          </a:extLst>
-        </p:spPr>
-      </p:pic>
-      <p:pic>
-        <p:nvPicPr>
-          <p:cNvPr id="29702" name="Picture 3" descr="Figure7"/>
+          <p:cNvPr id="26628" name="Picture 5" descr="Figure7"/>
           <p:cNvPicPr>
             <a:picLocks noChangeAspect="1" noChangeArrowheads="1"/>
           </p:cNvPicPr>
@@ -10288,8 +10951,8 @@
         </p:blipFill>
         <p:spPr bwMode="auto">
           <a:xfrm>
-            <a:off x="9753600" y="6177280"/>
-            <a:ext cx="1873956" cy="3115733"/>
+            <a:off x="142241" y="2716107"/>
+            <a:ext cx="3920193" cy="6502399"/>
           </a:xfrm>
           <a:prstGeom prst="rect">
             <a:avLst/>
@@ -10322,13 +10985,21 @@
     </p:spTree>
     <p:extLst>
       <p:ext uri="{BB962C8B-B14F-4D97-AF65-F5344CB8AC3E}">
-        <p14:creationId xmlns:p14="http://schemas.microsoft.com/office/powerpoint/2010/main" val="3903868758"/>
+        <p14:creationId xmlns:p14="http://schemas.microsoft.com/office/powerpoint/2010/main" val="2462387230"/>
       </p:ext>
     </p:extLst>
   </p:cSld>
   <p:clrMapOvr>
     <a:masterClrMapping/>
   </p:clrMapOvr>
+  <p:transition spd="slow"/>
+  <p:timing>
+    <p:tnLst>
+      <p:par>
+        <p:cTn id="1" dur="indefinite" restart="never" nodeType="tmRoot"/>
+      </p:par>
+    </p:tnLst>
+  </p:timing>
 </p:sld>
 </file>
 
@@ -10364,17 +11035,32 @@
           <a:bodyPr/>
           <a:lstStyle/>
           <a:p>
-            <a:r>
-              <a:rPr lang="ga-IE" dirty="0" smtClean="0"/>
-              <a:t>Media queries</a:t>
-            </a:r>
-            <a:endParaRPr lang="ga-IE" dirty="0"/>
+            <a:pPr>
+              <a:defRPr/>
+            </a:pPr>
+            <a:r>
+              <a:rPr lang="en-US" smtClean="0">
+                <a:solidFill>
+                  <a:schemeClr val="tx2">
+                    <a:satMod val="130000"/>
+                  </a:schemeClr>
+                </a:solidFill>
+              </a:rPr>
+              <a:t>Mobile Web Limitations</a:t>
+            </a:r>
+            <a:endParaRPr lang="en-US">
+              <a:solidFill>
+                <a:schemeClr val="tx2">
+                  <a:satMod val="130000"/>
+                </a:schemeClr>
+              </a:solidFill>
+            </a:endParaRPr>
           </a:p>
         </p:txBody>
       </p:sp>
       <p:sp>
         <p:nvSpPr>
-          <p:cNvPr id="3" name="Content Placeholder 2"/>
+          <p:cNvPr id="27651" name="Content Placeholder 2"/>
           <p:cNvSpPr>
             <a:spLocks noGrp="1"/>
           </p:cNvSpPr>
@@ -10382,128 +11068,212 @@
             <p:ph idx="1"/>
           </p:nvPr>
         </p:nvSpPr>
-        <p:spPr/>
+        <p:spPr>
+          <a:xfrm>
+            <a:off x="274320" y="2324100"/>
+            <a:ext cx="7991856" cy="6565900"/>
+          </a:xfrm>
+        </p:spPr>
         <p:txBody>
-          <a:bodyPr>
-            <a:normAutofit/>
+          <a:bodyPr numCol="2">
+            <a:noAutofit/>
           </a:bodyPr>
           <a:lstStyle/>
           <a:p>
             <a:r>
-              <a:rPr lang="en-US" dirty="0"/>
-              <a:t>The second part of responsive design is CSS3 media queries, which currently enjoy decent support across many modern browsers. </a:t>
-            </a:r>
-            <a:r>
-              <a:rPr lang="ga-IE" dirty="0" smtClean="0"/>
-              <a:t>T</a:t>
-            </a:r>
-            <a:r>
-              <a:rPr lang="en-US" dirty="0" smtClean="0"/>
-              <a:t>hey </a:t>
-            </a:r>
-            <a:r>
-              <a:rPr lang="en-US" dirty="0"/>
-              <a:t>basically allow you to gather data about the site visitor and use it to conditionally apply CSS styles. For our purposes, we’re primarily interested in the min-width media feature, which allows us to apply specific CSS styles if the browser window drops below a particular width that we can specify. </a:t>
-            </a:r>
-            <a:endParaRPr lang="ga-IE" dirty="0" smtClean="0"/>
-          </a:p>
-          <a:p>
-            <a:r>
-              <a:rPr lang="en-US" dirty="0"/>
-              <a:t>The set of pixel widths I recommend targeting are as follows:</a:t>
-            </a:r>
-          </a:p>
-          <a:p>
-            <a:r>
-              <a:rPr lang="en-US" dirty="0" smtClean="0"/>
-              <a:t>320px</a:t>
-            </a:r>
-            <a:r>
-              <a:rPr lang="ga-IE" dirty="0" smtClean="0"/>
-              <a:t>, </a:t>
-            </a:r>
-            <a:r>
-              <a:rPr lang="en-US" dirty="0" smtClean="0"/>
-              <a:t>480px</a:t>
-            </a:r>
-            <a:r>
-              <a:rPr lang="ga-IE" dirty="0" smtClean="0"/>
-              <a:t>, </a:t>
-            </a:r>
-            <a:r>
-              <a:rPr lang="en-US" dirty="0" smtClean="0"/>
-              <a:t>600px</a:t>
-            </a:r>
-            <a:r>
-              <a:rPr lang="ga-IE" dirty="0" smtClean="0"/>
-              <a:t>, </a:t>
-            </a:r>
-            <a:r>
-              <a:rPr lang="en-US" dirty="0" smtClean="0"/>
-              <a:t>768px</a:t>
-            </a:r>
-            <a:r>
-              <a:rPr lang="ga-IE" dirty="0" smtClean="0"/>
-              <a:t>, </a:t>
-            </a:r>
-            <a:r>
-              <a:rPr lang="en-US" dirty="0" smtClean="0"/>
-              <a:t>900px</a:t>
-            </a:r>
-            <a:r>
-              <a:rPr lang="ga-IE" dirty="0" smtClean="0"/>
-              <a:t>, </a:t>
-            </a:r>
-            <a:r>
-              <a:rPr lang="en-US" dirty="0" smtClean="0"/>
-              <a:t>1200px</a:t>
-            </a:r>
-            <a:endParaRPr lang="en-US" dirty="0"/>
-          </a:p>
-          <a:p>
-            <a:endParaRPr lang="ga-IE" dirty="0"/>
+              <a:rPr lang="en-US" sz="2400" dirty="0">
+                <a:latin typeface="+mn-lt"/>
+              </a:rPr>
+              <a:t>Small Screen Size</a:t>
+            </a:r>
+          </a:p>
+          <a:p>
+            <a:pPr eaLnBrk="1" hangingPunct="1"/>
+            <a:r>
+              <a:rPr lang="en-US" sz="2400" dirty="0" smtClean="0">
+                <a:latin typeface="+mn-lt"/>
+              </a:rPr>
+              <a:t>Low bandwidth</a:t>
+            </a:r>
+          </a:p>
+          <a:p>
+            <a:pPr eaLnBrk="1" hangingPunct="1"/>
+            <a:r>
+              <a:rPr lang="en-US" sz="2400" dirty="0" smtClean="0">
+                <a:latin typeface="+mn-lt"/>
+              </a:rPr>
+              <a:t>Poor connectivity</a:t>
+            </a:r>
+          </a:p>
+          <a:p>
+            <a:pPr eaLnBrk="1" hangingPunct="1"/>
+            <a:r>
+              <a:rPr lang="en-US" sz="2400" dirty="0" smtClean="0">
+                <a:latin typeface="+mn-lt"/>
+              </a:rPr>
+              <a:t>No hover states</a:t>
+            </a:r>
+          </a:p>
+          <a:p>
+            <a:pPr eaLnBrk="1" hangingPunct="1"/>
+            <a:r>
+              <a:rPr lang="en-US" sz="2400" dirty="0" smtClean="0">
+                <a:latin typeface="+mn-lt"/>
+              </a:rPr>
+              <a:t>Slow error prone typing</a:t>
+            </a:r>
+          </a:p>
+          <a:p>
+            <a:pPr eaLnBrk="1" hangingPunct="1"/>
+            <a:r>
+              <a:rPr lang="en-US" sz="2400" dirty="0" smtClean="0">
+                <a:latin typeface="+mn-lt"/>
+              </a:rPr>
+              <a:t>Less context</a:t>
+            </a:r>
+          </a:p>
+          <a:p>
+            <a:pPr eaLnBrk="1" hangingPunct="1"/>
+            <a:r>
+              <a:rPr lang="en-US" sz="2400" dirty="0" smtClean="0">
+                <a:latin typeface="+mn-lt"/>
+              </a:rPr>
+              <a:t>Inaccurate clicks</a:t>
+            </a:r>
+          </a:p>
+          <a:p>
+            <a:pPr eaLnBrk="1" hangingPunct="1"/>
+            <a:r>
+              <a:rPr lang="en-US" sz="2400" dirty="0" smtClean="0">
+                <a:latin typeface="+mn-lt"/>
+              </a:rPr>
+              <a:t>Slow hardware</a:t>
+            </a:r>
+          </a:p>
+          <a:p>
+            <a:pPr eaLnBrk="1" hangingPunct="1"/>
+            <a:r>
+              <a:rPr lang="en-US" sz="2400" dirty="0" smtClean="0">
+                <a:latin typeface="+mn-lt"/>
+              </a:rPr>
+              <a:t>Awkward controls</a:t>
+            </a:r>
+          </a:p>
+          <a:p>
+            <a:pPr eaLnBrk="1" hangingPunct="1"/>
+            <a:r>
+              <a:rPr lang="en-US" sz="2400" dirty="0" smtClean="0">
+                <a:latin typeface="+mn-lt"/>
+              </a:rPr>
+              <a:t>Limited processor and memory</a:t>
+            </a:r>
+            <a:endParaRPr lang="ga-IE" sz="2400" dirty="0" smtClean="0">
+              <a:latin typeface="+mn-lt"/>
+            </a:endParaRPr>
+          </a:p>
+          <a:p>
+            <a:pPr eaLnBrk="1" hangingPunct="1"/>
+            <a:r>
+              <a:rPr lang="ga-IE" sz="2400" dirty="0" smtClean="0">
+                <a:latin typeface="+mn-lt"/>
+              </a:rPr>
+              <a:t>http://www.whitehouse.gov</a:t>
+            </a:r>
+          </a:p>
+          <a:p>
+            <a:pPr eaLnBrk="1" hangingPunct="1"/>
+            <a:r>
+              <a:rPr lang="ga-IE" sz="2400" dirty="0" smtClean="0">
+                <a:latin typeface="+mn-lt"/>
+              </a:rPr>
+              <a:t>http://m.whitehouse.gov</a:t>
+            </a:r>
+            <a:endParaRPr lang="en-US" sz="2400" dirty="0" smtClean="0">
+              <a:latin typeface="+mn-lt"/>
+            </a:endParaRPr>
+          </a:p>
+          <a:p>
+            <a:pPr marL="99341" indent="0">
+              <a:buNone/>
+            </a:pPr>
+            <a:endParaRPr lang="en-US" sz="2400" dirty="0" smtClean="0">
+              <a:latin typeface="+mn-lt"/>
+            </a:endParaRPr>
           </a:p>
         </p:txBody>
       </p:sp>
-      <p:sp>
-        <p:nvSpPr>
-          <p:cNvPr id="4" name="Slide Number Placeholder 3"/>
-          <p:cNvSpPr>
-            <a:spLocks noGrp="1"/>
-          </p:cNvSpPr>
-          <p:nvPr>
-            <p:ph type="sldNum" sz="quarter" idx="12"/>
-          </p:nvPr>
-        </p:nvSpPr>
-        <p:spPr>
+      <p:pic>
+        <p:nvPicPr>
+          <p:cNvPr id="27652" name="Picture 5" descr="Figure7"/>
+          <p:cNvPicPr>
+            <a:picLocks noChangeAspect="1" noChangeArrowheads="1"/>
+          </p:cNvPicPr>
+          <p:nvPr/>
+        </p:nvPicPr>
+        <p:blipFill>
+          <a:blip r:embed="rId3">
+            <a:extLst>
+              <a:ext uri="{28A0092B-C50C-407E-A947-70E740481C1C}">
+                <a14:useLocalDpi xmlns:a14="http://schemas.microsoft.com/office/drawing/2010/main" val="0"/>
+              </a:ext>
+            </a:extLst>
+          </a:blip>
+          <a:srcRect/>
+          <a:stretch>
+            <a:fillRect/>
+          </a:stretch>
+        </p:blipFill>
+        <p:spPr bwMode="auto">
           <a:xfrm>
-            <a:off x="12480829" y="9194800"/>
-            <a:ext cx="99386" cy="215444"/>
+            <a:off x="8453121" y="2167466"/>
+            <a:ext cx="3776045" cy="6263301"/>
           </a:xfrm>
-        </p:spPr>
-        <p:txBody>
-          <a:bodyPr/>
-          <a:lstStyle/>
-          <a:p>
-            <a:fld id="{D8398C30-C104-41D7-9C80-07F0F518FD17}" type="slidenum">
-              <a:rPr lang="en-US" smtClean="0"/>
-              <a:pPr/>
-              <a:t>8</a:t>
-            </a:fld>
-            <a:endParaRPr lang="en-US"/>
-          </a:p>
-        </p:txBody>
-      </p:sp>
+          <a:prstGeom prst="rect">
+            <a:avLst/>
+          </a:prstGeom>
+          <a:noFill/>
+          <a:ln>
+            <a:noFill/>
+          </a:ln>
+          <a:extLst>
+            <a:ext uri="{909E8E84-426E-40DD-AFC4-6F175D3DCCD1}">
+              <a14:hiddenFill xmlns:a14="http://schemas.microsoft.com/office/drawing/2010/main">
+                <a:solidFill>
+                  <a:srgbClr val="FFFFFF"/>
+                </a:solidFill>
+              </a14:hiddenFill>
+            </a:ext>
+            <a:ext uri="{91240B29-F687-4F45-9708-019B960494DF}">
+              <a14:hiddenLine xmlns:a14="http://schemas.microsoft.com/office/drawing/2010/main" w="9525">
+                <a:solidFill>
+                  <a:srgbClr val="000000"/>
+                </a:solidFill>
+                <a:miter lim="800000"/>
+                <a:headEnd/>
+                <a:tailEnd/>
+              </a14:hiddenLine>
+            </a:ext>
+          </a:extLst>
+        </p:spPr>
+      </p:pic>
     </p:spTree>
     <p:extLst>
       <p:ext uri="{BB962C8B-B14F-4D97-AF65-F5344CB8AC3E}">
-        <p14:creationId xmlns:p14="http://schemas.microsoft.com/office/powerpoint/2010/main" val="2314483587"/>
+        <p14:creationId xmlns:p14="http://schemas.microsoft.com/office/powerpoint/2010/main" val="2450961634"/>
       </p:ext>
     </p:extLst>
   </p:cSld>
   <p:clrMapOvr>
     <a:masterClrMapping/>
   </p:clrMapOvr>
+  <p:transition spd="slow"/>
+  <p:timing>
+    <p:tnLst>
+      <p:par>
+        <p:cTn id="1" dur="indefinite" restart="never" nodeType="tmRoot"/>
+      </p:par>
+    </p:tnLst>
+  </p:timing>
 </p:sld>
 </file>
 
@@ -10536,17 +11306,21 @@
         </p:nvSpPr>
         <p:spPr/>
         <p:txBody>
-          <a:bodyPr/>
+          <a:bodyPr>
+            <a:normAutofit/>
+          </a:bodyPr>
           <a:lstStyle/>
           <a:p>
-            <a:pPr algn="r">
-              <a:defRPr/>
-            </a:pPr>
-            <a:r>
-              <a:rPr lang="en-US" dirty="0" smtClean="0"/>
-              <a:t>CSS3 Media Queries</a:t>
-            </a:r>
-            <a:endParaRPr lang="en-US" dirty="0"/>
+            <a:r>
+              <a:rPr lang="en-GB" sz="5700" dirty="0">
+                <a:solidFill>
+                  <a:schemeClr val="tx2">
+                    <a:satMod val="130000"/>
+                  </a:schemeClr>
+                </a:solidFill>
+              </a:rPr>
+              <a:t>Approaches to mobile web</a:t>
+            </a:r>
           </a:p>
         </p:txBody>
       </p:sp>
@@ -10560,126 +11334,36 @@
             <p:ph idx="1"/>
           </p:nvPr>
         </p:nvSpPr>
-        <p:spPr>
-          <a:xfrm>
-            <a:off x="799254" y="2022969"/>
-            <a:ext cx="8954347" cy="5310293"/>
-          </a:xfrm>
-        </p:spPr>
+        <p:spPr/>
         <p:txBody>
-          <a:bodyPr>
-            <a:normAutofit fontScale="77500" lnSpcReduction="20000"/>
-          </a:bodyPr>
+          <a:bodyPr/>
           <a:lstStyle/>
           <a:p>
-            <a:pPr>
-              <a:defRPr/>
-            </a:pPr>
-            <a:r>
-              <a:rPr lang="en-US" sz="4600" b="1" dirty="0"/>
-              <a:t>Media Query</a:t>
-            </a:r>
-            <a:r>
-              <a:rPr lang="en-US" sz="4600" dirty="0"/>
-              <a:t> </a:t>
-            </a:r>
-          </a:p>
-          <a:p>
-            <a:pPr lvl="1">
-              <a:defRPr/>
-            </a:pPr>
-            <a:r>
-              <a:rPr lang="en-US" sz="3400" dirty="0"/>
-              <a:t>Determines the capability of the mobile device, such as screen resolution</a:t>
-            </a:r>
-          </a:p>
-          <a:p>
-            <a:pPr lvl="1">
-              <a:defRPr/>
-            </a:pPr>
-            <a:r>
-              <a:rPr lang="en-US" sz="3400" dirty="0"/>
-              <a:t>Directs the browser to styles configured specifically for those capabilities</a:t>
-            </a:r>
-            <a:br>
-              <a:rPr lang="en-US" sz="3400" dirty="0"/>
-            </a:br>
-            <a:endParaRPr lang="en-US" sz="3400" dirty="0"/>
-          </a:p>
-          <a:p>
-            <a:pPr>
-              <a:defRPr/>
-            </a:pPr>
-            <a:r>
-              <a:rPr lang="en-US" dirty="0" smtClean="0"/>
-              <a:t>Example:</a:t>
-            </a:r>
-          </a:p>
-          <a:p>
-            <a:pPr marL="99341" indent="0">
-              <a:buNone/>
-              <a:defRPr/>
-            </a:pPr>
-            <a:r>
-              <a:rPr lang="en-US" dirty="0">
-                <a:latin typeface="Times New Roman" pitchFamily="18" charset="0"/>
-                <a:cs typeface="Times New Roman" pitchFamily="18" charset="0"/>
-              </a:rPr>
-              <a:t>&lt;link href="lighthousemobile.css" </a:t>
-            </a:r>
-            <a:r>
-              <a:rPr lang="en-US" dirty="0" err="1">
-                <a:latin typeface="Times New Roman" pitchFamily="18" charset="0"/>
-                <a:cs typeface="Times New Roman" pitchFamily="18" charset="0"/>
-              </a:rPr>
-              <a:t>rel</a:t>
-            </a:r>
-            <a:r>
-              <a:rPr lang="en-US" dirty="0">
-                <a:latin typeface="Times New Roman" pitchFamily="18" charset="0"/>
-                <a:cs typeface="Times New Roman" pitchFamily="18" charset="0"/>
-              </a:rPr>
-              <a:t>="</a:t>
-            </a:r>
-            <a:r>
-              <a:rPr lang="en-US" dirty="0" err="1">
-                <a:latin typeface="Times New Roman" pitchFamily="18" charset="0"/>
-                <a:cs typeface="Times New Roman" pitchFamily="18" charset="0"/>
-              </a:rPr>
-              <a:t>stylesheet</a:t>
-            </a:r>
-            <a:r>
-              <a:rPr lang="en-US" dirty="0">
-                <a:latin typeface="Times New Roman" pitchFamily="18" charset="0"/>
-                <a:cs typeface="Times New Roman" pitchFamily="18" charset="0"/>
-              </a:rPr>
-              <a:t>" </a:t>
-            </a:r>
-            <a:br>
-              <a:rPr lang="en-US" dirty="0">
-                <a:latin typeface="Times New Roman" pitchFamily="18" charset="0"/>
-                <a:cs typeface="Times New Roman" pitchFamily="18" charset="0"/>
-              </a:rPr>
-            </a:br>
-            <a:r>
-              <a:rPr lang="en-US" dirty="0">
-                <a:latin typeface="Times New Roman" pitchFamily="18" charset="0"/>
-                <a:cs typeface="Times New Roman" pitchFamily="18" charset="0"/>
-              </a:rPr>
-              <a:t>      media="only screen and (max-device-width: 480px)"&gt;</a:t>
-            </a:r>
-          </a:p>
-          <a:p>
-            <a:pPr>
-              <a:defRPr/>
-            </a:pPr>
-            <a:endParaRPr lang="en-US" dirty="0"/>
+            <a:r>
+              <a:rPr lang="en-GB" dirty="0" smtClean="0"/>
+              <a:t>Make web sites that work well on a variety of screens (presentation)</a:t>
+            </a:r>
+          </a:p>
+          <a:p>
+            <a:r>
+              <a:rPr lang="en-GB" dirty="0" smtClean="0"/>
+              <a:t>Adjust your content for mobile users (content)</a:t>
+            </a:r>
+          </a:p>
+          <a:p>
+            <a:r>
+              <a:rPr lang="en-GB" dirty="0" smtClean="0"/>
+              <a:t>Give your users a smooth experience even on a slow connection (performance)</a:t>
+            </a:r>
+          </a:p>
+          <a:p>
+            <a:endParaRPr lang="en-GB" dirty="0"/>
           </a:p>
         </p:txBody>
       </p:sp>
       <p:sp>
         <p:nvSpPr>
-          <p:cNvPr id="30724" name="Slide Number Placeholder 3"/>
+          <p:cNvPr id="4" name="Slide Number Placeholder 3"/>
           <p:cNvSpPr>
             <a:spLocks noGrp="1"/>
           </p:cNvSpPr>
@@ -10687,208 +11371,29 @@
             <p:ph type="sldNum" sz="quarter" idx="12"/>
           </p:nvPr>
         </p:nvSpPr>
-        <p:spPr bwMode="auto">
+        <p:spPr>
           <a:xfrm>
-            <a:off x="12477623" y="9194800"/>
-            <a:ext cx="102592" cy="246221"/>
+            <a:off x="12480829" y="9194800"/>
+            <a:ext cx="99386" cy="215444"/>
           </a:xfrm>
-          <a:noFill/>
-          <a:extLst>
-            <a:ext uri="{909E8E84-426E-40DD-AFC4-6F175D3DCCD1}">
-              <a14:hiddenFill xmlns:a14="http://schemas.microsoft.com/office/drawing/2010/main">
-                <a:solidFill>
-                  <a:srgbClr val="FFFFFF"/>
-                </a:solidFill>
-              </a14:hiddenFill>
-            </a:ext>
-            <a:ext uri="{91240B29-F687-4F45-9708-019B960494DF}">
-              <a14:hiddenLine xmlns:a14="http://schemas.microsoft.com/office/drawing/2010/main" w="9525">
-                <a:solidFill>
-                  <a:srgbClr val="000000"/>
-                </a:solidFill>
-                <a:miter lim="800000"/>
-                <a:headEnd/>
-                <a:tailEnd/>
-              </a14:hiddenLine>
-            </a:ext>
-          </a:extLst>
         </p:spPr>
         <p:txBody>
           <a:bodyPr/>
-          <a:lstStyle>
-            <a:lvl1pPr>
-              <a:defRPr sz="3400">
-                <a:solidFill>
-                  <a:schemeClr val="tx1"/>
-                </a:solidFill>
-                <a:latin typeface="Times New Roman" panose="02020603050405020304" pitchFamily="18" charset="0"/>
-              </a:defRPr>
-            </a:lvl1pPr>
-            <a:lvl2pPr marL="1056623" indent="-406394">
-              <a:defRPr sz="3400">
-                <a:solidFill>
-                  <a:schemeClr val="tx1"/>
-                </a:solidFill>
-                <a:latin typeface="Times New Roman" panose="02020603050405020304" pitchFamily="18" charset="0"/>
-              </a:defRPr>
-            </a:lvl2pPr>
-            <a:lvl3pPr marL="1625575" indent="-325115">
-              <a:defRPr sz="3400">
-                <a:solidFill>
-                  <a:schemeClr val="tx1"/>
-                </a:solidFill>
-                <a:latin typeface="Times New Roman" panose="02020603050405020304" pitchFamily="18" charset="0"/>
-              </a:defRPr>
-            </a:lvl3pPr>
-            <a:lvl4pPr marL="2275804" indent="-325115">
-              <a:defRPr sz="3400">
-                <a:solidFill>
-                  <a:schemeClr val="tx1"/>
-                </a:solidFill>
-                <a:latin typeface="Times New Roman" panose="02020603050405020304" pitchFamily="18" charset="0"/>
-              </a:defRPr>
-            </a:lvl4pPr>
-            <a:lvl5pPr marL="2926034" indent="-325115">
-              <a:defRPr sz="3400">
-                <a:solidFill>
-                  <a:schemeClr val="tx1"/>
-                </a:solidFill>
-                <a:latin typeface="Times New Roman" panose="02020603050405020304" pitchFamily="18" charset="0"/>
-              </a:defRPr>
-            </a:lvl5pPr>
-            <a:lvl6pPr marL="3576264" indent="-325115" eaLnBrk="0" fontAlgn="base" hangingPunct="0">
-              <a:spcBef>
-                <a:spcPct val="0"/>
-              </a:spcBef>
-              <a:spcAft>
-                <a:spcPct val="0"/>
-              </a:spcAft>
-              <a:defRPr sz="3400">
-                <a:solidFill>
-                  <a:schemeClr val="tx1"/>
-                </a:solidFill>
-                <a:latin typeface="Times New Roman" panose="02020603050405020304" pitchFamily="18" charset="0"/>
-              </a:defRPr>
-            </a:lvl6pPr>
-            <a:lvl7pPr marL="4226494" indent="-325115" eaLnBrk="0" fontAlgn="base" hangingPunct="0">
-              <a:spcBef>
-                <a:spcPct val="0"/>
-              </a:spcBef>
-              <a:spcAft>
-                <a:spcPct val="0"/>
-              </a:spcAft>
-              <a:defRPr sz="3400">
-                <a:solidFill>
-                  <a:schemeClr val="tx1"/>
-                </a:solidFill>
-                <a:latin typeface="Times New Roman" panose="02020603050405020304" pitchFamily="18" charset="0"/>
-              </a:defRPr>
-            </a:lvl7pPr>
-            <a:lvl8pPr marL="4876724" indent="-325115" eaLnBrk="0" fontAlgn="base" hangingPunct="0">
-              <a:spcBef>
-                <a:spcPct val="0"/>
-              </a:spcBef>
-              <a:spcAft>
-                <a:spcPct val="0"/>
-              </a:spcAft>
-              <a:defRPr sz="3400">
-                <a:solidFill>
-                  <a:schemeClr val="tx1"/>
-                </a:solidFill>
-                <a:latin typeface="Times New Roman" panose="02020603050405020304" pitchFamily="18" charset="0"/>
-              </a:defRPr>
-            </a:lvl8pPr>
-            <a:lvl9pPr marL="5526954" indent="-325115" eaLnBrk="0" fontAlgn="base" hangingPunct="0">
-              <a:spcBef>
-                <a:spcPct val="0"/>
-              </a:spcBef>
-              <a:spcAft>
-                <a:spcPct val="0"/>
-              </a:spcAft>
-              <a:defRPr sz="3400">
-                <a:solidFill>
-                  <a:schemeClr val="tx1"/>
-                </a:solidFill>
-                <a:latin typeface="Times New Roman" panose="02020603050405020304" pitchFamily="18" charset="0"/>
-              </a:defRPr>
-            </a:lvl9pPr>
-          </a:lstStyle>
-          <a:p>
-            <a:fld id="{E319A314-9F38-4176-A618-FA58D10A5455}" type="slidenum">
-              <a:rPr lang="en-US" sz="1600">
-                <a:solidFill>
-                  <a:srgbClr val="4D4D4D"/>
-                </a:solidFill>
-              </a:rPr>
+          <a:lstStyle/>
+          <a:p>
+            <a:fld id="{D8398C30-C104-41D7-9C80-07F0F518FD17}" type="slidenum">
+              <a:rPr lang="en-US" smtClean="0"/>
               <a:pPr/>
               <a:t>9</a:t>
             </a:fld>
-            <a:endParaRPr lang="en-US" sz="1600">
-              <a:solidFill>
-                <a:srgbClr val="4D4D4D"/>
-              </a:solidFill>
-            </a:endParaRPr>
+            <a:endParaRPr lang="en-US"/>
           </a:p>
         </p:txBody>
       </p:sp>
-      <p:pic>
-        <p:nvPicPr>
-          <p:cNvPr id="30725" name="Picture 2" descr="Figure7"/>
-          <p:cNvPicPr>
-            <a:picLocks noChangeAspect="1" noChangeArrowheads="1"/>
-          </p:cNvPicPr>
-          <p:nvPr/>
-        </p:nvPicPr>
-        <p:blipFill>
-          <a:blip r:embed="rId2">
-            <a:extLst>
-              <a:ext uri="{28A0092B-C50C-407E-A947-70E740481C1C}">
-                <a14:useLocalDpi xmlns:a14="http://schemas.microsoft.com/office/drawing/2010/main" val="0"/>
-              </a:ext>
-            </a:extLst>
-          </a:blip>
-          <a:srcRect/>
-          <a:stretch>
-            <a:fillRect/>
-          </a:stretch>
-        </p:blipFill>
-        <p:spPr bwMode="auto">
-          <a:xfrm>
-            <a:off x="9753601" y="2275840"/>
-            <a:ext cx="2454205" cy="4082062"/>
-          </a:xfrm>
-          <a:prstGeom prst="rect">
-            <a:avLst/>
-          </a:prstGeom>
-          <a:noFill/>
-          <a:ln>
-            <a:noFill/>
-          </a:ln>
-          <a:extLst>
-            <a:ext uri="{909E8E84-426E-40DD-AFC4-6F175D3DCCD1}">
-              <a14:hiddenFill xmlns:a14="http://schemas.microsoft.com/office/drawing/2010/main">
-                <a:solidFill>
-                  <a:srgbClr val="FFFFFF"/>
-                </a:solidFill>
-              </a14:hiddenFill>
-            </a:ext>
-            <a:ext uri="{91240B29-F687-4F45-9708-019B960494DF}">
-              <a14:hiddenLine xmlns:a14="http://schemas.microsoft.com/office/drawing/2010/main" w="9525">
-                <a:solidFill>
-                  <a:srgbClr val="000000"/>
-                </a:solidFill>
-                <a:miter lim="800000"/>
-                <a:headEnd/>
-                <a:tailEnd/>
-              </a14:hiddenLine>
-            </a:ext>
-          </a:extLst>
-        </p:spPr>
-      </p:pic>
     </p:spTree>
     <p:extLst>
       <p:ext uri="{BB962C8B-B14F-4D97-AF65-F5344CB8AC3E}">
-        <p14:creationId xmlns:p14="http://schemas.microsoft.com/office/powerpoint/2010/main" val="3945496411"/>
+        <p14:creationId xmlns:p14="http://schemas.microsoft.com/office/powerpoint/2010/main" val="3931815775"/>
       </p:ext>
     </p:extLst>
   </p:cSld>

--- a/topic07/talk-1/a-css-layout-part2.pptx
+++ b/topic07/talk-1/a-css-layout-part2.pptx
@@ -4754,7 +4754,7 @@
           </a:ln>
           <a:extLst>
             <a:ext uri="{C572A759-6A51-4108-AA02-DFA0A04FC94B}">
-              <ma14:wrappingTextBoxFlag xmlns:ma14="http://schemas.microsoft.com/office/mac/drawingml/2011/main" xmlns="" val="1"/>
+              <ma14:wrappingTextBoxFlag xmlns="" xmlns:ma14="http://schemas.microsoft.com/office/mac/drawingml/2011/main" val="1"/>
             </a:ext>
           </a:extLst>
         </p:spPr>
@@ -4793,7 +4793,7 @@
           </a:ln>
           <a:extLst>
             <a:ext uri="{C572A759-6A51-4108-AA02-DFA0A04FC94B}">
-              <ma14:wrappingTextBoxFlag xmlns:ma14="http://schemas.microsoft.com/office/mac/drawingml/2011/main" xmlns="" val="1"/>
+              <ma14:wrappingTextBoxFlag xmlns="" xmlns:ma14="http://schemas.microsoft.com/office/mac/drawingml/2011/main" val="1"/>
             </a:ext>
           </a:extLst>
         </p:spPr>
@@ -8587,6 +8587,13 @@
               </a:rPr>
               <a:t>flexbox</a:t>
             </a:r>
+            <a:endParaRPr lang="en-IE" dirty="0">
+              <a:solidFill>
+                <a:schemeClr val="tx2">
+                  <a:satMod val="130000"/>
+                </a:schemeClr>
+              </a:solidFill>
+            </a:endParaRPr>
           </a:p>
         </p:txBody>
       </p:sp>
@@ -8816,7 +8823,7 @@
           </a:prstGeom>
           <a:extLst>
             <a:ext uri="{C572A759-6A51-4108-AA02-DFA0A04FC94B}">
-              <ma14:wrappingTextBoxFlag xmlns:ma14="http://schemas.microsoft.com/office/mac/drawingml/2011/main" xmlns="" val="1"/>
+              <ma14:wrappingTextBoxFlag xmlns="" xmlns:ma14="http://schemas.microsoft.com/office/mac/drawingml/2011/main" val="1"/>
             </a:ext>
           </a:extLst>
         </p:spPr>
@@ -9646,7 +9653,7 @@
             <a:effectLst/>
             <a:extLst>
               <a:ext uri="{C572A759-6A51-4108-AA02-DFA0A04FC94B}">
-                <ma14:wrappingTextBoxFlag xmlns:ma14="http://schemas.microsoft.com/office/mac/drawingml/2011/main" xmlns="" val="1"/>
+                <ma14:wrappingTextBoxFlag xmlns="" xmlns:ma14="http://schemas.microsoft.com/office/mac/drawingml/2011/main" val="1"/>
               </a:ext>
             </a:extLst>
           </p:spPr>
@@ -10120,7 +10127,7 @@
           </a:ln>
           <a:extLst>
             <a:ext uri="{C572A759-6A51-4108-AA02-DFA0A04FC94B}">
-              <ma14:wrappingTextBoxFlag xmlns:ma14="http://schemas.microsoft.com/office/mac/drawingml/2011/main" xmlns="" val="1"/>
+              <ma14:wrappingTextBoxFlag xmlns="" xmlns:ma14="http://schemas.microsoft.com/office/mac/drawingml/2011/main" val="1"/>
             </a:ext>
           </a:extLst>
         </p:spPr>
